--- a/electronique/b0_intro/B0_1_CeTI.pptx
+++ b/electronique/b0_intro/B0_1_CeTI.pptx
@@ -14,8 +14,8 @@
     <p:sldId id="280" r:id="rId5"/>
     <p:sldId id="271" r:id="rId6"/>
     <p:sldId id="278" r:id="rId7"/>
-    <p:sldId id="267" r:id="rId8"/>
-    <p:sldId id="273" r:id="rId9"/>
+    <p:sldId id="273" r:id="rId8"/>
+    <p:sldId id="267" r:id="rId9"/>
     <p:sldId id="277" r:id="rId10"/>
     <p:sldId id="272" r:id="rId11"/>
     <p:sldId id="275" r:id="rId12"/>
@@ -124,7 +124,18 @@
   </p:defaultTextStyle>
   <p:extLst>
     <p:ext uri="{EFAFB233-063F-42B5-8137-9DF3F51BA10A}">
-      <p15:sldGuideLst xmlns="" xmlns:p15="http://schemas.microsoft.com/office/powerpoint/2012/main"/>
+      <p15:sldGuideLst xmlns:p15="http://schemas.microsoft.com/office/powerpoint/2012/main">
+        <p15:guide id="1" orient="horz" pos="2160">
+          <p15:clr>
+            <a:srgbClr val="A4A3A4"/>
+          </p15:clr>
+        </p15:guide>
+        <p15:guide id="2" pos="3840">
+          <p15:clr>
+            <a:srgbClr val="A4A3A4"/>
+          </p15:clr>
+        </p15:guide>
+      </p15:sldGuideLst>
     </p:ext>
   </p:extLst>
 </p:presentation>
@@ -212,7 +223,7 @@
           <a:p>
             <a:fld id="{729C724E-499D-43AC-8699-CF969D2466FC}" type="datetimeFigureOut">
               <a:rPr lang="fr-FR" smtClean="0"/>
-              <a:t>16/06/2023</a:t>
+              <a:t>21/06/2023</a:t>
             </a:fld>
             <a:endParaRPr lang="fr-FR"/>
           </a:p>
@@ -276,38 +287,37 @@
           <a:p>
             <a:pPr lvl="0"/>
             <a:r>
-              <a:rPr lang="fr-FR" smtClean="0"/>
+              <a:rPr lang="fr-FR"/>
               <a:t>Modifiez les styles du texte du masque</a:t>
             </a:r>
           </a:p>
           <a:p>
             <a:pPr lvl="1"/>
             <a:r>
-              <a:rPr lang="fr-FR" smtClean="0"/>
+              <a:rPr lang="fr-FR"/>
               <a:t>Deuxième niveau</a:t>
             </a:r>
           </a:p>
           <a:p>
             <a:pPr lvl="2"/>
             <a:r>
-              <a:rPr lang="fr-FR" smtClean="0"/>
+              <a:rPr lang="fr-FR"/>
               <a:t>Troisième niveau</a:t>
             </a:r>
           </a:p>
           <a:p>
             <a:pPr lvl="3"/>
             <a:r>
-              <a:rPr lang="fr-FR" smtClean="0"/>
+              <a:rPr lang="fr-FR"/>
               <a:t>Quatrième niveau</a:t>
             </a:r>
           </a:p>
           <a:p>
             <a:pPr lvl="4"/>
             <a:r>
-              <a:rPr lang="fr-FR" smtClean="0"/>
+              <a:rPr lang="fr-FR"/>
               <a:t>Cinquième niveau</a:t>
             </a:r>
-            <a:endParaRPr lang="fr-FR"/>
           </a:p>
         </p:txBody>
       </p:sp>
@@ -525,7 +535,7 @@
           <a:lstStyle/>
           <a:p>
             <a:r>
-              <a:rPr lang="fr-FR" sz="1200" b="0" i="0" kern="1200" dirty="0" smtClean="0">
+              <a:rPr lang="fr-FR" sz="1200" b="0" i="0" kern="1200" dirty="0">
                 <a:solidFill>
                   <a:schemeClr val="tx1"/>
                 </a:solidFill>
@@ -537,7 +547,7 @@
               <a:t>Une image, un son, un texte… autant de formes différentes d’informations qui transitent en quantité toujours plus importante chaque jour à travers les réseaux de télécommunications. C’est l’un des nouveaux enjeux de la photonique de s’intéresser au transport et au traitement de toutes ces informations. Pour cela, il est essentiel de pouvoir distinguer les différents types de signaux qui peuvent coexister et de connaître les causes de leur apparition ou de leur dégradation lorsqu’ils passent à travers différents systèmes (optique, électronique ou informatique). Cette unité d’enseignement inclut l’étude des outils théoriques et pratiques indispensables pour le traitement du signal (transformée de Fourier, convolution, corrélation, probabilités...), la mise en </a:t>
             </a:r>
             <a:r>
-              <a:rPr lang="fr-FR" sz="1200" b="0" i="0" kern="1200" dirty="0" err="1" smtClean="0">
+              <a:rPr lang="fr-FR" sz="1200" b="0" i="0" kern="1200" dirty="0" err="1">
                 <a:solidFill>
                   <a:schemeClr val="tx1"/>
                 </a:solidFill>
@@ -549,7 +559,7 @@
               <a:t>oeuvre</a:t>
             </a:r>
             <a:r>
-              <a:rPr lang="fr-FR" sz="1200" b="0" i="0" kern="1200" dirty="0" smtClean="0">
+              <a:rPr lang="fr-FR" sz="1200" b="0" i="0" kern="1200" dirty="0">
                 <a:solidFill>
                   <a:schemeClr val="tx1"/>
                 </a:solidFill>
@@ -645,7 +655,7 @@
           <a:lstStyle/>
           <a:p>
             <a:r>
-              <a:rPr lang="fr-FR" sz="1200" b="0" i="0" kern="1200" dirty="0" smtClean="0">
+              <a:rPr lang="fr-FR" sz="1200" b="0" i="0" kern="1200" dirty="0">
                 <a:solidFill>
                   <a:schemeClr val="tx1"/>
                 </a:solidFill>
@@ -657,7 +667,7 @@
               <a:t>Une image, un son, un texte… autant de formes différentes d’informations qui transitent en quantité toujours plus importante chaque jour à travers les réseaux de télécommunications. C’est l’un des nouveaux enjeux de la photonique de s’intéresser au transport et au traitement de toutes ces informations. Pour cela, il est essentiel de pouvoir distinguer les différents types de signaux qui peuvent coexister et de connaître les causes de leur apparition ou de leur dégradation lorsqu’ils passent à travers différents systèmes (optique, électronique ou informatique). Cette unité d’enseignement inclut l’étude des outils théoriques et pratiques indispensables pour le traitement du signal (transformée de Fourier, convolution, corrélation, probabilités...), la mise en </a:t>
             </a:r>
             <a:r>
-              <a:rPr lang="fr-FR" sz="1200" b="0" i="0" kern="1200" dirty="0" err="1" smtClean="0">
+              <a:rPr lang="fr-FR" sz="1200" b="0" i="0" kern="1200" dirty="0" err="1">
                 <a:solidFill>
                   <a:schemeClr val="tx1"/>
                 </a:solidFill>
@@ -669,7 +679,7 @@
               <a:t>oeuvre</a:t>
             </a:r>
             <a:r>
-              <a:rPr lang="fr-FR" sz="1200" b="0" i="0" kern="1200" dirty="0" smtClean="0">
+              <a:rPr lang="fr-FR" sz="1200" b="0" i="0" kern="1200" dirty="0">
                 <a:solidFill>
                   <a:schemeClr val="tx1"/>
                 </a:solidFill>
@@ -765,7 +775,7 @@
           <a:lstStyle/>
           <a:p>
             <a:r>
-              <a:rPr lang="fr-FR" sz="1200" b="0" i="0" kern="1200" dirty="0" smtClean="0">
+              <a:rPr lang="fr-FR" sz="1200" b="0" i="0" kern="1200" dirty="0">
                 <a:solidFill>
                   <a:schemeClr val="tx1"/>
                 </a:solidFill>
@@ -777,7 +787,7 @@
               <a:t>Une image, un son, un texte… autant de formes différentes d’informations qui transitent en quantité toujours plus importante chaque jour à travers les réseaux de télécommunications. C’est l’un des nouveaux enjeux de la photonique de s’intéresser au transport et au traitement de toutes ces informations. Pour cela, il est essentiel de pouvoir distinguer les différents types de signaux qui peuvent coexister et de connaître les causes de leur apparition ou de leur dégradation lorsqu’ils passent à travers différents systèmes (optique, électronique ou informatique). Cette unité d’enseignement inclut l’étude des outils théoriques et pratiques indispensables pour le traitement du signal (transformée de Fourier, convolution, corrélation, probabilités...), la mise en </a:t>
             </a:r>
             <a:r>
-              <a:rPr lang="fr-FR" sz="1200" b="0" i="0" kern="1200" dirty="0" err="1" smtClean="0">
+              <a:rPr lang="fr-FR" sz="1200" b="0" i="0" kern="1200" dirty="0" err="1">
                 <a:solidFill>
                   <a:schemeClr val="tx1"/>
                 </a:solidFill>
@@ -789,7 +799,7 @@
               <a:t>oeuvre</a:t>
             </a:r>
             <a:r>
-              <a:rPr lang="fr-FR" sz="1200" b="0" i="0" kern="1200" dirty="0" smtClean="0">
+              <a:rPr lang="fr-FR" sz="1200" b="0" i="0" kern="1200" dirty="0">
                 <a:solidFill>
                   <a:schemeClr val="tx1"/>
                 </a:solidFill>
@@ -905,7 +915,7 @@
           <a:p>
             <a:fld id="{6BDC53D4-8BF5-4FDD-81EC-7AC957B0D210}" type="slidenum">
               <a:rPr lang="fr-FR" smtClean="0"/>
-              <a:t>8</a:t>
+              <a:t>7</a:t>
             </a:fld>
             <a:endParaRPr lang="fr-FR"/>
           </a:p>
@@ -946,7 +956,7 @@
           <p:cNvPr id="2" name="Title 1">
             <a:extLst>
               <a:ext uri="{FF2B5EF4-FFF2-40B4-BE49-F238E27FC236}">
-                <a16:creationId xmlns="" xmlns:a16="http://schemas.microsoft.com/office/drawing/2014/main" id="{E0EB8136-4330-4480-80D9-0F6FD970617C}"/>
+                <a16:creationId xmlns:a16="http://schemas.microsoft.com/office/drawing/2014/main" id="{E0EB8136-4330-4480-80D9-0F6FD970617C}"/>
               </a:ext>
             </a:extLst>
           </p:cNvPr>
@@ -985,7 +995,7 @@
           <p:cNvPr id="3" name="Subtitle 2">
             <a:extLst>
               <a:ext uri="{FF2B5EF4-FFF2-40B4-BE49-F238E27FC236}">
-                <a16:creationId xmlns="" xmlns:a16="http://schemas.microsoft.com/office/drawing/2014/main" id="{566E5739-DD96-45FB-B609-3E3447A52FED}"/>
+                <a16:creationId xmlns:a16="http://schemas.microsoft.com/office/drawing/2014/main" id="{566E5739-DD96-45FB-B609-3E3447A52FED}"/>
               </a:ext>
             </a:extLst>
           </p:cNvPr>
@@ -1057,7 +1067,7 @@
           <p:cNvPr id="4" name="Date Placeholder 3">
             <a:extLst>
               <a:ext uri="{FF2B5EF4-FFF2-40B4-BE49-F238E27FC236}">
-                <a16:creationId xmlns="" xmlns:a16="http://schemas.microsoft.com/office/drawing/2014/main" id="{1B9FF558-51F9-42A2-9944-DBE23DA8B224}"/>
+                <a16:creationId xmlns:a16="http://schemas.microsoft.com/office/drawing/2014/main" id="{1B9FF558-51F9-42A2-9944-DBE23DA8B224}"/>
               </a:ext>
             </a:extLst>
           </p:cNvPr>
@@ -1080,7 +1090,7 @@
           <a:p>
             <a:fld id="{02AC24A9-CCB6-4F8D-B8DB-C2F3692CFA5A}" type="datetimeFigureOut">
               <a:rPr lang="en-US" smtClean="0"/>
-              <a:t>6/16/2023</a:t>
+              <a:t>6/21/2023</a:t>
             </a:fld>
             <a:endParaRPr lang="en-US" dirty="0"/>
           </a:p>
@@ -1091,7 +1101,7 @@
           <p:cNvPr id="5" name="Footer Placeholder 4">
             <a:extLst>
               <a:ext uri="{FF2B5EF4-FFF2-40B4-BE49-F238E27FC236}">
-                <a16:creationId xmlns="" xmlns:a16="http://schemas.microsoft.com/office/drawing/2014/main" id="{8B8C0E86-A7F7-4BDC-A637-254E5252DED5}"/>
+                <a16:creationId xmlns:a16="http://schemas.microsoft.com/office/drawing/2014/main" id="{8B8C0E86-A7F7-4BDC-A637-254E5252DED5}"/>
               </a:ext>
             </a:extLst>
           </p:cNvPr>
@@ -1116,7 +1126,7 @@
           <p:cNvPr id="6" name="Slide Number Placeholder 5">
             <a:extLst>
               <a:ext uri="{FF2B5EF4-FFF2-40B4-BE49-F238E27FC236}">
-                <a16:creationId xmlns="" xmlns:a16="http://schemas.microsoft.com/office/drawing/2014/main" id="{C3D10ADE-E9DA-4E57-BF57-1CCB65219839}"/>
+                <a16:creationId xmlns:a16="http://schemas.microsoft.com/office/drawing/2014/main" id="{C3D10ADE-E9DA-4E57-BF57-1CCB65219839}"/>
               </a:ext>
             </a:extLst>
           </p:cNvPr>
@@ -1150,7 +1160,7 @@
           <p:cNvPr id="8" name="Rectangle 7">
             <a:extLst>
               <a:ext uri="{FF2B5EF4-FFF2-40B4-BE49-F238E27FC236}">
-                <a16:creationId xmlns="" xmlns:a16="http://schemas.microsoft.com/office/drawing/2014/main" id="{8D06CE56-3881-4ADA-8CEF-D18B02C242A3}"/>
+                <a16:creationId xmlns:a16="http://schemas.microsoft.com/office/drawing/2014/main" id="{8D06CE56-3881-4ADA-8CEF-D18B02C242A3}"/>
               </a:ext>
             </a:extLst>
           </p:cNvPr>
@@ -1231,7 +1241,7 @@
           <p:cNvPr id="10" name="Rectangle 9">
             <a:extLst>
               <a:ext uri="{FF2B5EF4-FFF2-40B4-BE49-F238E27FC236}">
-                <a16:creationId xmlns="" xmlns:a16="http://schemas.microsoft.com/office/drawing/2014/main" id="{79F3C543-62EC-4433-9C93-A2CD8764E9B4}"/>
+                <a16:creationId xmlns:a16="http://schemas.microsoft.com/office/drawing/2014/main" id="{79F3C543-62EC-4433-9C93-A2CD8764E9B4}"/>
               </a:ext>
             </a:extLst>
           </p:cNvPr>
@@ -1346,7 +1356,7 @@
           <p:cNvPr id="2" name="Title 1">
             <a:extLst>
               <a:ext uri="{FF2B5EF4-FFF2-40B4-BE49-F238E27FC236}">
-                <a16:creationId xmlns="" xmlns:a16="http://schemas.microsoft.com/office/drawing/2014/main" id="{90B32C18-E430-4EC7-BD7C-99D86D012231}"/>
+                <a16:creationId xmlns:a16="http://schemas.microsoft.com/office/drawing/2014/main" id="{90B32C18-E430-4EC7-BD7C-99D86D012231}"/>
               </a:ext>
             </a:extLst>
           </p:cNvPr>
@@ -1375,7 +1385,7 @@
           <p:cNvPr id="3" name="Vertical Text Placeholder 2">
             <a:extLst>
               <a:ext uri="{FF2B5EF4-FFF2-40B4-BE49-F238E27FC236}">
-                <a16:creationId xmlns="" xmlns:a16="http://schemas.microsoft.com/office/drawing/2014/main" id="{8FC5012F-7119-4D94-9717-3862E1C9384E}"/>
+                <a16:creationId xmlns:a16="http://schemas.microsoft.com/office/drawing/2014/main" id="{8FC5012F-7119-4D94-9717-3862E1C9384E}"/>
               </a:ext>
             </a:extLst>
           </p:cNvPr>
@@ -1432,7 +1442,7 @@
           <p:cNvPr id="4" name="Date Placeholder 3">
             <a:extLst>
               <a:ext uri="{FF2B5EF4-FFF2-40B4-BE49-F238E27FC236}">
-                <a16:creationId xmlns="" xmlns:a16="http://schemas.microsoft.com/office/drawing/2014/main" id="{19ED9A4A-D287-4207-9037-70DB007A1707}"/>
+                <a16:creationId xmlns:a16="http://schemas.microsoft.com/office/drawing/2014/main" id="{19ED9A4A-D287-4207-9037-70DB007A1707}"/>
               </a:ext>
             </a:extLst>
           </p:cNvPr>
@@ -1450,7 +1460,7 @@
           <a:p>
             <a:fld id="{02AC24A9-CCB6-4F8D-B8DB-C2F3692CFA5A}" type="datetimeFigureOut">
               <a:rPr lang="en-US" smtClean="0"/>
-              <a:t>6/16/2023</a:t>
+              <a:t>6/21/2023</a:t>
             </a:fld>
             <a:endParaRPr lang="en-US"/>
           </a:p>
@@ -1461,7 +1471,7 @@
           <p:cNvPr id="5" name="Footer Placeholder 4">
             <a:extLst>
               <a:ext uri="{FF2B5EF4-FFF2-40B4-BE49-F238E27FC236}">
-                <a16:creationId xmlns="" xmlns:a16="http://schemas.microsoft.com/office/drawing/2014/main" id="{61ECFCAC-80DB-43BB-B3F1-AC22BACEE360}"/>
+                <a16:creationId xmlns:a16="http://schemas.microsoft.com/office/drawing/2014/main" id="{61ECFCAC-80DB-43BB-B3F1-AC22BACEE360}"/>
               </a:ext>
             </a:extLst>
           </p:cNvPr>
@@ -1486,7 +1496,7 @@
           <p:cNvPr id="6" name="Slide Number Placeholder 5">
             <a:extLst>
               <a:ext uri="{FF2B5EF4-FFF2-40B4-BE49-F238E27FC236}">
-                <a16:creationId xmlns="" xmlns:a16="http://schemas.microsoft.com/office/drawing/2014/main" id="{D7679730-3487-4D94-A0DC-C21684963AB3}"/>
+                <a16:creationId xmlns:a16="http://schemas.microsoft.com/office/drawing/2014/main" id="{D7679730-3487-4D94-A0DC-C21684963AB3}"/>
               </a:ext>
             </a:extLst>
           </p:cNvPr>
@@ -1545,7 +1555,7 @@
           <p:cNvPr id="2" name="Vertical Title 1">
             <a:extLst>
               <a:ext uri="{FF2B5EF4-FFF2-40B4-BE49-F238E27FC236}">
-                <a16:creationId xmlns="" xmlns:a16="http://schemas.microsoft.com/office/drawing/2014/main" id="{B543C89D-929E-4CD1-BCCC-72A14C0335D6}"/>
+                <a16:creationId xmlns:a16="http://schemas.microsoft.com/office/drawing/2014/main" id="{B543C89D-929E-4CD1-BCCC-72A14C0335D6}"/>
               </a:ext>
             </a:extLst>
           </p:cNvPr>
@@ -1579,7 +1589,7 @@
           <p:cNvPr id="3" name="Vertical Text Placeholder 2">
             <a:extLst>
               <a:ext uri="{FF2B5EF4-FFF2-40B4-BE49-F238E27FC236}">
-                <a16:creationId xmlns="" xmlns:a16="http://schemas.microsoft.com/office/drawing/2014/main" id="{FED450EA-A577-4B76-A12F-650BEB20FD8D}"/>
+                <a16:creationId xmlns:a16="http://schemas.microsoft.com/office/drawing/2014/main" id="{FED450EA-A577-4B76-A12F-650BEB20FD8D}"/>
               </a:ext>
             </a:extLst>
           </p:cNvPr>
@@ -1641,7 +1651,7 @@
           <p:cNvPr id="4" name="Date Placeholder 3">
             <a:extLst>
               <a:ext uri="{FF2B5EF4-FFF2-40B4-BE49-F238E27FC236}">
-                <a16:creationId xmlns="" xmlns:a16="http://schemas.microsoft.com/office/drawing/2014/main" id="{41D2603B-9ACE-4FA9-805B-9B91EB63DF7D}"/>
+                <a16:creationId xmlns:a16="http://schemas.microsoft.com/office/drawing/2014/main" id="{41D2603B-9ACE-4FA9-805B-9B91EB63DF7D}"/>
               </a:ext>
             </a:extLst>
           </p:cNvPr>
@@ -1659,7 +1669,7 @@
           <a:p>
             <a:fld id="{02AC24A9-CCB6-4F8D-B8DB-C2F3692CFA5A}" type="datetimeFigureOut">
               <a:rPr lang="en-US" smtClean="0"/>
-              <a:t>6/16/2023</a:t>
+              <a:t>6/21/2023</a:t>
             </a:fld>
             <a:endParaRPr lang="en-US"/>
           </a:p>
@@ -1670,7 +1680,7 @@
           <p:cNvPr id="5" name="Footer Placeholder 4">
             <a:extLst>
               <a:ext uri="{FF2B5EF4-FFF2-40B4-BE49-F238E27FC236}">
-                <a16:creationId xmlns="" xmlns:a16="http://schemas.microsoft.com/office/drawing/2014/main" id="{7ECE18AC-D6A9-4A61-885D-68E2B684A438}"/>
+                <a16:creationId xmlns:a16="http://schemas.microsoft.com/office/drawing/2014/main" id="{7ECE18AC-D6A9-4A61-885D-68E2B684A438}"/>
               </a:ext>
             </a:extLst>
           </p:cNvPr>
@@ -1695,7 +1705,7 @@
           <p:cNvPr id="6" name="Slide Number Placeholder 5">
             <a:extLst>
               <a:ext uri="{FF2B5EF4-FFF2-40B4-BE49-F238E27FC236}">
-                <a16:creationId xmlns="" xmlns:a16="http://schemas.microsoft.com/office/drawing/2014/main" id="{75197AE4-AA47-4E14-8FFE-171FAE47F49E}"/>
+                <a16:creationId xmlns:a16="http://schemas.microsoft.com/office/drawing/2014/main" id="{75197AE4-AA47-4E14-8FFE-171FAE47F49E}"/>
               </a:ext>
             </a:extLst>
           </p:cNvPr>
@@ -1754,7 +1764,7 @@
           <p:cNvPr id="8" name="Rectangle 7">
             <a:extLst>
               <a:ext uri="{FF2B5EF4-FFF2-40B4-BE49-F238E27FC236}">
-                <a16:creationId xmlns="" xmlns:a16="http://schemas.microsoft.com/office/drawing/2014/main" id="{2D6FBB9D-1CAA-4D05-AB33-BABDFE17B843}"/>
+                <a16:creationId xmlns:a16="http://schemas.microsoft.com/office/drawing/2014/main" id="{2D6FBB9D-1CAA-4D05-AB33-BABDFE17B843}"/>
               </a:ext>
             </a:extLst>
           </p:cNvPr>
@@ -1845,7 +1855,7 @@
           <p:cNvPr id="10" name="Rectangle 9">
             <a:extLst>
               <a:ext uri="{FF2B5EF4-FFF2-40B4-BE49-F238E27FC236}">
-                <a16:creationId xmlns="" xmlns:a16="http://schemas.microsoft.com/office/drawing/2014/main" id="{04727B71-B4B6-4823-80A1-68C40B475118}"/>
+                <a16:creationId xmlns:a16="http://schemas.microsoft.com/office/drawing/2014/main" id="{04727B71-B4B6-4823-80A1-68C40B475118}"/>
               </a:ext>
             </a:extLst>
           </p:cNvPr>
@@ -1924,7 +1934,7 @@
           <p:cNvPr id="12" name="Rectangle 11">
             <a:extLst>
               <a:ext uri="{FF2B5EF4-FFF2-40B4-BE49-F238E27FC236}">
-                <a16:creationId xmlns="" xmlns:a16="http://schemas.microsoft.com/office/drawing/2014/main" id="{79A6DB05-9FB5-4B07-8675-74C23D4FD89D}"/>
+                <a16:creationId xmlns:a16="http://schemas.microsoft.com/office/drawing/2014/main" id="{79A6DB05-9FB5-4B07-8675-74C23D4FD89D}"/>
               </a:ext>
             </a:extLst>
           </p:cNvPr>
@@ -2005,7 +2015,7 @@
           <p:cNvPr id="2" name="Title 1">
             <a:extLst>
               <a:ext uri="{FF2B5EF4-FFF2-40B4-BE49-F238E27FC236}">
-                <a16:creationId xmlns="" xmlns:a16="http://schemas.microsoft.com/office/drawing/2014/main" id="{48D358CF-0758-490A-A084-C46443B9ABE8}"/>
+                <a16:creationId xmlns:a16="http://schemas.microsoft.com/office/drawing/2014/main" id="{48D358CF-0758-490A-A084-C46443B9ABE8}"/>
               </a:ext>
             </a:extLst>
           </p:cNvPr>
@@ -2044,7 +2054,7 @@
           <p:cNvPr id="3" name="Content Placeholder 2">
             <a:extLst>
               <a:ext uri="{FF2B5EF4-FFF2-40B4-BE49-F238E27FC236}">
-                <a16:creationId xmlns="" xmlns:a16="http://schemas.microsoft.com/office/drawing/2014/main" id="{21671183-B3CE-4F45-92FB-98290CA0E2CA}"/>
+                <a16:creationId xmlns:a16="http://schemas.microsoft.com/office/drawing/2014/main" id="{21671183-B3CE-4F45-92FB-98290CA0E2CA}"/>
               </a:ext>
             </a:extLst>
           </p:cNvPr>
@@ -2106,7 +2116,7 @@
           <p:cNvPr id="4" name="Date Placeholder 3">
             <a:extLst>
               <a:ext uri="{FF2B5EF4-FFF2-40B4-BE49-F238E27FC236}">
-                <a16:creationId xmlns="" xmlns:a16="http://schemas.microsoft.com/office/drawing/2014/main" id="{3D7DED67-27EC-4D43-A21C-093C1DB04813}"/>
+                <a16:creationId xmlns:a16="http://schemas.microsoft.com/office/drawing/2014/main" id="{3D7DED67-27EC-4D43-A21C-093C1DB04813}"/>
               </a:ext>
             </a:extLst>
           </p:cNvPr>
@@ -2129,7 +2139,7 @@
           <a:p>
             <a:fld id="{02AC24A9-CCB6-4F8D-B8DB-C2F3692CFA5A}" type="datetimeFigureOut">
               <a:rPr lang="en-US" smtClean="0"/>
-              <a:t>6/16/2023</a:t>
+              <a:t>6/21/2023</a:t>
             </a:fld>
             <a:endParaRPr lang="en-US"/>
           </a:p>
@@ -2140,7 +2150,7 @@
           <p:cNvPr id="5" name="Footer Placeholder 4">
             <a:extLst>
               <a:ext uri="{FF2B5EF4-FFF2-40B4-BE49-F238E27FC236}">
-                <a16:creationId xmlns="" xmlns:a16="http://schemas.microsoft.com/office/drawing/2014/main" id="{36747CE3-4890-4BC1-94DB-5D49D02C9933}"/>
+                <a16:creationId xmlns:a16="http://schemas.microsoft.com/office/drawing/2014/main" id="{36747CE3-4890-4BC1-94DB-5D49D02C9933}"/>
               </a:ext>
             </a:extLst>
           </p:cNvPr>
@@ -2165,7 +2175,7 @@
           <p:cNvPr id="6" name="Slide Number Placeholder 5">
             <a:extLst>
               <a:ext uri="{FF2B5EF4-FFF2-40B4-BE49-F238E27FC236}">
-                <a16:creationId xmlns="" xmlns:a16="http://schemas.microsoft.com/office/drawing/2014/main" id="{093C5AD3-D79A-4D46-B25B-822FE0252511}"/>
+                <a16:creationId xmlns:a16="http://schemas.microsoft.com/office/drawing/2014/main" id="{093C5AD3-D79A-4D46-B25B-822FE0252511}"/>
               </a:ext>
             </a:extLst>
           </p:cNvPr>
@@ -2229,7 +2239,7 @@
           <p:cNvPr id="8" name="Rectangle 7">
             <a:extLst>
               <a:ext uri="{FF2B5EF4-FFF2-40B4-BE49-F238E27FC236}">
-                <a16:creationId xmlns="" xmlns:a16="http://schemas.microsoft.com/office/drawing/2014/main" id="{85AEDC5C-2E87-49C6-AB07-A95E5F39ED8E}"/>
+                <a16:creationId xmlns:a16="http://schemas.microsoft.com/office/drawing/2014/main" id="{85AEDC5C-2E87-49C6-AB07-A95E5F39ED8E}"/>
               </a:ext>
             </a:extLst>
           </p:cNvPr>
@@ -2320,7 +2330,7 @@
           <p:cNvPr id="10" name="Rectangle 9">
             <a:extLst>
               <a:ext uri="{FF2B5EF4-FFF2-40B4-BE49-F238E27FC236}">
-                <a16:creationId xmlns="" xmlns:a16="http://schemas.microsoft.com/office/drawing/2014/main" id="{A57D88DE-E462-4C8A-BF99-609390DFB781}"/>
+                <a16:creationId xmlns:a16="http://schemas.microsoft.com/office/drawing/2014/main" id="{A57D88DE-E462-4C8A-BF99-609390DFB781}"/>
               </a:ext>
             </a:extLst>
           </p:cNvPr>
@@ -2401,7 +2411,7 @@
           <p:cNvPr id="2" name="Title 1">
             <a:extLst>
               <a:ext uri="{FF2B5EF4-FFF2-40B4-BE49-F238E27FC236}">
-                <a16:creationId xmlns="" xmlns:a16="http://schemas.microsoft.com/office/drawing/2014/main" id="{B8E44900-E8BF-4B12-8BCB-41076E2B68C7}"/>
+                <a16:creationId xmlns:a16="http://schemas.microsoft.com/office/drawing/2014/main" id="{B8E44900-E8BF-4B12-8BCB-41076E2B68C7}"/>
               </a:ext>
             </a:extLst>
           </p:cNvPr>
@@ -2440,7 +2450,7 @@
           <p:cNvPr id="3" name="Text Placeholder 2">
             <a:extLst>
               <a:ext uri="{FF2B5EF4-FFF2-40B4-BE49-F238E27FC236}">
-                <a16:creationId xmlns="" xmlns:a16="http://schemas.microsoft.com/office/drawing/2014/main" id="{917741F9-B00F-4463-A257-6B66DABD9B4E}"/>
+                <a16:creationId xmlns:a16="http://schemas.microsoft.com/office/drawing/2014/main" id="{917741F9-B00F-4463-A257-6B66DABD9B4E}"/>
               </a:ext>
             </a:extLst>
           </p:cNvPr>
@@ -2565,7 +2575,7 @@
           <p:cNvPr id="4" name="Date Placeholder 3">
             <a:extLst>
               <a:ext uri="{FF2B5EF4-FFF2-40B4-BE49-F238E27FC236}">
-                <a16:creationId xmlns="" xmlns:a16="http://schemas.microsoft.com/office/drawing/2014/main" id="{D48BFA7D-4401-4285-802B-1579165F0D6D}"/>
+                <a16:creationId xmlns:a16="http://schemas.microsoft.com/office/drawing/2014/main" id="{D48BFA7D-4401-4285-802B-1579165F0D6D}"/>
               </a:ext>
             </a:extLst>
           </p:cNvPr>
@@ -2583,7 +2593,7 @@
           <a:p>
             <a:fld id="{02AC24A9-CCB6-4F8D-B8DB-C2F3692CFA5A}" type="datetimeFigureOut">
               <a:rPr lang="en-US" smtClean="0"/>
-              <a:t>6/16/2023</a:t>
+              <a:t>6/21/2023</a:t>
             </a:fld>
             <a:endParaRPr lang="en-US"/>
           </a:p>
@@ -2594,7 +2604,7 @@
           <p:cNvPr id="5" name="Footer Placeholder 4">
             <a:extLst>
               <a:ext uri="{FF2B5EF4-FFF2-40B4-BE49-F238E27FC236}">
-                <a16:creationId xmlns="" xmlns:a16="http://schemas.microsoft.com/office/drawing/2014/main" id="{49A909C5-AA19-4195-8376-9002D5DF4651}"/>
+                <a16:creationId xmlns:a16="http://schemas.microsoft.com/office/drawing/2014/main" id="{49A909C5-AA19-4195-8376-9002D5DF4651}"/>
               </a:ext>
             </a:extLst>
           </p:cNvPr>
@@ -2619,7 +2629,7 @@
           <p:cNvPr id="6" name="Slide Number Placeholder 5">
             <a:extLst>
               <a:ext uri="{FF2B5EF4-FFF2-40B4-BE49-F238E27FC236}">
-                <a16:creationId xmlns="" xmlns:a16="http://schemas.microsoft.com/office/drawing/2014/main" id="{53AC3F32-46E0-47C8-8565-5969A475FDB0}"/>
+                <a16:creationId xmlns:a16="http://schemas.microsoft.com/office/drawing/2014/main" id="{53AC3F32-46E0-47C8-8565-5969A475FDB0}"/>
               </a:ext>
             </a:extLst>
           </p:cNvPr>
@@ -2678,7 +2688,7 @@
           <p:cNvPr id="9" name="Rectangle 8">
             <a:extLst>
               <a:ext uri="{FF2B5EF4-FFF2-40B4-BE49-F238E27FC236}">
-                <a16:creationId xmlns="" xmlns:a16="http://schemas.microsoft.com/office/drawing/2014/main" id="{2076262E-36A0-40C6-ADE6-90CD9FB9B9EA}"/>
+                <a16:creationId xmlns:a16="http://schemas.microsoft.com/office/drawing/2014/main" id="{2076262E-36A0-40C6-ADE6-90CD9FB9B9EA}"/>
               </a:ext>
             </a:extLst>
           </p:cNvPr>
@@ -2769,7 +2779,7 @@
           <p:cNvPr id="11" name="Rectangle 10">
             <a:extLst>
               <a:ext uri="{FF2B5EF4-FFF2-40B4-BE49-F238E27FC236}">
-                <a16:creationId xmlns="" xmlns:a16="http://schemas.microsoft.com/office/drawing/2014/main" id="{42677A9B-4D1D-4D80-912C-24570140A650}"/>
+                <a16:creationId xmlns:a16="http://schemas.microsoft.com/office/drawing/2014/main" id="{42677A9B-4D1D-4D80-912C-24570140A650}"/>
               </a:ext>
             </a:extLst>
           </p:cNvPr>
@@ -2848,7 +2858,7 @@
           <p:cNvPr id="13" name="Rectangle 12">
             <a:extLst>
               <a:ext uri="{FF2B5EF4-FFF2-40B4-BE49-F238E27FC236}">
-                <a16:creationId xmlns="" xmlns:a16="http://schemas.microsoft.com/office/drawing/2014/main" id="{03DC8C98-510F-48C9-82B2-9E4F760A68DF}"/>
+                <a16:creationId xmlns:a16="http://schemas.microsoft.com/office/drawing/2014/main" id="{03DC8C98-510F-48C9-82B2-9E4F760A68DF}"/>
               </a:ext>
             </a:extLst>
           </p:cNvPr>
@@ -2929,7 +2939,7 @@
           <p:cNvPr id="2" name="Title 1">
             <a:extLst>
               <a:ext uri="{FF2B5EF4-FFF2-40B4-BE49-F238E27FC236}">
-                <a16:creationId xmlns="" xmlns:a16="http://schemas.microsoft.com/office/drawing/2014/main" id="{17A078AE-0BC3-48F9-87EC-2DB0CCE7E2AE}"/>
+                <a16:creationId xmlns:a16="http://schemas.microsoft.com/office/drawing/2014/main" id="{17A078AE-0BC3-48F9-87EC-2DB0CCE7E2AE}"/>
               </a:ext>
             </a:extLst>
           </p:cNvPr>
@@ -2968,7 +2978,7 @@
           <p:cNvPr id="3" name="Content Placeholder 2">
             <a:extLst>
               <a:ext uri="{FF2B5EF4-FFF2-40B4-BE49-F238E27FC236}">
-                <a16:creationId xmlns="" xmlns:a16="http://schemas.microsoft.com/office/drawing/2014/main" id="{292A20DF-0829-4336-B59F-FF9D7AA9D8B6}"/>
+                <a16:creationId xmlns:a16="http://schemas.microsoft.com/office/drawing/2014/main" id="{292A20DF-0829-4336-B59F-FF9D7AA9D8B6}"/>
               </a:ext>
             </a:extLst>
           </p:cNvPr>
@@ -3030,7 +3040,7 @@
           <p:cNvPr id="4" name="Content Placeholder 3">
             <a:extLst>
               <a:ext uri="{FF2B5EF4-FFF2-40B4-BE49-F238E27FC236}">
-                <a16:creationId xmlns="" xmlns:a16="http://schemas.microsoft.com/office/drawing/2014/main" id="{7935D01C-CF67-4DF6-B96C-FFC9D5BF847B}"/>
+                <a16:creationId xmlns:a16="http://schemas.microsoft.com/office/drawing/2014/main" id="{7935D01C-CF67-4DF6-B96C-FFC9D5BF847B}"/>
               </a:ext>
             </a:extLst>
           </p:cNvPr>
@@ -3092,7 +3102,7 @@
           <p:cNvPr id="5" name="Date Placeholder 4">
             <a:extLst>
               <a:ext uri="{FF2B5EF4-FFF2-40B4-BE49-F238E27FC236}">
-                <a16:creationId xmlns="" xmlns:a16="http://schemas.microsoft.com/office/drawing/2014/main" id="{29BBD797-6031-4F82-8726-EAB757027FF5}"/>
+                <a16:creationId xmlns:a16="http://schemas.microsoft.com/office/drawing/2014/main" id="{29BBD797-6031-4F82-8726-EAB757027FF5}"/>
               </a:ext>
             </a:extLst>
           </p:cNvPr>
@@ -3115,7 +3125,7 @@
           <a:p>
             <a:fld id="{02AC24A9-CCB6-4F8D-B8DB-C2F3692CFA5A}" type="datetimeFigureOut">
               <a:rPr lang="en-US" smtClean="0"/>
-              <a:t>6/16/2023</a:t>
+              <a:t>6/21/2023</a:t>
             </a:fld>
             <a:endParaRPr lang="en-US"/>
           </a:p>
@@ -3126,7 +3136,7 @@
           <p:cNvPr id="6" name="Footer Placeholder 5">
             <a:extLst>
               <a:ext uri="{FF2B5EF4-FFF2-40B4-BE49-F238E27FC236}">
-                <a16:creationId xmlns="" xmlns:a16="http://schemas.microsoft.com/office/drawing/2014/main" id="{76B3F71C-B897-4909-A75E-8716AD49C156}"/>
+                <a16:creationId xmlns:a16="http://schemas.microsoft.com/office/drawing/2014/main" id="{76B3F71C-B897-4909-A75E-8716AD49C156}"/>
               </a:ext>
             </a:extLst>
           </p:cNvPr>
@@ -3151,7 +3161,7 @@
           <p:cNvPr id="7" name="Slide Number Placeholder 6">
             <a:extLst>
               <a:ext uri="{FF2B5EF4-FFF2-40B4-BE49-F238E27FC236}">
-                <a16:creationId xmlns="" xmlns:a16="http://schemas.microsoft.com/office/drawing/2014/main" id="{4F78BC14-5BB1-405F-A6F3-C07230F085C8}"/>
+                <a16:creationId xmlns:a16="http://schemas.microsoft.com/office/drawing/2014/main" id="{4F78BC14-5BB1-405F-A6F3-C07230F085C8}"/>
               </a:ext>
             </a:extLst>
           </p:cNvPr>
@@ -3215,7 +3225,7 @@
           <p:cNvPr id="11" name="Rectangle 10">
             <a:extLst>
               <a:ext uri="{FF2B5EF4-FFF2-40B4-BE49-F238E27FC236}">
-                <a16:creationId xmlns="" xmlns:a16="http://schemas.microsoft.com/office/drawing/2014/main" id="{6B671BDE-E45C-41A1-9B98-4A607D703855}"/>
+                <a16:creationId xmlns:a16="http://schemas.microsoft.com/office/drawing/2014/main" id="{6B671BDE-E45C-41A1-9B98-4A607D703855}"/>
               </a:ext>
             </a:extLst>
           </p:cNvPr>
@@ -3306,7 +3316,7 @@
           <p:cNvPr id="13" name="Rectangle 12">
             <a:extLst>
               <a:ext uri="{FF2B5EF4-FFF2-40B4-BE49-F238E27FC236}">
-                <a16:creationId xmlns="" xmlns:a16="http://schemas.microsoft.com/office/drawing/2014/main" id="{299500CE-917A-4D03-A7DF-71D8EBBC1537}"/>
+                <a16:creationId xmlns:a16="http://schemas.microsoft.com/office/drawing/2014/main" id="{299500CE-917A-4D03-A7DF-71D8EBBC1537}"/>
               </a:ext>
             </a:extLst>
           </p:cNvPr>
@@ -3385,7 +3395,7 @@
           <p:cNvPr id="15" name="Rectangle 14">
             <a:extLst>
               <a:ext uri="{FF2B5EF4-FFF2-40B4-BE49-F238E27FC236}">
-                <a16:creationId xmlns="" xmlns:a16="http://schemas.microsoft.com/office/drawing/2014/main" id="{C3D0D377-28B0-417D-886B-9483AF064975}"/>
+                <a16:creationId xmlns:a16="http://schemas.microsoft.com/office/drawing/2014/main" id="{C3D0D377-28B0-417D-886B-9483AF064975}"/>
               </a:ext>
             </a:extLst>
           </p:cNvPr>
@@ -3466,7 +3476,7 @@
           <p:cNvPr id="2" name="Title 1">
             <a:extLst>
               <a:ext uri="{FF2B5EF4-FFF2-40B4-BE49-F238E27FC236}">
-                <a16:creationId xmlns="" xmlns:a16="http://schemas.microsoft.com/office/drawing/2014/main" id="{0F8F91F8-0767-40B5-A3AA-72931FC192EA}"/>
+                <a16:creationId xmlns:a16="http://schemas.microsoft.com/office/drawing/2014/main" id="{0F8F91F8-0767-40B5-A3AA-72931FC192EA}"/>
               </a:ext>
             </a:extLst>
           </p:cNvPr>
@@ -3505,7 +3515,7 @@
           <p:cNvPr id="3" name="Text Placeholder 2">
             <a:extLst>
               <a:ext uri="{FF2B5EF4-FFF2-40B4-BE49-F238E27FC236}">
-                <a16:creationId xmlns="" xmlns:a16="http://schemas.microsoft.com/office/drawing/2014/main" id="{AAAE0554-8BEE-4BF6-9519-51B8475D35E1}"/>
+                <a16:creationId xmlns:a16="http://schemas.microsoft.com/office/drawing/2014/main" id="{AAAE0554-8BEE-4BF6-9519-51B8475D35E1}"/>
               </a:ext>
             </a:extLst>
           </p:cNvPr>
@@ -3576,7 +3586,7 @@
           <p:cNvPr id="4" name="Content Placeholder 3">
             <a:extLst>
               <a:ext uri="{FF2B5EF4-FFF2-40B4-BE49-F238E27FC236}">
-                <a16:creationId xmlns="" xmlns:a16="http://schemas.microsoft.com/office/drawing/2014/main" id="{FD4A358D-C930-48E0-B372-06A826B74C47}"/>
+                <a16:creationId xmlns:a16="http://schemas.microsoft.com/office/drawing/2014/main" id="{FD4A358D-C930-48E0-B372-06A826B74C47}"/>
               </a:ext>
             </a:extLst>
           </p:cNvPr>
@@ -3648,7 +3658,7 @@
           <p:cNvPr id="5" name="Text Placeholder 4">
             <a:extLst>
               <a:ext uri="{FF2B5EF4-FFF2-40B4-BE49-F238E27FC236}">
-                <a16:creationId xmlns="" xmlns:a16="http://schemas.microsoft.com/office/drawing/2014/main" id="{83B6615E-4966-4150-83B6-C47591B36383}"/>
+                <a16:creationId xmlns:a16="http://schemas.microsoft.com/office/drawing/2014/main" id="{83B6615E-4966-4150-83B6-C47591B36383}"/>
               </a:ext>
             </a:extLst>
           </p:cNvPr>
@@ -3719,7 +3729,7 @@
           <p:cNvPr id="6" name="Content Placeholder 5">
             <a:extLst>
               <a:ext uri="{FF2B5EF4-FFF2-40B4-BE49-F238E27FC236}">
-                <a16:creationId xmlns="" xmlns:a16="http://schemas.microsoft.com/office/drawing/2014/main" id="{BD409F6B-C17B-4B4F-9F35-5068BDC4E2FD}"/>
+                <a16:creationId xmlns:a16="http://schemas.microsoft.com/office/drawing/2014/main" id="{BD409F6B-C17B-4B4F-9F35-5068BDC4E2FD}"/>
               </a:ext>
             </a:extLst>
           </p:cNvPr>
@@ -3791,7 +3801,7 @@
           <p:cNvPr id="7" name="Date Placeholder 6">
             <a:extLst>
               <a:ext uri="{FF2B5EF4-FFF2-40B4-BE49-F238E27FC236}">
-                <a16:creationId xmlns="" xmlns:a16="http://schemas.microsoft.com/office/drawing/2014/main" id="{C8BC356D-052B-4A9B-8B2F-6665FD325AB3}"/>
+                <a16:creationId xmlns:a16="http://schemas.microsoft.com/office/drawing/2014/main" id="{C8BC356D-052B-4A9B-8B2F-6665FD325AB3}"/>
               </a:ext>
             </a:extLst>
           </p:cNvPr>
@@ -3814,7 +3824,7 @@
           <a:p>
             <a:fld id="{02AC24A9-CCB6-4F8D-B8DB-C2F3692CFA5A}" type="datetimeFigureOut">
               <a:rPr lang="en-US" smtClean="0"/>
-              <a:t>6/16/2023</a:t>
+              <a:t>6/21/2023</a:t>
             </a:fld>
             <a:endParaRPr lang="en-US"/>
           </a:p>
@@ -3825,7 +3835,7 @@
           <p:cNvPr id="8" name="Footer Placeholder 7">
             <a:extLst>
               <a:ext uri="{FF2B5EF4-FFF2-40B4-BE49-F238E27FC236}">
-                <a16:creationId xmlns="" xmlns:a16="http://schemas.microsoft.com/office/drawing/2014/main" id="{69C5E5FA-26A9-467C-93E3-8476142D1D46}"/>
+                <a16:creationId xmlns:a16="http://schemas.microsoft.com/office/drawing/2014/main" id="{69C5E5FA-26A9-467C-93E3-8476142D1D46}"/>
               </a:ext>
             </a:extLst>
           </p:cNvPr>
@@ -3850,7 +3860,7 @@
           <p:cNvPr id="9" name="Slide Number Placeholder 8">
             <a:extLst>
               <a:ext uri="{FF2B5EF4-FFF2-40B4-BE49-F238E27FC236}">
-                <a16:creationId xmlns="" xmlns:a16="http://schemas.microsoft.com/office/drawing/2014/main" id="{D279E50C-1E40-4B48-871B-E392428D20A3}"/>
+                <a16:creationId xmlns:a16="http://schemas.microsoft.com/office/drawing/2014/main" id="{D279E50C-1E40-4B48-871B-E392428D20A3}"/>
               </a:ext>
             </a:extLst>
           </p:cNvPr>
@@ -3914,7 +3924,7 @@
           <p:cNvPr id="7" name="Rectangle 6">
             <a:extLst>
               <a:ext uri="{FF2B5EF4-FFF2-40B4-BE49-F238E27FC236}">
-                <a16:creationId xmlns="" xmlns:a16="http://schemas.microsoft.com/office/drawing/2014/main" id="{8C0689C4-0DB3-408B-A956-40326B4AE4C4}"/>
+                <a16:creationId xmlns:a16="http://schemas.microsoft.com/office/drawing/2014/main" id="{8C0689C4-0DB3-408B-A956-40326B4AE4C4}"/>
               </a:ext>
             </a:extLst>
           </p:cNvPr>
@@ -4005,7 +4015,7 @@
           <p:cNvPr id="9" name="Rectangle 8">
             <a:extLst>
               <a:ext uri="{FF2B5EF4-FFF2-40B4-BE49-F238E27FC236}">
-                <a16:creationId xmlns="" xmlns:a16="http://schemas.microsoft.com/office/drawing/2014/main" id="{56E1D10E-1C30-41BF-8C3B-C460C9B5597B}"/>
+                <a16:creationId xmlns:a16="http://schemas.microsoft.com/office/drawing/2014/main" id="{56E1D10E-1C30-41BF-8C3B-C460C9B5597B}"/>
               </a:ext>
             </a:extLst>
           </p:cNvPr>
@@ -4086,7 +4096,7 @@
           <p:cNvPr id="2" name="Title 1">
             <a:extLst>
               <a:ext uri="{FF2B5EF4-FFF2-40B4-BE49-F238E27FC236}">
-                <a16:creationId xmlns="" xmlns:a16="http://schemas.microsoft.com/office/drawing/2014/main" id="{779454F2-0EE5-4888-AF4C-82F825E6226E}"/>
+                <a16:creationId xmlns:a16="http://schemas.microsoft.com/office/drawing/2014/main" id="{779454F2-0EE5-4888-AF4C-82F825E6226E}"/>
               </a:ext>
             </a:extLst>
           </p:cNvPr>
@@ -4125,7 +4135,7 @@
           <p:cNvPr id="3" name="Date Placeholder 2">
             <a:extLst>
               <a:ext uri="{FF2B5EF4-FFF2-40B4-BE49-F238E27FC236}">
-                <a16:creationId xmlns="" xmlns:a16="http://schemas.microsoft.com/office/drawing/2014/main" id="{67C91241-A315-4643-91E5-CF2C25CC903A}"/>
+                <a16:creationId xmlns:a16="http://schemas.microsoft.com/office/drawing/2014/main" id="{67C91241-A315-4643-91E5-CF2C25CC903A}"/>
               </a:ext>
             </a:extLst>
           </p:cNvPr>
@@ -4143,7 +4153,7 @@
           <a:p>
             <a:fld id="{02AC24A9-CCB6-4F8D-B8DB-C2F3692CFA5A}" type="datetimeFigureOut">
               <a:rPr lang="en-US" smtClean="0"/>
-              <a:t>6/16/2023</a:t>
+              <a:t>6/21/2023</a:t>
             </a:fld>
             <a:endParaRPr lang="en-US"/>
           </a:p>
@@ -4154,7 +4164,7 @@
           <p:cNvPr id="4" name="Footer Placeholder 3">
             <a:extLst>
               <a:ext uri="{FF2B5EF4-FFF2-40B4-BE49-F238E27FC236}">
-                <a16:creationId xmlns="" xmlns:a16="http://schemas.microsoft.com/office/drawing/2014/main" id="{22706D86-5479-487D-94C8-76093D84F377}"/>
+                <a16:creationId xmlns:a16="http://schemas.microsoft.com/office/drawing/2014/main" id="{22706D86-5479-487D-94C8-76093D84F377}"/>
               </a:ext>
             </a:extLst>
           </p:cNvPr>
@@ -4179,7 +4189,7 @@
           <p:cNvPr id="5" name="Slide Number Placeholder 4">
             <a:extLst>
               <a:ext uri="{FF2B5EF4-FFF2-40B4-BE49-F238E27FC236}">
-                <a16:creationId xmlns="" xmlns:a16="http://schemas.microsoft.com/office/drawing/2014/main" id="{A7739411-CED6-43D4-868D-A65C4161A72B}"/>
+                <a16:creationId xmlns:a16="http://schemas.microsoft.com/office/drawing/2014/main" id="{A7739411-CED6-43D4-868D-A65C4161A72B}"/>
               </a:ext>
             </a:extLst>
           </p:cNvPr>
@@ -4238,7 +4248,7 @@
           <p:cNvPr id="2" name="Date Placeholder 1">
             <a:extLst>
               <a:ext uri="{FF2B5EF4-FFF2-40B4-BE49-F238E27FC236}">
-                <a16:creationId xmlns="" xmlns:a16="http://schemas.microsoft.com/office/drawing/2014/main" id="{EAC447E0-1D4D-4EF2-B81B-4B2400EE3EDB}"/>
+                <a16:creationId xmlns:a16="http://schemas.microsoft.com/office/drawing/2014/main" id="{EAC447E0-1D4D-4EF2-B81B-4B2400EE3EDB}"/>
               </a:ext>
             </a:extLst>
           </p:cNvPr>
@@ -4256,7 +4266,7 @@
           <a:p>
             <a:fld id="{02AC24A9-CCB6-4F8D-B8DB-C2F3692CFA5A}" type="datetimeFigureOut">
               <a:rPr lang="en-US" smtClean="0"/>
-              <a:t>6/16/2023</a:t>
+              <a:t>6/21/2023</a:t>
             </a:fld>
             <a:endParaRPr lang="en-US"/>
           </a:p>
@@ -4267,7 +4277,7 @@
           <p:cNvPr id="3" name="Footer Placeholder 2">
             <a:extLst>
               <a:ext uri="{FF2B5EF4-FFF2-40B4-BE49-F238E27FC236}">
-                <a16:creationId xmlns="" xmlns:a16="http://schemas.microsoft.com/office/drawing/2014/main" id="{C9984CA0-2A78-4600-9F3D-19B09E790FE8}"/>
+                <a16:creationId xmlns:a16="http://schemas.microsoft.com/office/drawing/2014/main" id="{C9984CA0-2A78-4600-9F3D-19B09E790FE8}"/>
               </a:ext>
             </a:extLst>
           </p:cNvPr>
@@ -4292,7 +4302,7 @@
           <p:cNvPr id="4" name="Slide Number Placeholder 3">
             <a:extLst>
               <a:ext uri="{FF2B5EF4-FFF2-40B4-BE49-F238E27FC236}">
-                <a16:creationId xmlns="" xmlns:a16="http://schemas.microsoft.com/office/drawing/2014/main" id="{38440955-B18E-49D3-AE7B-B331200E34C5}"/>
+                <a16:creationId xmlns:a16="http://schemas.microsoft.com/office/drawing/2014/main" id="{38440955-B18E-49D3-AE7B-B331200E34C5}"/>
               </a:ext>
             </a:extLst>
           </p:cNvPr>
@@ -4351,7 +4361,7 @@
           <p:cNvPr id="9" name="Rectangle 8">
             <a:extLst>
               <a:ext uri="{FF2B5EF4-FFF2-40B4-BE49-F238E27FC236}">
-                <a16:creationId xmlns="" xmlns:a16="http://schemas.microsoft.com/office/drawing/2014/main" id="{1FA417FE-CD1A-486F-A4AC-E4000A2FB18E}"/>
+                <a16:creationId xmlns:a16="http://schemas.microsoft.com/office/drawing/2014/main" id="{1FA417FE-CD1A-486F-A4AC-E4000A2FB18E}"/>
               </a:ext>
             </a:extLst>
           </p:cNvPr>
@@ -4442,7 +4452,7 @@
           <p:cNvPr id="11" name="Rectangle 10">
             <a:extLst>
               <a:ext uri="{FF2B5EF4-FFF2-40B4-BE49-F238E27FC236}">
-                <a16:creationId xmlns="" xmlns:a16="http://schemas.microsoft.com/office/drawing/2014/main" id="{1318F0F5-812B-472C-9408-B80F2553F5E0}"/>
+                <a16:creationId xmlns:a16="http://schemas.microsoft.com/office/drawing/2014/main" id="{1318F0F5-812B-472C-9408-B80F2553F5E0}"/>
               </a:ext>
             </a:extLst>
           </p:cNvPr>
@@ -4523,7 +4533,7 @@
           <p:cNvPr id="2" name="Title 1">
             <a:extLst>
               <a:ext uri="{FF2B5EF4-FFF2-40B4-BE49-F238E27FC236}">
-                <a16:creationId xmlns="" xmlns:a16="http://schemas.microsoft.com/office/drawing/2014/main" id="{47F7751B-CD8F-4F5B-A903-1DCE5D1E8306}"/>
+                <a16:creationId xmlns:a16="http://schemas.microsoft.com/office/drawing/2014/main" id="{47F7751B-CD8F-4F5B-A903-1DCE5D1E8306}"/>
               </a:ext>
             </a:extLst>
           </p:cNvPr>
@@ -4565,7 +4575,7 @@
           <p:cNvPr id="3" name="Content Placeholder 2">
             <a:extLst>
               <a:ext uri="{FF2B5EF4-FFF2-40B4-BE49-F238E27FC236}">
-                <a16:creationId xmlns="" xmlns:a16="http://schemas.microsoft.com/office/drawing/2014/main" id="{EFA55C8A-A0BB-441D-976F-EB56D4382DB6}"/>
+                <a16:creationId xmlns:a16="http://schemas.microsoft.com/office/drawing/2014/main" id="{EFA55C8A-A0BB-441D-976F-EB56D4382DB6}"/>
               </a:ext>
             </a:extLst>
           </p:cNvPr>
@@ -4655,7 +4665,7 @@
           <p:cNvPr id="4" name="Text Placeholder 3">
             <a:extLst>
               <a:ext uri="{FF2B5EF4-FFF2-40B4-BE49-F238E27FC236}">
-                <a16:creationId xmlns="" xmlns:a16="http://schemas.microsoft.com/office/drawing/2014/main" id="{37DE6A51-A2E5-4BFA-B571-9FDFE1BBFB44}"/>
+                <a16:creationId xmlns:a16="http://schemas.microsoft.com/office/drawing/2014/main" id="{37DE6A51-A2E5-4BFA-B571-9FDFE1BBFB44}"/>
               </a:ext>
             </a:extLst>
           </p:cNvPr>
@@ -4728,7 +4738,7 @@
           <p:cNvPr id="5" name="Date Placeholder 4">
             <a:extLst>
               <a:ext uri="{FF2B5EF4-FFF2-40B4-BE49-F238E27FC236}">
-                <a16:creationId xmlns="" xmlns:a16="http://schemas.microsoft.com/office/drawing/2014/main" id="{3D92778A-DD4C-4651-9C53-8B0C44CD8805}"/>
+                <a16:creationId xmlns:a16="http://schemas.microsoft.com/office/drawing/2014/main" id="{3D92778A-DD4C-4651-9C53-8B0C44CD8805}"/>
               </a:ext>
             </a:extLst>
           </p:cNvPr>
@@ -4751,7 +4761,7 @@
           <a:p>
             <a:fld id="{02AC24A9-CCB6-4F8D-B8DB-C2F3692CFA5A}" type="datetimeFigureOut">
               <a:rPr lang="en-US" smtClean="0"/>
-              <a:t>6/16/2023</a:t>
+              <a:t>6/21/2023</a:t>
             </a:fld>
             <a:endParaRPr lang="en-US" dirty="0"/>
           </a:p>
@@ -4762,7 +4772,7 @@
           <p:cNvPr id="6" name="Footer Placeholder 5">
             <a:extLst>
               <a:ext uri="{FF2B5EF4-FFF2-40B4-BE49-F238E27FC236}">
-                <a16:creationId xmlns="" xmlns:a16="http://schemas.microsoft.com/office/drawing/2014/main" id="{9D6C7F66-2DFA-4146-BE1A-CE2890FE45E2}"/>
+                <a16:creationId xmlns:a16="http://schemas.microsoft.com/office/drawing/2014/main" id="{9D6C7F66-2DFA-4146-BE1A-CE2890FE45E2}"/>
               </a:ext>
             </a:extLst>
           </p:cNvPr>
@@ -4787,7 +4797,7 @@
           <p:cNvPr id="7" name="Slide Number Placeholder 6">
             <a:extLst>
               <a:ext uri="{FF2B5EF4-FFF2-40B4-BE49-F238E27FC236}">
-                <a16:creationId xmlns="" xmlns:a16="http://schemas.microsoft.com/office/drawing/2014/main" id="{D285D185-B1B6-4D62-81BE-BE82C80ACA6C}"/>
+                <a16:creationId xmlns:a16="http://schemas.microsoft.com/office/drawing/2014/main" id="{D285D185-B1B6-4D62-81BE-BE82C80ACA6C}"/>
               </a:ext>
             </a:extLst>
           </p:cNvPr>
@@ -4846,7 +4856,7 @@
           <p:cNvPr id="9" name="Rectangle 8">
             <a:extLst>
               <a:ext uri="{FF2B5EF4-FFF2-40B4-BE49-F238E27FC236}">
-                <a16:creationId xmlns="" xmlns:a16="http://schemas.microsoft.com/office/drawing/2014/main" id="{168B77B5-211C-456E-B79F-306CC3619347}"/>
+                <a16:creationId xmlns:a16="http://schemas.microsoft.com/office/drawing/2014/main" id="{168B77B5-211C-456E-B79F-306CC3619347}"/>
               </a:ext>
             </a:extLst>
           </p:cNvPr>
@@ -4937,7 +4947,7 @@
           <p:cNvPr id="11" name="Rectangle 10">
             <a:extLst>
               <a:ext uri="{FF2B5EF4-FFF2-40B4-BE49-F238E27FC236}">
-                <a16:creationId xmlns="" xmlns:a16="http://schemas.microsoft.com/office/drawing/2014/main" id="{3B63C338-194D-4F23-ABEC-60A7EA96F302}"/>
+                <a16:creationId xmlns:a16="http://schemas.microsoft.com/office/drawing/2014/main" id="{3B63C338-194D-4F23-ABEC-60A7EA96F302}"/>
               </a:ext>
             </a:extLst>
           </p:cNvPr>
@@ -5018,7 +5028,7 @@
           <p:cNvPr id="2" name="Title 1">
             <a:extLst>
               <a:ext uri="{FF2B5EF4-FFF2-40B4-BE49-F238E27FC236}">
-                <a16:creationId xmlns="" xmlns:a16="http://schemas.microsoft.com/office/drawing/2014/main" id="{A0C04DCC-0E3E-4F05-9FAC-9FA6CA4B2BAE}"/>
+                <a16:creationId xmlns:a16="http://schemas.microsoft.com/office/drawing/2014/main" id="{A0C04DCC-0E3E-4F05-9FAC-9FA6CA4B2BAE}"/>
               </a:ext>
             </a:extLst>
           </p:cNvPr>
@@ -5060,7 +5070,7 @@
           <p:cNvPr id="3" name="Picture Placeholder 2">
             <a:extLst>
               <a:ext uri="{FF2B5EF4-FFF2-40B4-BE49-F238E27FC236}">
-                <a16:creationId xmlns="" xmlns:a16="http://schemas.microsoft.com/office/drawing/2014/main" id="{EBA29649-B19F-499E-8E9A-3577EAC8F031}"/>
+                <a16:creationId xmlns:a16="http://schemas.microsoft.com/office/drawing/2014/main" id="{EBA29649-B19F-499E-8E9A-3577EAC8F031}"/>
               </a:ext>
             </a:extLst>
           </p:cNvPr>
@@ -5132,7 +5142,7 @@
           <p:cNvPr id="4" name="Text Placeholder 3">
             <a:extLst>
               <a:ext uri="{FF2B5EF4-FFF2-40B4-BE49-F238E27FC236}">
-                <a16:creationId xmlns="" xmlns:a16="http://schemas.microsoft.com/office/drawing/2014/main" id="{1BC9EF2E-A8CD-41A1-B11A-0D8842797A98}"/>
+                <a16:creationId xmlns:a16="http://schemas.microsoft.com/office/drawing/2014/main" id="{1BC9EF2E-A8CD-41A1-B11A-0D8842797A98}"/>
               </a:ext>
             </a:extLst>
           </p:cNvPr>
@@ -5205,7 +5215,7 @@
           <p:cNvPr id="5" name="Date Placeholder 4">
             <a:extLst>
               <a:ext uri="{FF2B5EF4-FFF2-40B4-BE49-F238E27FC236}">
-                <a16:creationId xmlns="" xmlns:a16="http://schemas.microsoft.com/office/drawing/2014/main" id="{B44257B5-0DE0-401F-9171-E8687A97DBA7}"/>
+                <a16:creationId xmlns:a16="http://schemas.microsoft.com/office/drawing/2014/main" id="{B44257B5-0DE0-401F-9171-E8687A97DBA7}"/>
               </a:ext>
             </a:extLst>
           </p:cNvPr>
@@ -5228,7 +5238,7 @@
           <a:p>
             <a:fld id="{02AC24A9-CCB6-4F8D-B8DB-C2F3692CFA5A}" type="datetimeFigureOut">
               <a:rPr lang="en-US" smtClean="0"/>
-              <a:t>6/16/2023</a:t>
+              <a:t>6/21/2023</a:t>
             </a:fld>
             <a:endParaRPr lang="en-US"/>
           </a:p>
@@ -5239,7 +5249,7 @@
           <p:cNvPr id="6" name="Footer Placeholder 5">
             <a:extLst>
               <a:ext uri="{FF2B5EF4-FFF2-40B4-BE49-F238E27FC236}">
-                <a16:creationId xmlns="" xmlns:a16="http://schemas.microsoft.com/office/drawing/2014/main" id="{788CD9AD-D667-4FD4-AA34-428AA0BCD09E}"/>
+                <a16:creationId xmlns:a16="http://schemas.microsoft.com/office/drawing/2014/main" id="{788CD9AD-D667-4FD4-AA34-428AA0BCD09E}"/>
               </a:ext>
             </a:extLst>
           </p:cNvPr>
@@ -5264,7 +5274,7 @@
           <p:cNvPr id="7" name="Slide Number Placeholder 6">
             <a:extLst>
               <a:ext uri="{FF2B5EF4-FFF2-40B4-BE49-F238E27FC236}">
-                <a16:creationId xmlns="" xmlns:a16="http://schemas.microsoft.com/office/drawing/2014/main" id="{18770FB6-F273-4BA6-8B97-9835AC537871}"/>
+                <a16:creationId xmlns:a16="http://schemas.microsoft.com/office/drawing/2014/main" id="{18770FB6-F273-4BA6-8B97-9835AC537871}"/>
               </a:ext>
             </a:extLst>
           </p:cNvPr>
@@ -5328,7 +5338,7 @@
           <p:cNvPr id="2" name="Title Placeholder 1">
             <a:extLst>
               <a:ext uri="{FF2B5EF4-FFF2-40B4-BE49-F238E27FC236}">
-                <a16:creationId xmlns="" xmlns:a16="http://schemas.microsoft.com/office/drawing/2014/main" id="{BB325BDE-35A4-4AAD-960B-C1415864ADD9}"/>
+                <a16:creationId xmlns:a16="http://schemas.microsoft.com/office/drawing/2014/main" id="{BB325BDE-35A4-4AAD-960B-C1415864ADD9}"/>
               </a:ext>
             </a:extLst>
           </p:cNvPr>
@@ -5367,7 +5377,7 @@
           <p:cNvPr id="3" name="Text Placeholder 2">
             <a:extLst>
               <a:ext uri="{FF2B5EF4-FFF2-40B4-BE49-F238E27FC236}">
-                <a16:creationId xmlns="" xmlns:a16="http://schemas.microsoft.com/office/drawing/2014/main" id="{BE459C78-0CC4-4552-93DD-49B4194D005D}"/>
+                <a16:creationId xmlns:a16="http://schemas.microsoft.com/office/drawing/2014/main" id="{BE459C78-0CC4-4552-93DD-49B4194D005D}"/>
               </a:ext>
             </a:extLst>
           </p:cNvPr>
@@ -5435,7 +5445,7 @@
           <p:cNvPr id="4" name="Date Placeholder 3">
             <a:extLst>
               <a:ext uri="{FF2B5EF4-FFF2-40B4-BE49-F238E27FC236}">
-                <a16:creationId xmlns="" xmlns:a16="http://schemas.microsoft.com/office/drawing/2014/main" id="{06744A3C-9C54-46A6-B3EF-5B36362423EB}"/>
+                <a16:creationId xmlns:a16="http://schemas.microsoft.com/office/drawing/2014/main" id="{06744A3C-9C54-46A6-B3EF-5B36362423EB}"/>
               </a:ext>
             </a:extLst>
           </p:cNvPr>
@@ -5471,7 +5481,7 @@
           <a:p>
             <a:fld id="{02AC24A9-CCB6-4F8D-B8DB-C2F3692CFA5A}" type="datetimeFigureOut">
               <a:rPr lang="en-US" smtClean="0"/>
-              <a:t>6/16/2023</a:t>
+              <a:t>6/21/2023</a:t>
             </a:fld>
             <a:endParaRPr lang="en-US"/>
           </a:p>
@@ -5482,7 +5492,7 @@
           <p:cNvPr id="5" name="Footer Placeholder 4">
             <a:extLst>
               <a:ext uri="{FF2B5EF4-FFF2-40B4-BE49-F238E27FC236}">
-                <a16:creationId xmlns="" xmlns:a16="http://schemas.microsoft.com/office/drawing/2014/main" id="{07D5A696-7B4B-4181-A961-7D66556D507F}"/>
+                <a16:creationId xmlns:a16="http://schemas.microsoft.com/office/drawing/2014/main" id="{07D5A696-7B4B-4181-A961-7D66556D507F}"/>
               </a:ext>
             </a:extLst>
           </p:cNvPr>
@@ -5525,7 +5535,7 @@
           <p:cNvPr id="6" name="Slide Number Placeholder 5">
             <a:extLst>
               <a:ext uri="{FF2B5EF4-FFF2-40B4-BE49-F238E27FC236}">
-                <a16:creationId xmlns="" xmlns:a16="http://schemas.microsoft.com/office/drawing/2014/main" id="{23038CB5-8F4A-401D-A3A9-B27DC15B7A81}"/>
+                <a16:creationId xmlns:a16="http://schemas.microsoft.com/office/drawing/2014/main" id="{23038CB5-8F4A-401D-A3A9-B27DC15B7A81}"/>
               </a:ext>
             </a:extLst>
           </p:cNvPr>
@@ -5901,10 +5911,10 @@
           <p:cNvPr id="9" name="Rectangle 8">
             <a:extLst>
               <a:ext uri="{FF2B5EF4-FFF2-40B4-BE49-F238E27FC236}">
-                <a16:creationId xmlns="" xmlns:a16="http://schemas.microsoft.com/office/drawing/2014/main" id="{526E0BFB-CDF1-4990-8C11-AC849311E0A8}"/>
+                <a16:creationId xmlns:a16="http://schemas.microsoft.com/office/drawing/2014/main" id="{526E0BFB-CDF1-4990-8C11-AC849311E0A8}"/>
               </a:ext>
               <a:ext uri="{C183D7F6-B498-43B3-948B-1728B52AA6E4}">
-                <adec:decorative xmlns="" xmlns:adec="http://schemas.microsoft.com/office/drawing/2017/decorative" val="1"/>
+                <adec:decorative xmlns:adec="http://schemas.microsoft.com/office/drawing/2017/decorative" val="1"/>
               </a:ext>
             </a:extLst>
           </p:cNvPr>
@@ -5914,7 +5924,7 @@
           <p:nvPr>
             <p:extLst>
               <p:ext uri="{386F3935-93C4-4BCD-93E2-E3B085C9AB24}">
-                <p16:designElem xmlns="" xmlns:p16="http://schemas.microsoft.com/office/powerpoint/2015/main" val="1"/>
+                <p16:designElem xmlns:p16="http://schemas.microsoft.com/office/powerpoint/2015/main" val="1"/>
               </p:ext>
             </p:extLst>
           </p:nvPr>
@@ -5961,7 +5971,7 @@
           <p:cNvPr id="4" name="Picture 3">
             <a:extLst>
               <a:ext uri="{FF2B5EF4-FFF2-40B4-BE49-F238E27FC236}">
-                <a16:creationId xmlns="" xmlns:a16="http://schemas.microsoft.com/office/drawing/2014/main" id="{4C72F330-992B-B125-739B-F8303ED3A097}"/>
+                <a16:creationId xmlns:a16="http://schemas.microsoft.com/office/drawing/2014/main" id="{4C72F330-992B-B125-739B-F8303ED3A097}"/>
               </a:ext>
             </a:extLst>
           </p:cNvPr>
@@ -5990,10 +6000,10 @@
           <p:cNvPr id="11" name="Rectangle 10">
             <a:extLst>
               <a:ext uri="{FF2B5EF4-FFF2-40B4-BE49-F238E27FC236}">
-                <a16:creationId xmlns="" xmlns:a16="http://schemas.microsoft.com/office/drawing/2014/main" id="{6069A1F8-9BEB-4786-9694-FC48B2D75D21}"/>
+                <a16:creationId xmlns:a16="http://schemas.microsoft.com/office/drawing/2014/main" id="{6069A1F8-9BEB-4786-9694-FC48B2D75D21}"/>
               </a:ext>
               <a:ext uri="{C183D7F6-B498-43B3-948B-1728B52AA6E4}">
-                <adec:decorative xmlns="" xmlns:adec="http://schemas.microsoft.com/office/drawing/2017/decorative" val="1"/>
+                <adec:decorative xmlns:adec="http://schemas.microsoft.com/office/drawing/2017/decorative" val="1"/>
               </a:ext>
             </a:extLst>
           </p:cNvPr>
@@ -6003,7 +6013,7 @@
           <p:nvPr>
             <p:extLst>
               <p:ext uri="{386F3935-93C4-4BCD-93E2-E3B085C9AB24}">
-                <p16:designElem xmlns="" xmlns:p16="http://schemas.microsoft.com/office/powerpoint/2015/main" val="1"/>
+                <p16:designElem xmlns:p16="http://schemas.microsoft.com/office/powerpoint/2015/main" val="1"/>
               </p:ext>
             </p:extLst>
           </p:nvPr>
@@ -6071,7 +6081,7 @@
           <p:cNvPr id="2" name="Titre 1">
             <a:extLst>
               <a:ext uri="{FF2B5EF4-FFF2-40B4-BE49-F238E27FC236}">
-                <a16:creationId xmlns="" xmlns:a16="http://schemas.microsoft.com/office/drawing/2014/main" id="{CF8D1EB8-F6E7-EB54-1CC8-28472070B9FC}"/>
+                <a16:creationId xmlns:a16="http://schemas.microsoft.com/office/drawing/2014/main" id="{CF8D1EB8-F6E7-EB54-1CC8-28472070B9FC}"/>
               </a:ext>
             </a:extLst>
           </p:cNvPr>
@@ -6095,24 +6105,11 @@
           <a:lstStyle/>
           <a:p>
             <a:r>
-              <a:rPr lang="fr-FR" sz="4800" dirty="0" smtClean="0"/>
+              <a:rPr lang="fr-FR" sz="4800" dirty="0">
+                <a:latin typeface="Bahnschrift SemiBold" panose="020B0502040204020203" pitchFamily="34" charset="0"/>
+              </a:rPr>
               <a:t>Traitement de l’Information</a:t>
             </a:r>
-            <a:br>
-              <a:rPr lang="fr-FR" sz="4800" dirty="0" smtClean="0"/>
-            </a:br>
-            <a:r>
-              <a:rPr lang="fr-FR" sz="4800" dirty="0"/>
-              <a:t/>
-            </a:r>
-            <a:br>
-              <a:rPr lang="fr-FR" sz="4800" dirty="0"/>
-            </a:br>
-            <a:r>
-              <a:rPr lang="fr-FR" sz="4800" dirty="0" smtClean="0"/>
-              <a:t>Electronique</a:t>
-            </a:r>
-            <a:endParaRPr lang="fr-FR" sz="4800" dirty="0"/>
           </a:p>
         </p:txBody>
       </p:sp>
@@ -6121,7 +6118,7 @@
           <p:cNvPr id="3" name="Sous-titre 2">
             <a:extLst>
               <a:ext uri="{FF2B5EF4-FFF2-40B4-BE49-F238E27FC236}">
-                <a16:creationId xmlns="" xmlns:a16="http://schemas.microsoft.com/office/drawing/2014/main" id="{BDFEFAEF-AB6A-BE8F-01E7-845FB609FA07}"/>
+                <a16:creationId xmlns:a16="http://schemas.microsoft.com/office/drawing/2014/main" id="{BDFEFAEF-AB6A-BE8F-01E7-845FB609FA07}"/>
               </a:ext>
             </a:extLst>
           </p:cNvPr>
@@ -6145,33 +6142,28 @@
           <a:lstStyle/>
           <a:p>
             <a:r>
-              <a:rPr lang="fr-FR" sz="2000" dirty="0" err="1" smtClean="0"/>
+              <a:rPr lang="fr-FR" sz="2000" dirty="0" err="1">
+                <a:latin typeface="Bahnschrift Light" panose="020B0502040204020203" pitchFamily="34" charset="0"/>
+              </a:rPr>
               <a:t>CeTI</a:t>
             </a:r>
             <a:r>
-              <a:rPr lang="fr-FR" sz="2000" dirty="0" smtClean="0"/>
-              <a:t> / </a:t>
-            </a:r>
-            <a:r>
-              <a:rPr lang="fr-FR" sz="2000" dirty="0"/>
-              <a:t>Semestre 5 / </a:t>
+              <a:rPr lang="fr-FR" sz="2000" dirty="0">
+                <a:latin typeface="Bahnschrift Light" panose="020B0502040204020203" pitchFamily="34" charset="0"/>
+              </a:rPr>
+              <a:t> / Semestre 5 / </a:t>
             </a:r>
             <a:br>
-              <a:rPr lang="fr-FR" sz="2000" dirty="0"/>
+              <a:rPr lang="fr-FR" sz="2000" dirty="0">
+                <a:latin typeface="Bahnschrift Light" panose="020B0502040204020203" pitchFamily="34" charset="0"/>
+              </a:rPr>
             </a:br>
             <a:r>
-              <a:rPr lang="fr-FR" sz="2000" dirty="0" smtClean="0"/>
-              <a:t>Institut </a:t>
-            </a:r>
-            <a:r>
-              <a:rPr lang="fr-FR" sz="2000" dirty="0"/>
-              <a:t>d’Optique / </a:t>
-            </a:r>
-            <a:r>
-              <a:rPr lang="fr-FR" sz="2000" dirty="0" smtClean="0"/>
-              <a:t>B0_0</a:t>
-            </a:r>
-            <a:endParaRPr lang="fr-FR" sz="2000" dirty="0"/>
+              <a:rPr lang="fr-FR" sz="2000" dirty="0">
+                <a:latin typeface="Bahnschrift Light" panose="020B0502040204020203" pitchFamily="34" charset="0"/>
+              </a:rPr>
+              <a:t>Institut d’Optique / B0_0</a:t>
+            </a:r>
           </a:p>
         </p:txBody>
       </p:sp>
@@ -6180,10 +6172,10 @@
           <p:cNvPr id="32" name="Rectangle 12">
             <a:extLst>
               <a:ext uri="{FF2B5EF4-FFF2-40B4-BE49-F238E27FC236}">
-                <a16:creationId xmlns="" xmlns:a16="http://schemas.microsoft.com/office/drawing/2014/main" id="{AF2F604E-43BE-4DC3-B983-E071523364F8}"/>
+                <a16:creationId xmlns:a16="http://schemas.microsoft.com/office/drawing/2014/main" id="{AF2F604E-43BE-4DC3-B983-E071523364F8}"/>
               </a:ext>
               <a:ext uri="{C183D7F6-B498-43B3-948B-1728B52AA6E4}">
-                <adec:decorative xmlns="" xmlns:adec="http://schemas.microsoft.com/office/drawing/2017/decorative" val="1"/>
+                <adec:decorative xmlns:adec="http://schemas.microsoft.com/office/drawing/2017/decorative" val="1"/>
               </a:ext>
             </a:extLst>
           </p:cNvPr>
@@ -6193,7 +6185,7 @@
           <p:nvPr>
             <p:extLst>
               <p:ext uri="{386F3935-93C4-4BCD-93E2-E3B085C9AB24}">
-                <p16:designElem xmlns="" xmlns:p16="http://schemas.microsoft.com/office/powerpoint/2015/main" val="1"/>
+                <p16:designElem xmlns:p16="http://schemas.microsoft.com/office/powerpoint/2015/main" val="1"/>
               </p:ext>
             </p:extLst>
           </p:nvPr>
@@ -6272,10 +6264,10 @@
           <p:cNvPr id="33" name="Rectangle 14">
             <a:extLst>
               <a:ext uri="{FF2B5EF4-FFF2-40B4-BE49-F238E27FC236}">
-                <a16:creationId xmlns="" xmlns:a16="http://schemas.microsoft.com/office/drawing/2014/main" id="{08C9B587-E65E-4B52-B37C-ABEBB6E87928}"/>
+                <a16:creationId xmlns:a16="http://schemas.microsoft.com/office/drawing/2014/main" id="{08C9B587-E65E-4B52-B37C-ABEBB6E87928}"/>
               </a:ext>
               <a:ext uri="{C183D7F6-B498-43B3-948B-1728B52AA6E4}">
-                <adec:decorative xmlns="" xmlns:adec="http://schemas.microsoft.com/office/drawing/2017/decorative" val="1"/>
+                <adec:decorative xmlns:adec="http://schemas.microsoft.com/office/drawing/2017/decorative" val="1"/>
               </a:ext>
             </a:extLst>
           </p:cNvPr>
@@ -6285,7 +6277,7 @@
           <p:nvPr>
             <p:extLst>
               <p:ext uri="{386F3935-93C4-4BCD-93E2-E3B085C9AB24}">
-                <p16:designElem xmlns="" xmlns:p16="http://schemas.microsoft.com/office/powerpoint/2015/main" val="1"/>
+                <p16:designElem xmlns:p16="http://schemas.microsoft.com/office/powerpoint/2015/main" val="1"/>
               </p:ext>
             </p:extLst>
           </p:nvPr>
@@ -6365,7 +6357,7 @@
           <p:cNvPr id="6" name="Image 5" descr="Une image contenant texte&#10;&#10;Description générée automatiquement">
             <a:extLst>
               <a:ext uri="{FF2B5EF4-FFF2-40B4-BE49-F238E27FC236}">
-                <a16:creationId xmlns="" xmlns:a16="http://schemas.microsoft.com/office/drawing/2014/main" id="{3D75D9F9-6192-EA6A-A7C9-F09C6FC342AD}"/>
+                <a16:creationId xmlns:a16="http://schemas.microsoft.com/office/drawing/2014/main" id="{3D75D9F9-6192-EA6A-A7C9-F09C6FC342AD}"/>
               </a:ext>
             </a:extLst>
           </p:cNvPr>
@@ -6431,7 +6423,7 @@
           <p:cNvPr id="2" name="Titre 1">
             <a:extLst>
               <a:ext uri="{FF2B5EF4-FFF2-40B4-BE49-F238E27FC236}">
-                <a16:creationId xmlns="" xmlns:a16="http://schemas.microsoft.com/office/drawing/2014/main" id="{90162AE8-C1B0-5C56-8313-DEE494F38273}"/>
+                <a16:creationId xmlns:a16="http://schemas.microsoft.com/office/drawing/2014/main" id="{90162AE8-C1B0-5C56-8313-DEE494F38273}"/>
               </a:ext>
             </a:extLst>
           </p:cNvPr>
@@ -6459,7 +6451,7 @@
           <p:cNvPr id="3" name="Espace réservé du contenu 2">
             <a:extLst>
               <a:ext uri="{FF2B5EF4-FFF2-40B4-BE49-F238E27FC236}">
-                <a16:creationId xmlns="" xmlns:a16="http://schemas.microsoft.com/office/drawing/2014/main" id="{E0BBB9DE-019C-C741-F224-494739D4B752}"/>
+                <a16:creationId xmlns:a16="http://schemas.microsoft.com/office/drawing/2014/main" id="{E0BBB9DE-019C-C741-F224-494739D4B752}"/>
               </a:ext>
             </a:extLst>
           </p:cNvPr>
@@ -6506,7 +6498,7 @@
           <p:cNvPr id="5" name="Image 4" descr="Une image contenant texte&#10;&#10;Description générée automatiquement">
             <a:extLst>
               <a:ext uri="{FF2B5EF4-FFF2-40B4-BE49-F238E27FC236}">
-                <a16:creationId xmlns="" xmlns:a16="http://schemas.microsoft.com/office/drawing/2014/main" id="{204ADC40-1D61-539F-22ED-6B21D67FBDE6}"/>
+                <a16:creationId xmlns:a16="http://schemas.microsoft.com/office/drawing/2014/main" id="{204ADC40-1D61-539F-22ED-6B21D67FBDE6}"/>
               </a:ext>
             </a:extLst>
           </p:cNvPr>
@@ -6542,7 +6534,7 @@
           <p:cNvPr id="6" name="CustomShape 3">
             <a:extLst>
               <a:ext uri="{FF2B5EF4-FFF2-40B4-BE49-F238E27FC236}">
-                <a16:creationId xmlns="" xmlns:a16="http://schemas.microsoft.com/office/drawing/2014/main" id="{7E776801-EC52-B2A2-9F28-F1F9D32CF093}"/>
+                <a16:creationId xmlns:a16="http://schemas.microsoft.com/office/drawing/2014/main" id="{7E776801-EC52-B2A2-9F28-F1F9D32CF093}"/>
               </a:ext>
             </a:extLst>
           </p:cNvPr>
@@ -6615,7 +6607,7 @@
           <p:cNvPr id="7" name="CustomShape 23">
             <a:extLst>
               <a:ext uri="{FF2B5EF4-FFF2-40B4-BE49-F238E27FC236}">
-                <a16:creationId xmlns="" xmlns:a16="http://schemas.microsoft.com/office/drawing/2014/main" id="{960E6FB9-1A0E-CC22-03F8-5EEA6C13547A}"/>
+                <a16:creationId xmlns:a16="http://schemas.microsoft.com/office/drawing/2014/main" id="{960E6FB9-1A0E-CC22-03F8-5EEA6C13547A}"/>
               </a:ext>
             </a:extLst>
           </p:cNvPr>
@@ -6687,7 +6679,7 @@
           <p:cNvPr id="8" name="CustomShape 24">
             <a:extLst>
               <a:ext uri="{FF2B5EF4-FFF2-40B4-BE49-F238E27FC236}">
-                <a16:creationId xmlns="" xmlns:a16="http://schemas.microsoft.com/office/drawing/2014/main" id="{9CF220BA-6890-70F8-4D22-63D468AB6191}"/>
+                <a16:creationId xmlns:a16="http://schemas.microsoft.com/office/drawing/2014/main" id="{9CF220BA-6890-70F8-4D22-63D468AB6191}"/>
               </a:ext>
             </a:extLst>
           </p:cNvPr>
@@ -6759,7 +6751,7 @@
           <p:cNvPr id="9" name="CustomShape 3">
             <a:extLst>
               <a:ext uri="{FF2B5EF4-FFF2-40B4-BE49-F238E27FC236}">
-                <a16:creationId xmlns="" xmlns:a16="http://schemas.microsoft.com/office/drawing/2014/main" id="{7CD7374B-ED6D-6AF2-BD0B-1717C3940DB9}"/>
+                <a16:creationId xmlns:a16="http://schemas.microsoft.com/office/drawing/2014/main" id="{7CD7374B-ED6D-6AF2-BD0B-1717C3940DB9}"/>
               </a:ext>
             </a:extLst>
           </p:cNvPr>
@@ -6811,16 +6803,6 @@
               </a:tabLst>
             </a:pPr>
             <a:r>
-              <a:rPr lang="fr-FR" sz="2000" b="1" strike="noStrike" spc="-1" dirty="0" smtClean="0">
-                <a:solidFill>
-                  <a:schemeClr val="bg1"/>
-                </a:solidFill>
-                <a:latin typeface="Trebuchet MS"/>
-                <a:ea typeface="Trebuchet MS"/>
-              </a:rPr>
-              <a:t>4 </a:t>
-            </a:r>
-            <a:r>
               <a:rPr lang="fr-FR" sz="2000" b="1" strike="noStrike" spc="-1" dirty="0">
                 <a:solidFill>
                   <a:schemeClr val="bg1"/>
@@ -6828,27 +6810,7 @@
                 <a:latin typeface="Trebuchet MS"/>
                 <a:ea typeface="Trebuchet MS"/>
               </a:rPr>
-              <a:t>blocs de </a:t>
-            </a:r>
-            <a:r>
-              <a:rPr lang="fr-FR" sz="2000" b="1" strike="noStrike" spc="-1" dirty="0" smtClean="0">
-                <a:solidFill>
-                  <a:schemeClr val="bg1"/>
-                </a:solidFill>
-                <a:latin typeface="Trebuchet MS"/>
-                <a:ea typeface="Trebuchet MS"/>
-              </a:rPr>
-              <a:t>2 </a:t>
-            </a:r>
-            <a:r>
-              <a:rPr lang="fr-FR" sz="2000" b="1" strike="noStrike" spc="-1" dirty="0">
-                <a:solidFill>
-                  <a:schemeClr val="bg1"/>
-                </a:solidFill>
-                <a:latin typeface="Trebuchet MS"/>
-                <a:ea typeface="Trebuchet MS"/>
-              </a:rPr>
-              <a:t>séances (2h/séance)</a:t>
+              <a:t>4 blocs de 2 séances (2h/séance)</a:t>
             </a:r>
             <a:endParaRPr lang="fr-FR" sz="2000" b="0" strike="noStrike" spc="-1" dirty="0">
               <a:solidFill>
@@ -6864,7 +6826,7 @@
           <p:cNvPr id="10" name="CustomShape 3">
             <a:extLst>
               <a:ext uri="{FF2B5EF4-FFF2-40B4-BE49-F238E27FC236}">
-                <a16:creationId xmlns="" xmlns:a16="http://schemas.microsoft.com/office/drawing/2014/main" id="{C430E7A6-8A93-686A-7C4E-ED51D2B4CA5C}"/>
+                <a16:creationId xmlns:a16="http://schemas.microsoft.com/office/drawing/2014/main" id="{C430E7A6-8A93-686A-7C4E-ED51D2B4CA5C}"/>
               </a:ext>
             </a:extLst>
           </p:cNvPr>
@@ -6939,7 +6901,7 @@
           <p:cNvPr id="12" name="ZoneTexte 11">
             <a:extLst>
               <a:ext uri="{FF2B5EF4-FFF2-40B4-BE49-F238E27FC236}">
-                <a16:creationId xmlns="" xmlns:a16="http://schemas.microsoft.com/office/drawing/2014/main" id="{BBED6A26-211D-7C76-4C1A-96E6D0EC3C39}"/>
+                <a16:creationId xmlns:a16="http://schemas.microsoft.com/office/drawing/2014/main" id="{BBED6A26-211D-7C76-4C1A-96E6D0EC3C39}"/>
               </a:ext>
             </a:extLst>
           </p:cNvPr>
@@ -6992,7 +6954,7 @@
           <p:cNvPr id="13" name="ZoneTexte 12">
             <a:extLst>
               <a:ext uri="{FF2B5EF4-FFF2-40B4-BE49-F238E27FC236}">
-                <a16:creationId xmlns="" xmlns:a16="http://schemas.microsoft.com/office/drawing/2014/main" id="{3B6940C1-34CE-FA02-B213-6A52C2290983}"/>
+                <a16:creationId xmlns:a16="http://schemas.microsoft.com/office/drawing/2014/main" id="{3B6940C1-34CE-FA02-B213-6A52C2290983}"/>
               </a:ext>
             </a:extLst>
           </p:cNvPr>
@@ -7037,7 +6999,7 @@
           <p:cNvPr id="14" name="ZoneTexte 13">
             <a:extLst>
               <a:ext uri="{FF2B5EF4-FFF2-40B4-BE49-F238E27FC236}">
-                <a16:creationId xmlns="" xmlns:a16="http://schemas.microsoft.com/office/drawing/2014/main" id="{4DD1495A-CB91-7639-CC40-F9C70B8E8173}"/>
+                <a16:creationId xmlns:a16="http://schemas.microsoft.com/office/drawing/2014/main" id="{4DD1495A-CB91-7639-CC40-F9C70B8E8173}"/>
               </a:ext>
             </a:extLst>
           </p:cNvPr>
@@ -7076,7 +7038,7 @@
           <p:cNvPr id="15" name="ZoneTexte 14">
             <a:extLst>
               <a:ext uri="{FF2B5EF4-FFF2-40B4-BE49-F238E27FC236}">
-                <a16:creationId xmlns="" xmlns:a16="http://schemas.microsoft.com/office/drawing/2014/main" id="{269155A6-9FEB-D196-579E-5CDBB2301800}"/>
+                <a16:creationId xmlns:a16="http://schemas.microsoft.com/office/drawing/2014/main" id="{269155A6-9FEB-D196-579E-5CDBB2301800}"/>
               </a:ext>
             </a:extLst>
           </p:cNvPr>
@@ -7153,10 +7115,10 @@
           <p:cNvPr id="9" name="Rectangle 8">
             <a:extLst>
               <a:ext uri="{FF2B5EF4-FFF2-40B4-BE49-F238E27FC236}">
-                <a16:creationId xmlns="" xmlns:a16="http://schemas.microsoft.com/office/drawing/2014/main" id="{526E0BFB-CDF1-4990-8C11-AC849311E0A8}"/>
+                <a16:creationId xmlns:a16="http://schemas.microsoft.com/office/drawing/2014/main" id="{526E0BFB-CDF1-4990-8C11-AC849311E0A8}"/>
               </a:ext>
               <a:ext uri="{C183D7F6-B498-43B3-948B-1728B52AA6E4}">
-                <adec:decorative xmlns="" xmlns:adec="http://schemas.microsoft.com/office/drawing/2017/decorative" val="1"/>
+                <adec:decorative xmlns:adec="http://schemas.microsoft.com/office/drawing/2017/decorative" val="1"/>
               </a:ext>
             </a:extLst>
           </p:cNvPr>
@@ -7166,7 +7128,7 @@
           <p:nvPr>
             <p:extLst>
               <p:ext uri="{386F3935-93C4-4BCD-93E2-E3B085C9AB24}">
-                <p16:designElem xmlns="" xmlns:p16="http://schemas.microsoft.com/office/powerpoint/2015/main" val="1"/>
+                <p16:designElem xmlns:p16="http://schemas.microsoft.com/office/powerpoint/2015/main" val="1"/>
               </p:ext>
             </p:extLst>
           </p:nvPr>
@@ -7213,7 +7175,7 @@
           <p:cNvPr id="4" name="Picture 3">
             <a:extLst>
               <a:ext uri="{FF2B5EF4-FFF2-40B4-BE49-F238E27FC236}">
-                <a16:creationId xmlns="" xmlns:a16="http://schemas.microsoft.com/office/drawing/2014/main" id="{4C72F330-992B-B125-739B-F8303ED3A097}"/>
+                <a16:creationId xmlns:a16="http://schemas.microsoft.com/office/drawing/2014/main" id="{4C72F330-992B-B125-739B-F8303ED3A097}"/>
               </a:ext>
             </a:extLst>
           </p:cNvPr>
@@ -7242,10 +7204,10 @@
           <p:cNvPr id="11" name="Rectangle 10">
             <a:extLst>
               <a:ext uri="{FF2B5EF4-FFF2-40B4-BE49-F238E27FC236}">
-                <a16:creationId xmlns="" xmlns:a16="http://schemas.microsoft.com/office/drawing/2014/main" id="{6069A1F8-9BEB-4786-9694-FC48B2D75D21}"/>
+                <a16:creationId xmlns:a16="http://schemas.microsoft.com/office/drawing/2014/main" id="{6069A1F8-9BEB-4786-9694-FC48B2D75D21}"/>
               </a:ext>
               <a:ext uri="{C183D7F6-B498-43B3-948B-1728B52AA6E4}">
-                <adec:decorative xmlns="" xmlns:adec="http://schemas.microsoft.com/office/drawing/2017/decorative" val="1"/>
+                <adec:decorative xmlns:adec="http://schemas.microsoft.com/office/drawing/2017/decorative" val="1"/>
               </a:ext>
             </a:extLst>
           </p:cNvPr>
@@ -7255,7 +7217,7 @@
           <p:nvPr>
             <p:extLst>
               <p:ext uri="{386F3935-93C4-4BCD-93E2-E3B085C9AB24}">
-                <p16:designElem xmlns="" xmlns:p16="http://schemas.microsoft.com/office/powerpoint/2015/main" val="1"/>
+                <p16:designElem xmlns:p16="http://schemas.microsoft.com/office/powerpoint/2015/main" val="1"/>
               </p:ext>
             </p:extLst>
           </p:nvPr>
@@ -7323,7 +7285,7 @@
           <p:cNvPr id="2" name="Titre 1">
             <a:extLst>
               <a:ext uri="{FF2B5EF4-FFF2-40B4-BE49-F238E27FC236}">
-                <a16:creationId xmlns="" xmlns:a16="http://schemas.microsoft.com/office/drawing/2014/main" id="{CF8D1EB8-F6E7-EB54-1CC8-28472070B9FC}"/>
+                <a16:creationId xmlns:a16="http://schemas.microsoft.com/office/drawing/2014/main" id="{CF8D1EB8-F6E7-EB54-1CC8-28472070B9FC}"/>
               </a:ext>
             </a:extLst>
           </p:cNvPr>
@@ -7347,7 +7309,9 @@
           <a:lstStyle/>
           <a:p>
             <a:r>
-              <a:rPr lang="fr-FR" sz="4800" dirty="0"/>
+              <a:rPr lang="fr-FR" sz="4800" dirty="0">
+                <a:latin typeface="Bahnschrift SemiBold" panose="020B0502040204020203" pitchFamily="34" charset="0"/>
+              </a:rPr>
               <a:t>Outils de travail</a:t>
             </a:r>
           </a:p>
@@ -7358,7 +7322,7 @@
           <p:cNvPr id="3" name="Sous-titre 2">
             <a:extLst>
               <a:ext uri="{FF2B5EF4-FFF2-40B4-BE49-F238E27FC236}">
-                <a16:creationId xmlns="" xmlns:a16="http://schemas.microsoft.com/office/drawing/2014/main" id="{BDFEFAEF-AB6A-BE8F-01E7-845FB609FA07}"/>
+                <a16:creationId xmlns:a16="http://schemas.microsoft.com/office/drawing/2014/main" id="{BDFEFAEF-AB6A-BE8F-01E7-845FB609FA07}"/>
               </a:ext>
             </a:extLst>
           </p:cNvPr>
@@ -7382,18 +7346,26 @@
           <a:lstStyle/>
           <a:p>
             <a:r>
-              <a:rPr lang="fr-FR" sz="2000" dirty="0" err="1"/>
+              <a:rPr lang="fr-FR" sz="2000" dirty="0" err="1">
+                <a:latin typeface="Bahnschrift Light" panose="020B0502040204020203" pitchFamily="34" charset="0"/>
+              </a:rPr>
               <a:t>CeTI</a:t>
             </a:r>
             <a:r>
-              <a:rPr lang="fr-FR" sz="2000" dirty="0"/>
+              <a:rPr lang="fr-FR" sz="2000" dirty="0">
+                <a:latin typeface="Bahnschrift Light" panose="020B0502040204020203" pitchFamily="34" charset="0"/>
+              </a:rPr>
               <a:t> / Semestre 5 / </a:t>
             </a:r>
             <a:br>
-              <a:rPr lang="fr-FR" sz="2000" dirty="0"/>
+              <a:rPr lang="fr-FR" sz="2000" dirty="0">
+                <a:latin typeface="Bahnschrift Light" panose="020B0502040204020203" pitchFamily="34" charset="0"/>
+              </a:rPr>
             </a:br>
             <a:r>
-              <a:rPr lang="fr-FR" sz="2000" dirty="0"/>
+              <a:rPr lang="fr-FR" sz="2000" dirty="0">
+                <a:latin typeface="Bahnschrift Light" panose="020B0502040204020203" pitchFamily="34" charset="0"/>
+              </a:rPr>
               <a:t>Institut d’Optique / B0_0</a:t>
             </a:r>
           </a:p>
@@ -7404,10 +7376,10 @@
           <p:cNvPr id="32" name="Rectangle 12">
             <a:extLst>
               <a:ext uri="{FF2B5EF4-FFF2-40B4-BE49-F238E27FC236}">
-                <a16:creationId xmlns="" xmlns:a16="http://schemas.microsoft.com/office/drawing/2014/main" id="{AF2F604E-43BE-4DC3-B983-E071523364F8}"/>
+                <a16:creationId xmlns:a16="http://schemas.microsoft.com/office/drawing/2014/main" id="{AF2F604E-43BE-4DC3-B983-E071523364F8}"/>
               </a:ext>
               <a:ext uri="{C183D7F6-B498-43B3-948B-1728B52AA6E4}">
-                <adec:decorative xmlns="" xmlns:adec="http://schemas.microsoft.com/office/drawing/2017/decorative" val="1"/>
+                <adec:decorative xmlns:adec="http://schemas.microsoft.com/office/drawing/2017/decorative" val="1"/>
               </a:ext>
             </a:extLst>
           </p:cNvPr>
@@ -7417,7 +7389,7 @@
           <p:nvPr>
             <p:extLst>
               <p:ext uri="{386F3935-93C4-4BCD-93E2-E3B085C9AB24}">
-                <p16:designElem xmlns="" xmlns:p16="http://schemas.microsoft.com/office/powerpoint/2015/main" val="1"/>
+                <p16:designElem xmlns:p16="http://schemas.microsoft.com/office/powerpoint/2015/main" val="1"/>
               </p:ext>
             </p:extLst>
           </p:nvPr>
@@ -7496,10 +7468,10 @@
           <p:cNvPr id="33" name="Rectangle 14">
             <a:extLst>
               <a:ext uri="{FF2B5EF4-FFF2-40B4-BE49-F238E27FC236}">
-                <a16:creationId xmlns="" xmlns:a16="http://schemas.microsoft.com/office/drawing/2014/main" id="{08C9B587-E65E-4B52-B37C-ABEBB6E87928}"/>
+                <a16:creationId xmlns:a16="http://schemas.microsoft.com/office/drawing/2014/main" id="{08C9B587-E65E-4B52-B37C-ABEBB6E87928}"/>
               </a:ext>
               <a:ext uri="{C183D7F6-B498-43B3-948B-1728B52AA6E4}">
-                <adec:decorative xmlns="" xmlns:adec="http://schemas.microsoft.com/office/drawing/2017/decorative" val="1"/>
+                <adec:decorative xmlns:adec="http://schemas.microsoft.com/office/drawing/2017/decorative" val="1"/>
               </a:ext>
             </a:extLst>
           </p:cNvPr>
@@ -7509,7 +7481,7 @@
           <p:nvPr>
             <p:extLst>
               <p:ext uri="{386F3935-93C4-4BCD-93E2-E3B085C9AB24}">
-                <p16:designElem xmlns="" xmlns:p16="http://schemas.microsoft.com/office/powerpoint/2015/main" val="1"/>
+                <p16:designElem xmlns:p16="http://schemas.microsoft.com/office/powerpoint/2015/main" val="1"/>
               </p:ext>
             </p:extLst>
           </p:nvPr>
@@ -7589,7 +7561,7 @@
           <p:cNvPr id="6" name="Image 5" descr="Une image contenant texte&#10;&#10;Description générée automatiquement">
             <a:extLst>
               <a:ext uri="{FF2B5EF4-FFF2-40B4-BE49-F238E27FC236}">
-                <a16:creationId xmlns="" xmlns:a16="http://schemas.microsoft.com/office/drawing/2014/main" id="{3D75D9F9-6192-EA6A-A7C9-F09C6FC342AD}"/>
+                <a16:creationId xmlns:a16="http://schemas.microsoft.com/office/drawing/2014/main" id="{3D75D9F9-6192-EA6A-A7C9-F09C6FC342AD}"/>
               </a:ext>
             </a:extLst>
           </p:cNvPr>
@@ -7655,7 +7627,7 @@
           <p:cNvPr id="2" name="Titre 1">
             <a:extLst>
               <a:ext uri="{FF2B5EF4-FFF2-40B4-BE49-F238E27FC236}">
-                <a16:creationId xmlns="" xmlns:a16="http://schemas.microsoft.com/office/drawing/2014/main" id="{90162AE8-C1B0-5C56-8313-DEE494F38273}"/>
+                <a16:creationId xmlns:a16="http://schemas.microsoft.com/office/drawing/2014/main" id="{90162AE8-C1B0-5C56-8313-DEE494F38273}"/>
               </a:ext>
             </a:extLst>
           </p:cNvPr>
@@ -7672,10 +7644,9 @@
           <a:lstStyle/>
           <a:p>
             <a:r>
-              <a:rPr lang="fr-FR" dirty="0" smtClean="0"/>
+              <a:rPr lang="fr-FR" dirty="0"/>
               <a:t>Matériel expérimental</a:t>
             </a:r>
-            <a:endParaRPr lang="fr-FR" dirty="0"/>
           </a:p>
         </p:txBody>
       </p:sp>
@@ -7684,7 +7655,7 @@
           <p:cNvPr id="3" name="Espace réservé du contenu 2">
             <a:extLst>
               <a:ext uri="{FF2B5EF4-FFF2-40B4-BE49-F238E27FC236}">
-                <a16:creationId xmlns="" xmlns:a16="http://schemas.microsoft.com/office/drawing/2014/main" id="{E0BBB9DE-019C-C741-F224-494739D4B752}"/>
+                <a16:creationId xmlns:a16="http://schemas.microsoft.com/office/drawing/2014/main" id="{E0BBB9DE-019C-C741-F224-494739D4B752}"/>
               </a:ext>
             </a:extLst>
           </p:cNvPr>
@@ -7703,10 +7674,9 @@
           <a:lstStyle/>
           <a:p>
             <a:r>
-              <a:rPr lang="fr-FR" dirty="0" smtClean="0"/>
+              <a:rPr lang="fr-FR" dirty="0"/>
               <a:t>To do</a:t>
             </a:r>
-            <a:endParaRPr lang="fr-FR" dirty="0"/>
           </a:p>
         </p:txBody>
       </p:sp>
@@ -7715,7 +7685,7 @@
           <p:cNvPr id="5" name="Image 4" descr="Une image contenant texte&#10;&#10;Description générée automatiquement">
             <a:extLst>
               <a:ext uri="{FF2B5EF4-FFF2-40B4-BE49-F238E27FC236}">
-                <a16:creationId xmlns="" xmlns:a16="http://schemas.microsoft.com/office/drawing/2014/main" id="{204ADC40-1D61-539F-22ED-6B21D67FBDE6}"/>
+                <a16:creationId xmlns:a16="http://schemas.microsoft.com/office/drawing/2014/main" id="{204ADC40-1D61-539F-22ED-6B21D67FBDE6}"/>
               </a:ext>
             </a:extLst>
           </p:cNvPr>
@@ -7781,7 +7751,7 @@
           <p:cNvPr id="1026" name="Picture 2" descr="Anaconda | Anaconda Distribution">
             <a:extLst>
               <a:ext uri="{FF2B5EF4-FFF2-40B4-BE49-F238E27FC236}">
-                <a16:creationId xmlns="" xmlns:a16="http://schemas.microsoft.com/office/drawing/2014/main" id="{9C0B1909-1CB6-7715-8E08-A90D70EDCD52}"/>
+                <a16:creationId xmlns:a16="http://schemas.microsoft.com/office/drawing/2014/main" id="{9C0B1909-1CB6-7715-8E08-A90D70EDCD52}"/>
               </a:ext>
             </a:extLst>
           </p:cNvPr>
@@ -7828,7 +7798,7 @@
           <p:cNvPr id="2" name="Titre 1">
             <a:extLst>
               <a:ext uri="{FF2B5EF4-FFF2-40B4-BE49-F238E27FC236}">
-                <a16:creationId xmlns="" xmlns:a16="http://schemas.microsoft.com/office/drawing/2014/main" id="{90162AE8-C1B0-5C56-8313-DEE494F38273}"/>
+                <a16:creationId xmlns:a16="http://schemas.microsoft.com/office/drawing/2014/main" id="{90162AE8-C1B0-5C56-8313-DEE494F38273}"/>
               </a:ext>
             </a:extLst>
           </p:cNvPr>
@@ -7856,7 +7826,7 @@
           <p:cNvPr id="3" name="Espace réservé du contenu 2">
             <a:extLst>
               <a:ext uri="{FF2B5EF4-FFF2-40B4-BE49-F238E27FC236}">
-                <a16:creationId xmlns="" xmlns:a16="http://schemas.microsoft.com/office/drawing/2014/main" id="{E0BBB9DE-019C-C741-F224-494739D4B752}"/>
+                <a16:creationId xmlns:a16="http://schemas.microsoft.com/office/drawing/2014/main" id="{E0BBB9DE-019C-C741-F224-494739D4B752}"/>
               </a:ext>
             </a:extLst>
           </p:cNvPr>
@@ -7905,13 +7875,8 @@
             </a:r>
             <a:r>
               <a:rPr lang="fr-FR" dirty="0"/>
-              <a:t> </a:t>
-            </a:r>
-            <a:r>
-              <a:rPr lang="fr-FR" dirty="0" smtClean="0"/>
-              <a:t>5</a:t>
-            </a:r>
-            <a:endParaRPr lang="fr-FR" dirty="0"/>
+              <a:t> 5</a:t>
+            </a:r>
           </a:p>
         </p:txBody>
       </p:sp>
@@ -7920,7 +7885,7 @@
           <p:cNvPr id="4" name="Espace réservé du contenu 3">
             <a:extLst>
               <a:ext uri="{FF2B5EF4-FFF2-40B4-BE49-F238E27FC236}">
-                <a16:creationId xmlns="" xmlns:a16="http://schemas.microsoft.com/office/drawing/2014/main" id="{933F96BD-2653-AD25-8139-9FF3B2C19755}"/>
+                <a16:creationId xmlns:a16="http://schemas.microsoft.com/office/drawing/2014/main" id="{933F96BD-2653-AD25-8139-9FF3B2C19755}"/>
               </a:ext>
             </a:extLst>
           </p:cNvPr>
@@ -7939,26 +7904,25 @@
           <a:lstStyle/>
           <a:p>
             <a:r>
-              <a:rPr lang="fr-FR" dirty="0" smtClean="0"/>
+              <a:rPr lang="fr-FR" dirty="0"/>
               <a:t>Utilisation de </a:t>
             </a:r>
             <a:r>
-              <a:rPr lang="fr-FR" b="1" dirty="0" smtClean="0"/>
+              <a:rPr lang="fr-FR" b="1" dirty="0"/>
               <a:t>Matlab</a:t>
             </a:r>
-            <a:endParaRPr lang="fr-FR" b="1" dirty="0"/>
           </a:p>
           <a:p>
             <a:pPr lvl="1"/>
             <a:r>
-              <a:rPr lang="fr-FR" dirty="0" smtClean="0"/>
+              <a:rPr lang="fr-FR" dirty="0"/>
               <a:t>Simulink pour l’automatique</a:t>
             </a:r>
           </a:p>
           <a:p>
             <a:pPr lvl="1"/>
             <a:r>
-              <a:rPr lang="fr-FR" i="1" dirty="0" smtClean="0"/>
+              <a:rPr lang="fr-FR" i="1" dirty="0"/>
               <a:t>Licence académique</a:t>
             </a:r>
           </a:p>
@@ -7968,23 +7932,22 @@
           </a:p>
           <a:p>
             <a:pPr lvl="1"/>
-            <a:endParaRPr lang="fr-FR" i="1" dirty="0" smtClean="0"/>
-          </a:p>
-          <a:p>
-            <a:r>
-              <a:rPr lang="fr-FR" dirty="0" smtClean="0"/>
+            <a:endParaRPr lang="fr-FR" i="1" dirty="0"/>
+          </a:p>
+          <a:p>
+            <a:r>
+              <a:rPr lang="fr-FR" dirty="0"/>
               <a:t>Démos sous </a:t>
             </a:r>
             <a:r>
-              <a:rPr lang="fr-FR" b="1" dirty="0" smtClean="0"/>
+              <a:rPr lang="fr-FR" b="1" dirty="0"/>
               <a:t>QUCS</a:t>
             </a:r>
-            <a:endParaRPr lang="fr-FR" b="1" dirty="0"/>
           </a:p>
           <a:p>
             <a:pPr lvl="1"/>
             <a:r>
-              <a:rPr lang="fr-FR" dirty="0" smtClean="0"/>
+              <a:rPr lang="fr-FR" dirty="0"/>
               <a:t>Simulation électronique</a:t>
             </a:r>
             <a:endParaRPr lang="fr-FR" i="1" dirty="0"/>
@@ -8000,7 +7963,7 @@
           <p:cNvPr id="5" name="Image 4" descr="Une image contenant texte&#10;&#10;Description générée automatiquement">
             <a:extLst>
               <a:ext uri="{FF2B5EF4-FFF2-40B4-BE49-F238E27FC236}">
-                <a16:creationId xmlns="" xmlns:a16="http://schemas.microsoft.com/office/drawing/2014/main" id="{204ADC40-1D61-539F-22ED-6B21D67FBDE6}"/>
+                <a16:creationId xmlns:a16="http://schemas.microsoft.com/office/drawing/2014/main" id="{204ADC40-1D61-539F-22ED-6B21D67FBDE6}"/>
               </a:ext>
             </a:extLst>
           </p:cNvPr>
@@ -8036,7 +7999,7 @@
           <p:cNvPr id="1028" name="Picture 4" descr="Résultat de recherche d'images pour &quot;python logo&quot;">
             <a:extLst>
               <a:ext uri="{FF2B5EF4-FFF2-40B4-BE49-F238E27FC236}">
-                <a16:creationId xmlns="" xmlns:a16="http://schemas.microsoft.com/office/drawing/2014/main" id="{6AACFEBA-EE5D-EEE7-D00C-2240541AF15B}"/>
+                <a16:creationId xmlns:a16="http://schemas.microsoft.com/office/drawing/2014/main" id="{6AACFEBA-EE5D-EEE7-D00C-2240541AF15B}"/>
               </a:ext>
             </a:extLst>
           </p:cNvPr>
@@ -8083,7 +8046,7 @@
           <p:cNvPr id="1032" name="Picture 8" descr="Résultat de recherche d'images pour &quot;spyder logo&quot;">
             <a:extLst>
               <a:ext uri="{FF2B5EF4-FFF2-40B4-BE49-F238E27FC236}">
-                <a16:creationId xmlns="" xmlns:a16="http://schemas.microsoft.com/office/drawing/2014/main" id="{B9E90EDC-B810-E4E5-D39F-BA240250126F}"/>
+                <a16:creationId xmlns:a16="http://schemas.microsoft.com/office/drawing/2014/main" id="{B9E90EDC-B810-E4E5-D39F-BA240250126F}"/>
               </a:ext>
             </a:extLst>
           </p:cNvPr>
@@ -8242,7 +8205,7 @@
           <p:cNvPr id="3" name="Espace réservé du contenu 2">
             <a:extLst>
               <a:ext uri="{FF2B5EF4-FFF2-40B4-BE49-F238E27FC236}">
-                <a16:creationId xmlns="" xmlns:a16="http://schemas.microsoft.com/office/drawing/2014/main" id="{E0BBB9DE-019C-C741-F224-494739D4B752}"/>
+                <a16:creationId xmlns:a16="http://schemas.microsoft.com/office/drawing/2014/main" id="{E0BBB9DE-019C-C741-F224-494739D4B752}"/>
               </a:ext>
             </a:extLst>
           </p:cNvPr>
@@ -8281,15 +8244,15 @@
           <a:p>
             <a:pPr lvl="1"/>
             <a:r>
-              <a:rPr lang="fr-FR" dirty="0" smtClean="0"/>
+              <a:rPr lang="fr-FR" dirty="0"/>
               <a:t>lense.institutoptique.fr/</a:t>
             </a:r>
             <a:r>
-              <a:rPr lang="fr-FR" dirty="0" err="1" smtClean="0"/>
+              <a:rPr lang="fr-FR" dirty="0" err="1"/>
               <a:t>ceti</a:t>
             </a:r>
             <a:r>
-              <a:rPr lang="fr-FR" dirty="0" smtClean="0"/>
+              <a:rPr lang="fr-FR" dirty="0"/>
               <a:t>/</a:t>
             </a:r>
           </a:p>
@@ -8298,7 +8261,7 @@
           </a:p>
           <a:p>
             <a:r>
-              <a:rPr lang="fr-FR" b="1" dirty="0" err="1" smtClean="0"/>
+              <a:rPr lang="fr-FR" b="1" dirty="0" err="1"/>
               <a:t>GitHUB</a:t>
             </a:r>
             <a:endParaRPr lang="fr-FR" b="1" dirty="0"/>
@@ -8320,7 +8283,7 @@
           <p:cNvPr id="2" name="Titre 1">
             <a:extLst>
               <a:ext uri="{FF2B5EF4-FFF2-40B4-BE49-F238E27FC236}">
-                <a16:creationId xmlns="" xmlns:a16="http://schemas.microsoft.com/office/drawing/2014/main" id="{90162AE8-C1B0-5C56-8313-DEE494F38273}"/>
+                <a16:creationId xmlns:a16="http://schemas.microsoft.com/office/drawing/2014/main" id="{90162AE8-C1B0-5C56-8313-DEE494F38273}"/>
               </a:ext>
             </a:extLst>
           </p:cNvPr>
@@ -8348,7 +8311,7 @@
           <p:cNvPr id="5" name="Image 4" descr="Une image contenant texte&#10;&#10;Description générée automatiquement">
             <a:extLst>
               <a:ext uri="{FF2B5EF4-FFF2-40B4-BE49-F238E27FC236}">
-                <a16:creationId xmlns="" xmlns:a16="http://schemas.microsoft.com/office/drawing/2014/main" id="{204ADC40-1D61-539F-22ED-6B21D67FBDE6}"/>
+                <a16:creationId xmlns:a16="http://schemas.microsoft.com/office/drawing/2014/main" id="{204ADC40-1D61-539F-22ED-6B21D67FBDE6}"/>
               </a:ext>
             </a:extLst>
           </p:cNvPr>
@@ -8384,7 +8347,7 @@
           <p:cNvPr id="2050" name="Picture 2" descr="Résultat de recherche d'images pour &quot;github logo&quot;">
             <a:extLst>
               <a:ext uri="{FF2B5EF4-FFF2-40B4-BE49-F238E27FC236}">
-                <a16:creationId xmlns="" xmlns:a16="http://schemas.microsoft.com/office/drawing/2014/main" id="{EF17F59B-3DC2-541B-6AF7-484C8DC259FE}"/>
+                <a16:creationId xmlns:a16="http://schemas.microsoft.com/office/drawing/2014/main" id="{EF17F59B-3DC2-541B-6AF7-484C8DC259FE}"/>
               </a:ext>
             </a:extLst>
           </p:cNvPr>
@@ -8431,7 +8394,7 @@
           <p:cNvPr id="7" name="Image 6" descr="Une image contenant texte&#10;&#10;Description générée automatiquement">
             <a:extLst>
               <a:ext uri="{FF2B5EF4-FFF2-40B4-BE49-F238E27FC236}">
-                <a16:creationId xmlns="" xmlns:a16="http://schemas.microsoft.com/office/drawing/2014/main" id="{43D1A380-037F-8C39-E9BA-1EC6DD103F1D}"/>
+                <a16:creationId xmlns:a16="http://schemas.microsoft.com/office/drawing/2014/main" id="{43D1A380-037F-8C39-E9BA-1EC6DD103F1D}"/>
               </a:ext>
             </a:extLst>
           </p:cNvPr>
@@ -8505,10 +8468,10 @@
           <p:cNvPr id="9" name="Rectangle 8">
             <a:extLst>
               <a:ext uri="{FF2B5EF4-FFF2-40B4-BE49-F238E27FC236}">
-                <a16:creationId xmlns="" xmlns:a16="http://schemas.microsoft.com/office/drawing/2014/main" id="{526E0BFB-CDF1-4990-8C11-AC849311E0A8}"/>
+                <a16:creationId xmlns:a16="http://schemas.microsoft.com/office/drawing/2014/main" id="{526E0BFB-CDF1-4990-8C11-AC849311E0A8}"/>
               </a:ext>
               <a:ext uri="{C183D7F6-B498-43B3-948B-1728B52AA6E4}">
-                <adec:decorative xmlns="" xmlns:adec="http://schemas.microsoft.com/office/drawing/2017/decorative" val="1"/>
+                <adec:decorative xmlns:adec="http://schemas.microsoft.com/office/drawing/2017/decorative" val="1"/>
               </a:ext>
             </a:extLst>
           </p:cNvPr>
@@ -8518,7 +8481,7 @@
           <p:nvPr>
             <p:extLst>
               <p:ext uri="{386F3935-93C4-4BCD-93E2-E3B085C9AB24}">
-                <p16:designElem xmlns="" xmlns:p16="http://schemas.microsoft.com/office/powerpoint/2015/main" val="1"/>
+                <p16:designElem xmlns:p16="http://schemas.microsoft.com/office/powerpoint/2015/main" val="1"/>
               </p:ext>
             </p:extLst>
           </p:nvPr>
@@ -8565,7 +8528,7 @@
           <p:cNvPr id="4" name="Picture 3">
             <a:extLst>
               <a:ext uri="{FF2B5EF4-FFF2-40B4-BE49-F238E27FC236}">
-                <a16:creationId xmlns="" xmlns:a16="http://schemas.microsoft.com/office/drawing/2014/main" id="{4C72F330-992B-B125-739B-F8303ED3A097}"/>
+                <a16:creationId xmlns:a16="http://schemas.microsoft.com/office/drawing/2014/main" id="{4C72F330-992B-B125-739B-F8303ED3A097}"/>
               </a:ext>
             </a:extLst>
           </p:cNvPr>
@@ -8594,10 +8557,10 @@
           <p:cNvPr id="11" name="Rectangle 10">
             <a:extLst>
               <a:ext uri="{FF2B5EF4-FFF2-40B4-BE49-F238E27FC236}">
-                <a16:creationId xmlns="" xmlns:a16="http://schemas.microsoft.com/office/drawing/2014/main" id="{6069A1F8-9BEB-4786-9694-FC48B2D75D21}"/>
+                <a16:creationId xmlns:a16="http://schemas.microsoft.com/office/drawing/2014/main" id="{6069A1F8-9BEB-4786-9694-FC48B2D75D21}"/>
               </a:ext>
               <a:ext uri="{C183D7F6-B498-43B3-948B-1728B52AA6E4}">
-                <adec:decorative xmlns="" xmlns:adec="http://schemas.microsoft.com/office/drawing/2017/decorative" val="1"/>
+                <adec:decorative xmlns:adec="http://schemas.microsoft.com/office/drawing/2017/decorative" val="1"/>
               </a:ext>
             </a:extLst>
           </p:cNvPr>
@@ -8607,7 +8570,7 @@
           <p:nvPr>
             <p:extLst>
               <p:ext uri="{386F3935-93C4-4BCD-93E2-E3B085C9AB24}">
-                <p16:designElem xmlns="" xmlns:p16="http://schemas.microsoft.com/office/powerpoint/2015/main" val="1"/>
+                <p16:designElem xmlns:p16="http://schemas.microsoft.com/office/powerpoint/2015/main" val="1"/>
               </p:ext>
             </p:extLst>
           </p:nvPr>
@@ -8675,7 +8638,7 @@
           <p:cNvPr id="2" name="Titre 1">
             <a:extLst>
               <a:ext uri="{FF2B5EF4-FFF2-40B4-BE49-F238E27FC236}">
-                <a16:creationId xmlns="" xmlns:a16="http://schemas.microsoft.com/office/drawing/2014/main" id="{CF8D1EB8-F6E7-EB54-1CC8-28472070B9FC}"/>
+                <a16:creationId xmlns:a16="http://schemas.microsoft.com/office/drawing/2014/main" id="{CF8D1EB8-F6E7-EB54-1CC8-28472070B9FC}"/>
               </a:ext>
             </a:extLst>
           </p:cNvPr>
@@ -8699,7 +8662,9 @@
           <a:lstStyle/>
           <a:p>
             <a:r>
-              <a:rPr lang="fr-FR" sz="4800" dirty="0"/>
+              <a:rPr lang="fr-FR" sz="4800" dirty="0">
+                <a:latin typeface="Bahnschrift SemiBold" panose="020B0502040204020203" pitchFamily="34" charset="0"/>
+              </a:rPr>
               <a:t>Méthodes de travail</a:t>
             </a:r>
           </a:p>
@@ -8710,7 +8675,7 @@
           <p:cNvPr id="3" name="Sous-titre 2">
             <a:extLst>
               <a:ext uri="{FF2B5EF4-FFF2-40B4-BE49-F238E27FC236}">
-                <a16:creationId xmlns="" xmlns:a16="http://schemas.microsoft.com/office/drawing/2014/main" id="{BDFEFAEF-AB6A-BE8F-01E7-845FB609FA07}"/>
+                <a16:creationId xmlns:a16="http://schemas.microsoft.com/office/drawing/2014/main" id="{BDFEFAEF-AB6A-BE8F-01E7-845FB609FA07}"/>
               </a:ext>
             </a:extLst>
           </p:cNvPr>
@@ -8734,18 +8699,26 @@
           <a:lstStyle/>
           <a:p>
             <a:r>
-              <a:rPr lang="fr-FR" sz="2000" dirty="0" err="1"/>
+              <a:rPr lang="fr-FR" sz="2000" dirty="0" err="1">
+                <a:latin typeface="Bahnschrift Light" panose="020B0502040204020203" pitchFamily="34" charset="0"/>
+              </a:rPr>
               <a:t>CeTI</a:t>
             </a:r>
             <a:r>
-              <a:rPr lang="fr-FR" sz="2000" dirty="0"/>
+              <a:rPr lang="fr-FR" sz="2000" dirty="0">
+                <a:latin typeface="Bahnschrift Light" panose="020B0502040204020203" pitchFamily="34" charset="0"/>
+              </a:rPr>
               <a:t> / Semestre 5 / </a:t>
             </a:r>
             <a:br>
-              <a:rPr lang="fr-FR" sz="2000" dirty="0"/>
+              <a:rPr lang="fr-FR" sz="2000" dirty="0">
+                <a:latin typeface="Bahnschrift Light" panose="020B0502040204020203" pitchFamily="34" charset="0"/>
+              </a:rPr>
             </a:br>
             <a:r>
-              <a:rPr lang="fr-FR" sz="2000" dirty="0"/>
+              <a:rPr lang="fr-FR" sz="2000" dirty="0">
+                <a:latin typeface="Bahnschrift Light" panose="020B0502040204020203" pitchFamily="34" charset="0"/>
+              </a:rPr>
               <a:t>Institut d’Optique / B0_0</a:t>
             </a:r>
           </a:p>
@@ -8756,10 +8729,10 @@
           <p:cNvPr id="32" name="Rectangle 12">
             <a:extLst>
               <a:ext uri="{FF2B5EF4-FFF2-40B4-BE49-F238E27FC236}">
-                <a16:creationId xmlns="" xmlns:a16="http://schemas.microsoft.com/office/drawing/2014/main" id="{AF2F604E-43BE-4DC3-B983-E071523364F8}"/>
+                <a16:creationId xmlns:a16="http://schemas.microsoft.com/office/drawing/2014/main" id="{AF2F604E-43BE-4DC3-B983-E071523364F8}"/>
               </a:ext>
               <a:ext uri="{C183D7F6-B498-43B3-948B-1728B52AA6E4}">
-                <adec:decorative xmlns="" xmlns:adec="http://schemas.microsoft.com/office/drawing/2017/decorative" val="1"/>
+                <adec:decorative xmlns:adec="http://schemas.microsoft.com/office/drawing/2017/decorative" val="1"/>
               </a:ext>
             </a:extLst>
           </p:cNvPr>
@@ -8769,7 +8742,7 @@
           <p:nvPr>
             <p:extLst>
               <p:ext uri="{386F3935-93C4-4BCD-93E2-E3B085C9AB24}">
-                <p16:designElem xmlns="" xmlns:p16="http://schemas.microsoft.com/office/powerpoint/2015/main" val="1"/>
+                <p16:designElem xmlns:p16="http://schemas.microsoft.com/office/powerpoint/2015/main" val="1"/>
               </p:ext>
             </p:extLst>
           </p:nvPr>
@@ -8848,10 +8821,10 @@
           <p:cNvPr id="33" name="Rectangle 14">
             <a:extLst>
               <a:ext uri="{FF2B5EF4-FFF2-40B4-BE49-F238E27FC236}">
-                <a16:creationId xmlns="" xmlns:a16="http://schemas.microsoft.com/office/drawing/2014/main" id="{08C9B587-E65E-4B52-B37C-ABEBB6E87928}"/>
+                <a16:creationId xmlns:a16="http://schemas.microsoft.com/office/drawing/2014/main" id="{08C9B587-E65E-4B52-B37C-ABEBB6E87928}"/>
               </a:ext>
               <a:ext uri="{C183D7F6-B498-43B3-948B-1728B52AA6E4}">
-                <adec:decorative xmlns="" xmlns:adec="http://schemas.microsoft.com/office/drawing/2017/decorative" val="1"/>
+                <adec:decorative xmlns:adec="http://schemas.microsoft.com/office/drawing/2017/decorative" val="1"/>
               </a:ext>
             </a:extLst>
           </p:cNvPr>
@@ -8861,7 +8834,7 @@
           <p:nvPr>
             <p:extLst>
               <p:ext uri="{386F3935-93C4-4BCD-93E2-E3B085C9AB24}">
-                <p16:designElem xmlns="" xmlns:p16="http://schemas.microsoft.com/office/powerpoint/2015/main" val="1"/>
+                <p16:designElem xmlns:p16="http://schemas.microsoft.com/office/powerpoint/2015/main" val="1"/>
               </p:ext>
             </p:extLst>
           </p:nvPr>
@@ -8941,7 +8914,7 @@
           <p:cNvPr id="6" name="Image 5" descr="Une image contenant texte&#10;&#10;Description générée automatiquement">
             <a:extLst>
               <a:ext uri="{FF2B5EF4-FFF2-40B4-BE49-F238E27FC236}">
-                <a16:creationId xmlns="" xmlns:a16="http://schemas.microsoft.com/office/drawing/2014/main" id="{3D75D9F9-6192-EA6A-A7C9-F09C6FC342AD}"/>
+                <a16:creationId xmlns:a16="http://schemas.microsoft.com/office/drawing/2014/main" id="{3D75D9F9-6192-EA6A-A7C9-F09C6FC342AD}"/>
               </a:ext>
             </a:extLst>
           </p:cNvPr>
@@ -9007,7 +8980,7 @@
           <p:cNvPr id="3" name="Espace réservé du contenu 2">
             <a:extLst>
               <a:ext uri="{FF2B5EF4-FFF2-40B4-BE49-F238E27FC236}">
-                <a16:creationId xmlns="" xmlns:a16="http://schemas.microsoft.com/office/drawing/2014/main" id="{E0BBB9DE-019C-C741-F224-494739D4B752}"/>
+                <a16:creationId xmlns:a16="http://schemas.microsoft.com/office/drawing/2014/main" id="{E0BBB9DE-019C-C741-F224-494739D4B752}"/>
               </a:ext>
             </a:extLst>
           </p:cNvPr>
@@ -9031,7 +9004,7 @@
           <a:lstStyle/>
           <a:p>
             <a:r>
-              <a:rPr lang="fr-FR" sz="2400" dirty="0" smtClean="0"/>
+              <a:rPr lang="fr-FR" sz="2400" dirty="0"/>
               <a:t>To do</a:t>
             </a:r>
             <a:endParaRPr lang="fr-FR" dirty="0"/>
@@ -9043,7 +9016,7 @@
           <p:cNvPr id="2" name="Titre 1">
             <a:extLst>
               <a:ext uri="{FF2B5EF4-FFF2-40B4-BE49-F238E27FC236}">
-                <a16:creationId xmlns="" xmlns:a16="http://schemas.microsoft.com/office/drawing/2014/main" id="{90162AE8-C1B0-5C56-8313-DEE494F38273}"/>
+                <a16:creationId xmlns:a16="http://schemas.microsoft.com/office/drawing/2014/main" id="{90162AE8-C1B0-5C56-8313-DEE494F38273}"/>
               </a:ext>
             </a:extLst>
           </p:cNvPr>
@@ -9061,13 +9034,8 @@
           <a:p>
             <a:r>
               <a:rPr lang="fr-FR" dirty="0"/>
-              <a:t>Méthode de </a:t>
-            </a:r>
-            <a:r>
-              <a:rPr lang="fr-FR" dirty="0" smtClean="0"/>
-              <a:t>travail</a:t>
-            </a:r>
-            <a:endParaRPr lang="fr-FR" dirty="0"/>
+              <a:t>Méthode de travail</a:t>
+            </a:r>
           </a:p>
         </p:txBody>
       </p:sp>
@@ -9076,7 +9044,7 @@
           <p:cNvPr id="5" name="Image 4" descr="Une image contenant texte&#10;&#10;Description générée automatiquement">
             <a:extLst>
               <a:ext uri="{FF2B5EF4-FFF2-40B4-BE49-F238E27FC236}">
-                <a16:creationId xmlns="" xmlns:a16="http://schemas.microsoft.com/office/drawing/2014/main" id="{204ADC40-1D61-539F-22ED-6B21D67FBDE6}"/>
+                <a16:creationId xmlns:a16="http://schemas.microsoft.com/office/drawing/2014/main" id="{204ADC40-1D61-539F-22ED-6B21D67FBDE6}"/>
               </a:ext>
             </a:extLst>
           </p:cNvPr>
@@ -9142,7 +9110,7 @@
           <p:cNvPr id="2" name="Titre 1">
             <a:extLst>
               <a:ext uri="{FF2B5EF4-FFF2-40B4-BE49-F238E27FC236}">
-                <a16:creationId xmlns="" xmlns:a16="http://schemas.microsoft.com/office/drawing/2014/main" id="{90162AE8-C1B0-5C56-8313-DEE494F38273}"/>
+                <a16:creationId xmlns:a16="http://schemas.microsoft.com/office/drawing/2014/main" id="{90162AE8-C1B0-5C56-8313-DEE494F38273}"/>
               </a:ext>
             </a:extLst>
           </p:cNvPr>
@@ -9159,10 +9127,9 @@
           <a:lstStyle/>
           <a:p>
             <a:r>
-              <a:rPr lang="fr-FR" dirty="0" smtClean="0"/>
+              <a:rPr lang="fr-FR" dirty="0"/>
               <a:t>Informations</a:t>
             </a:r>
-            <a:endParaRPr lang="fr-FR" dirty="0"/>
           </a:p>
         </p:txBody>
       </p:sp>
@@ -9171,7 +9138,7 @@
           <p:cNvPr id="3" name="Espace réservé du contenu 2">
             <a:extLst>
               <a:ext uri="{FF2B5EF4-FFF2-40B4-BE49-F238E27FC236}">
-                <a16:creationId xmlns="" xmlns:a16="http://schemas.microsoft.com/office/drawing/2014/main" id="{E0BBB9DE-019C-C741-F224-494739D4B752}"/>
+                <a16:creationId xmlns:a16="http://schemas.microsoft.com/office/drawing/2014/main" id="{E0BBB9DE-019C-C741-F224-494739D4B752}"/>
               </a:ext>
             </a:extLst>
           </p:cNvPr>
@@ -9195,42 +9162,42 @@
           <a:lstStyle/>
           <a:p>
             <a:r>
-              <a:rPr lang="fr-FR" sz="2000" dirty="0" smtClean="0"/>
+              <a:rPr lang="fr-FR" sz="2000" dirty="0"/>
               <a:t>Données</a:t>
             </a:r>
           </a:p>
           <a:p>
             <a:pPr lvl="1"/>
             <a:r>
-              <a:rPr lang="fr-FR" sz="1800" dirty="0" smtClean="0"/>
+              <a:rPr lang="fr-FR" sz="1800" dirty="0"/>
               <a:t>Images</a:t>
             </a:r>
           </a:p>
           <a:p>
             <a:pPr lvl="1"/>
             <a:r>
-              <a:rPr lang="fr-FR" sz="1800" dirty="0" smtClean="0"/>
+              <a:rPr lang="fr-FR" sz="1800" dirty="0"/>
               <a:t>Sons</a:t>
             </a:r>
           </a:p>
           <a:p>
             <a:pPr lvl="1"/>
             <a:r>
-              <a:rPr lang="fr-FR" sz="1800" dirty="0" smtClean="0"/>
+              <a:rPr lang="fr-FR" sz="1800" dirty="0"/>
               <a:t>Grandeurs</a:t>
             </a:r>
             <a:br>
-              <a:rPr lang="fr-FR" sz="1800" dirty="0" smtClean="0"/>
+              <a:rPr lang="fr-FR" sz="1800" dirty="0"/>
             </a:br>
             <a:r>
-              <a:rPr lang="fr-FR" sz="1800" dirty="0" smtClean="0"/>
+              <a:rPr lang="fr-FR" sz="1800" dirty="0"/>
               <a:t>physiques</a:t>
             </a:r>
           </a:p>
           <a:p>
             <a:pPr lvl="1"/>
             <a:r>
-              <a:rPr lang="fr-FR" sz="1800" dirty="0" smtClean="0"/>
+              <a:rPr lang="fr-FR" sz="1800" dirty="0"/>
               <a:t>Textes</a:t>
             </a:r>
           </a:p>
@@ -9245,7 +9212,7 @@
           <p:cNvPr id="5" name="Image 4" descr="Une image contenant texte&#10;&#10;Description générée automatiquement">
             <a:extLst>
               <a:ext uri="{FF2B5EF4-FFF2-40B4-BE49-F238E27FC236}">
-                <a16:creationId xmlns="" xmlns:a16="http://schemas.microsoft.com/office/drawing/2014/main" id="{204ADC40-1D61-539F-22ED-6B21D67FBDE6}"/>
+                <a16:creationId xmlns:a16="http://schemas.microsoft.com/office/drawing/2014/main" id="{204ADC40-1D61-539F-22ED-6B21D67FBDE6}"/>
               </a:ext>
             </a:extLst>
           </p:cNvPr>
@@ -9387,7 +9354,7 @@
           <p:cNvPr id="2" name="Titre 1">
             <a:extLst>
               <a:ext uri="{FF2B5EF4-FFF2-40B4-BE49-F238E27FC236}">
-                <a16:creationId xmlns="" xmlns:a16="http://schemas.microsoft.com/office/drawing/2014/main" id="{90162AE8-C1B0-5C56-8313-DEE494F38273}"/>
+                <a16:creationId xmlns:a16="http://schemas.microsoft.com/office/drawing/2014/main" id="{90162AE8-C1B0-5C56-8313-DEE494F38273}"/>
               </a:ext>
             </a:extLst>
           </p:cNvPr>
@@ -9404,10 +9371,9 @@
           <a:lstStyle/>
           <a:p>
             <a:r>
-              <a:rPr lang="fr-FR" dirty="0" smtClean="0"/>
+              <a:rPr lang="fr-FR" dirty="0"/>
               <a:t>Informations</a:t>
             </a:r>
-            <a:endParaRPr lang="fr-FR" dirty="0"/>
           </a:p>
         </p:txBody>
       </p:sp>
@@ -9416,7 +9382,7 @@
           <p:cNvPr id="3" name="Espace réservé du contenu 2">
             <a:extLst>
               <a:ext uri="{FF2B5EF4-FFF2-40B4-BE49-F238E27FC236}">
-                <a16:creationId xmlns="" xmlns:a16="http://schemas.microsoft.com/office/drawing/2014/main" id="{E0BBB9DE-019C-C741-F224-494739D4B752}"/>
+                <a16:creationId xmlns:a16="http://schemas.microsoft.com/office/drawing/2014/main" id="{E0BBB9DE-019C-C741-F224-494739D4B752}"/>
               </a:ext>
             </a:extLst>
           </p:cNvPr>
@@ -9440,42 +9406,42 @@
           <a:lstStyle/>
           <a:p>
             <a:r>
-              <a:rPr lang="fr-FR" sz="2000" dirty="0" smtClean="0"/>
+              <a:rPr lang="fr-FR" sz="2000" dirty="0"/>
               <a:t>Données</a:t>
             </a:r>
           </a:p>
           <a:p>
             <a:pPr lvl="1"/>
             <a:r>
-              <a:rPr lang="fr-FR" sz="1800" dirty="0" smtClean="0"/>
+              <a:rPr lang="fr-FR" sz="1800" dirty="0"/>
               <a:t>Images</a:t>
             </a:r>
           </a:p>
           <a:p>
             <a:pPr lvl="1"/>
             <a:r>
-              <a:rPr lang="fr-FR" sz="1800" dirty="0" smtClean="0"/>
+              <a:rPr lang="fr-FR" sz="1800" dirty="0"/>
               <a:t>Sons</a:t>
             </a:r>
           </a:p>
           <a:p>
             <a:pPr lvl="1"/>
             <a:r>
-              <a:rPr lang="fr-FR" sz="1800" dirty="0" smtClean="0"/>
+              <a:rPr lang="fr-FR" sz="1800" dirty="0"/>
               <a:t>Grandeurs</a:t>
             </a:r>
             <a:br>
-              <a:rPr lang="fr-FR" sz="1800" dirty="0" smtClean="0"/>
+              <a:rPr lang="fr-FR" sz="1800" dirty="0"/>
             </a:br>
             <a:r>
-              <a:rPr lang="fr-FR" sz="1800" dirty="0" smtClean="0"/>
+              <a:rPr lang="fr-FR" sz="1800" dirty="0"/>
               <a:t>physiques</a:t>
             </a:r>
           </a:p>
           <a:p>
             <a:pPr lvl="1"/>
             <a:r>
-              <a:rPr lang="fr-FR" sz="1800" dirty="0" smtClean="0"/>
+              <a:rPr lang="fr-FR" sz="1800" dirty="0"/>
               <a:t>Textes</a:t>
             </a:r>
           </a:p>
@@ -9490,7 +9456,7 @@
           <p:cNvPr id="5" name="Image 4" descr="Une image contenant texte&#10;&#10;Description générée automatiquement">
             <a:extLst>
               <a:ext uri="{FF2B5EF4-FFF2-40B4-BE49-F238E27FC236}">
-                <a16:creationId xmlns="" xmlns:a16="http://schemas.microsoft.com/office/drawing/2014/main" id="{204ADC40-1D61-539F-22ED-6B21D67FBDE6}"/>
+                <a16:creationId xmlns:a16="http://schemas.microsoft.com/office/drawing/2014/main" id="{204ADC40-1D61-539F-22ED-6B21D67FBDE6}"/>
               </a:ext>
             </a:extLst>
           </p:cNvPr>
@@ -9553,13 +9519,6 @@
               </a:rPr>
               <a:t>https://fr.statista.com/infographie/17800/big-data-evolution-volume-donnees-numeriques-genere-dans-le-monde/</a:t>
             </a:r>
-            <a:endParaRPr lang="fr-FR" sz="1100" dirty="0">
-              <a:solidFill>
-                <a:schemeClr val="bg1">
-                  <a:lumMod val="50000"/>
-                </a:schemeClr>
-              </a:solidFill>
-            </a:endParaRPr>
           </a:p>
         </p:txBody>
       </p:sp>
@@ -9639,7 +9598,7 @@
           <p:cNvPr id="2" name="Titre 1">
             <a:extLst>
               <a:ext uri="{FF2B5EF4-FFF2-40B4-BE49-F238E27FC236}">
-                <a16:creationId xmlns="" xmlns:a16="http://schemas.microsoft.com/office/drawing/2014/main" id="{90162AE8-C1B0-5C56-8313-DEE494F38273}"/>
+                <a16:creationId xmlns:a16="http://schemas.microsoft.com/office/drawing/2014/main" id="{90162AE8-C1B0-5C56-8313-DEE494F38273}"/>
               </a:ext>
             </a:extLst>
           </p:cNvPr>
@@ -9656,10 +9615,9 @@
           <a:lstStyle/>
           <a:p>
             <a:r>
-              <a:rPr lang="fr-FR" dirty="0" smtClean="0"/>
+              <a:rPr lang="fr-FR" dirty="0"/>
               <a:t>Informations / Trop de données !!!</a:t>
             </a:r>
-            <a:endParaRPr lang="fr-FR" dirty="0"/>
           </a:p>
         </p:txBody>
       </p:sp>
@@ -9668,7 +9626,7 @@
           <p:cNvPr id="3" name="Espace réservé du contenu 2">
             <a:extLst>
               <a:ext uri="{FF2B5EF4-FFF2-40B4-BE49-F238E27FC236}">
-                <a16:creationId xmlns="" xmlns:a16="http://schemas.microsoft.com/office/drawing/2014/main" id="{E0BBB9DE-019C-C741-F224-494739D4B752}"/>
+                <a16:creationId xmlns:a16="http://schemas.microsoft.com/office/drawing/2014/main" id="{E0BBB9DE-019C-C741-F224-494739D4B752}"/>
               </a:ext>
             </a:extLst>
           </p:cNvPr>
@@ -9692,42 +9650,42 @@
           <a:lstStyle/>
           <a:p>
             <a:r>
-              <a:rPr lang="fr-FR" sz="2000" dirty="0" smtClean="0"/>
+              <a:rPr lang="fr-FR" sz="2000" dirty="0"/>
               <a:t>Données</a:t>
             </a:r>
           </a:p>
           <a:p>
             <a:pPr lvl="1"/>
             <a:r>
-              <a:rPr lang="fr-FR" sz="1800" dirty="0" smtClean="0"/>
+              <a:rPr lang="fr-FR" sz="1800" dirty="0"/>
               <a:t>Images</a:t>
             </a:r>
           </a:p>
           <a:p>
             <a:pPr lvl="1"/>
             <a:r>
-              <a:rPr lang="fr-FR" sz="1800" dirty="0" smtClean="0"/>
+              <a:rPr lang="fr-FR" sz="1800" dirty="0"/>
               <a:t>Sons</a:t>
             </a:r>
           </a:p>
           <a:p>
             <a:pPr lvl="1"/>
             <a:r>
-              <a:rPr lang="fr-FR" sz="1800" dirty="0" smtClean="0"/>
+              <a:rPr lang="fr-FR" sz="1800" dirty="0"/>
               <a:t>Grandeurs</a:t>
             </a:r>
             <a:br>
-              <a:rPr lang="fr-FR" sz="1800" dirty="0" smtClean="0"/>
+              <a:rPr lang="fr-FR" sz="1800" dirty="0"/>
             </a:br>
             <a:r>
-              <a:rPr lang="fr-FR" sz="1800" dirty="0" smtClean="0"/>
+              <a:rPr lang="fr-FR" sz="1800" dirty="0"/>
               <a:t>physiques</a:t>
             </a:r>
           </a:p>
           <a:p>
             <a:pPr lvl="1"/>
             <a:r>
-              <a:rPr lang="fr-FR" sz="1800" dirty="0" smtClean="0"/>
+              <a:rPr lang="fr-FR" sz="1800" dirty="0"/>
               <a:t>Textes</a:t>
             </a:r>
           </a:p>
@@ -9742,7 +9700,7 @@
           <p:cNvPr id="5" name="Image 4" descr="Une image contenant texte&#10;&#10;Description générée automatiquement">
             <a:extLst>
               <a:ext uri="{FF2B5EF4-FFF2-40B4-BE49-F238E27FC236}">
-                <a16:creationId xmlns="" xmlns:a16="http://schemas.microsoft.com/office/drawing/2014/main" id="{204ADC40-1D61-539F-22ED-6B21D67FBDE6}"/>
+                <a16:creationId xmlns:a16="http://schemas.microsoft.com/office/drawing/2014/main" id="{204ADC40-1D61-539F-22ED-6B21D67FBDE6}"/>
               </a:ext>
             </a:extLst>
           </p:cNvPr>
@@ -9805,13 +9763,6 @@
               </a:rPr>
               <a:t>https://www.top10hebergeurs.com/guide/infos-industrie/pollution-numerique-internet-plus-polluant-que-jamais-en-2023</a:t>
             </a:r>
-            <a:endParaRPr lang="fr-FR" sz="1100" dirty="0">
-              <a:solidFill>
-                <a:schemeClr val="bg1">
-                  <a:lumMod val="50000"/>
-                </a:schemeClr>
-              </a:solidFill>
-            </a:endParaRPr>
           </a:p>
         </p:txBody>
       </p:sp>
@@ -9855,82 +9806,52 @@
               <a:rPr lang="fr-FR" dirty="0">
                 <a:latin typeface="Bahnschrift" panose="020B0502040204020203" pitchFamily="34" charset="0"/>
               </a:rPr>
-              <a:t> a mené à </a:t>
-            </a:r>
-            <a:r>
-              <a:rPr lang="fr-FR" dirty="0" smtClean="0">
-                <a:latin typeface="Bahnschrift" panose="020B0502040204020203" pitchFamily="34" charset="0"/>
-              </a:rPr>
-              <a:t>l’émission de </a:t>
+              <a:t> a mené à l’émission de </a:t>
             </a:r>
             <a:br>
-              <a:rPr lang="fr-FR" dirty="0" smtClean="0">
+              <a:rPr lang="fr-FR" dirty="0">
                 <a:latin typeface="Bahnschrift" panose="020B0502040204020203" pitchFamily="34" charset="0"/>
               </a:rPr>
             </a:br>
             <a:r>
-              <a:rPr lang="fr-FR" dirty="0" smtClean="0">
+              <a:rPr lang="fr-FR" dirty="0">
                 <a:latin typeface="Bahnschrift" panose="020B0502040204020203" pitchFamily="34" charset="0"/>
               </a:rPr>
               <a:t>		</a:t>
             </a:r>
             <a:r>
-              <a:rPr lang="fr-FR" sz="2000" b="1" dirty="0" smtClean="0">
-                <a:latin typeface="Bahnschrift" panose="020B0502040204020203" pitchFamily="34" charset="0"/>
-              </a:rPr>
-              <a:t>30 </a:t>
-            </a:r>
-            <a:r>
               <a:rPr lang="fr-FR" sz="2000" b="1" dirty="0">
                 <a:latin typeface="Bahnschrift" panose="020B0502040204020203" pitchFamily="34" charset="0"/>
               </a:rPr>
-              <a:t>millions de tonnes de </a:t>
-            </a:r>
-            <a:r>
-              <a:rPr lang="fr-FR" sz="2000" b="1" dirty="0" smtClean="0">
-                <a:latin typeface="Bahnschrift" panose="020B0502040204020203" pitchFamily="34" charset="0"/>
-              </a:rPr>
-              <a:t>carbone</a:t>
-            </a:r>
-            <a:endParaRPr lang="fr-FR" dirty="0" smtClean="0">
+              <a:t>30 millions de tonnes de carbone</a:t>
+            </a:r>
+            <a:endParaRPr lang="fr-FR" dirty="0">
               <a:latin typeface="Bahnschrift" panose="020B0502040204020203" pitchFamily="34" charset="0"/>
             </a:endParaRPr>
           </a:p>
           <a:p>
             <a:r>
-              <a:rPr lang="fr-FR" dirty="0" smtClean="0">
+              <a:rPr lang="fr-FR" dirty="0">
                 <a:latin typeface="Bahnschrift" panose="020B0502040204020203" pitchFamily="34" charset="0"/>
               </a:rPr>
               <a:t> </a:t>
             </a:r>
             <a:br>
-              <a:rPr lang="fr-FR" dirty="0" smtClean="0">
+              <a:rPr lang="fr-FR" dirty="0">
                 <a:latin typeface="Bahnschrift" panose="020B0502040204020203" pitchFamily="34" charset="0"/>
               </a:rPr>
             </a:br>
             <a:r>
-              <a:rPr lang="fr-FR" dirty="0" smtClean="0">
+              <a:rPr lang="fr-FR" dirty="0">
                 <a:latin typeface="Bahnschrift" panose="020B0502040204020203" pitchFamily="34" charset="0"/>
               </a:rPr>
               <a:t>				</a:t>
             </a:r>
             <a:r>
-              <a:rPr lang="fr-FR" sz="1400" i="1" dirty="0" smtClean="0">
-                <a:latin typeface="Bahnschrift" panose="020B0502040204020203" pitchFamily="34" charset="0"/>
-              </a:rPr>
-              <a:t>Cela </a:t>
-            </a:r>
-            <a:r>
               <a:rPr lang="fr-FR" sz="1400" i="1" dirty="0">
                 <a:latin typeface="Bahnschrift" panose="020B0502040204020203" pitchFamily="34" charset="0"/>
               </a:rPr>
-              <a:t>équivaut à plus qu’un pays comme </a:t>
-            </a:r>
-            <a:r>
-              <a:rPr lang="fr-FR" sz="1400" i="1" dirty="0" smtClean="0">
-                <a:latin typeface="Bahnschrift" panose="020B0502040204020203" pitchFamily="34" charset="0"/>
-              </a:rPr>
-              <a:t>l’Espagne !!</a:t>
+              <a:t>Cela équivaut à plus qu’un pays comme l’Espagne !!</a:t>
             </a:r>
             <a:endParaRPr lang="fr-FR" sz="1400" dirty="0">
               <a:latin typeface="Bahnschrift" panose="020B0502040204020203" pitchFamily="34" charset="0"/>
@@ -9978,45 +9899,27 @@
               <a:rPr lang="fr-FR" dirty="0">
                 <a:latin typeface="Bahnschrift" panose="020B0502040204020203" pitchFamily="34" charset="0"/>
               </a:rPr>
-              <a:t>représente </a:t>
-            </a:r>
-            <a:r>
-              <a:rPr lang="fr-FR" dirty="0" smtClean="0">
-                <a:latin typeface="Bahnschrift" panose="020B0502040204020203" pitchFamily="34" charset="0"/>
-              </a:rPr>
-              <a:t>plus </a:t>
-            </a:r>
-            <a:r>
+              <a:t>représente plus de </a:t>
+            </a:r>
+            <a:br>
               <a:rPr lang="fr-FR" dirty="0">
                 <a:latin typeface="Bahnschrift" panose="020B0502040204020203" pitchFamily="34" charset="0"/>
               </a:rPr>
-              <a:t>de </a:t>
-            </a:r>
-            <a:r>
-              <a:rPr lang="fr-FR" dirty="0" smtClean="0">
-                <a:latin typeface="Bahnschrift" panose="020B0502040204020203" pitchFamily="34" charset="0"/>
-              </a:rPr>
-              <a:t/>
-            </a:r>
-            <a:br>
-              <a:rPr lang="fr-FR" dirty="0" smtClean="0">
-                <a:latin typeface="Bahnschrift" panose="020B0502040204020203" pitchFamily="34" charset="0"/>
-              </a:rPr>
             </a:br>
             <a:r>
-              <a:rPr lang="fr-FR" dirty="0" smtClean="0">
+              <a:rPr lang="fr-FR" dirty="0">
                 <a:latin typeface="Bahnschrift" panose="020B0502040204020203" pitchFamily="34" charset="0"/>
               </a:rPr>
               <a:t>		</a:t>
             </a:r>
             <a:r>
-              <a:rPr lang="fr-FR" b="1" dirty="0" smtClean="0">
+              <a:rPr lang="fr-FR" b="1" dirty="0">
                 <a:latin typeface="Bahnschrift" panose="020B0502040204020203" pitchFamily="34" charset="0"/>
               </a:rPr>
               <a:t>97 </a:t>
             </a:r>
             <a:r>
-              <a:rPr lang="fr-FR" b="1" dirty="0" err="1" smtClean="0">
+              <a:rPr lang="fr-FR" b="1" dirty="0" err="1">
                 <a:latin typeface="Bahnschrift" panose="020B0502040204020203" pitchFamily="34" charset="0"/>
               </a:rPr>
               <a:t>Zettaoctets</a:t>
@@ -10031,13 +9934,7 @@
               <a:rPr lang="fr-FR" b="1" dirty="0">
                 <a:latin typeface="Bahnschrift" panose="020B0502040204020203" pitchFamily="34" charset="0"/>
               </a:rPr>
-              <a:t>97 000 milliards de </a:t>
-            </a:r>
-            <a:r>
-              <a:rPr lang="fr-FR" b="1" dirty="0" smtClean="0">
-                <a:latin typeface="Bahnschrift" panose="020B0502040204020203" pitchFamily="34" charset="0"/>
-              </a:rPr>
-              <a:t>Go</a:t>
+              <a:t>97 000 milliards de Go</a:t>
             </a:r>
             <a:endParaRPr lang="fr-FR" dirty="0">
               <a:latin typeface="Bahnschrift" panose="020B0502040204020203" pitchFamily="34" charset="0"/>
@@ -10102,56 +9999,29 @@
               </a:rPr>
               <a:t>génère </a:t>
             </a:r>
-            <a:r>
-              <a:rPr lang="fr-FR" dirty="0" smtClean="0">
-                <a:latin typeface="Bahnschrift" panose="020B0502040204020203" pitchFamily="34" charset="0"/>
-              </a:rPr>
-              <a:t/>
-            </a:r>
             <a:br>
-              <a:rPr lang="fr-FR" dirty="0" smtClean="0">
+              <a:rPr lang="fr-FR" dirty="0">
                 <a:latin typeface="Bahnschrift" panose="020B0502040204020203" pitchFamily="34" charset="0"/>
               </a:rPr>
             </a:br>
             <a:r>
-              <a:rPr lang="fr-FR" dirty="0" smtClean="0">
-                <a:latin typeface="Bahnschrift" panose="020B0502040204020203" pitchFamily="34" charset="0"/>
-              </a:rPr>
-              <a:t>plus </a:t>
-            </a:r>
-            <a:r>
               <a:rPr lang="fr-FR" dirty="0">
                 <a:latin typeface="Bahnschrift" panose="020B0502040204020203" pitchFamily="34" charset="0"/>
               </a:rPr>
-              <a:t>de </a:t>
+              <a:t>plus de </a:t>
             </a:r>
             <a:r>
               <a:rPr lang="fr-FR" sz="2000" b="1" dirty="0">
                 <a:latin typeface="Bahnschrift" panose="020B0502040204020203" pitchFamily="34" charset="0"/>
               </a:rPr>
-              <a:t>4% de toutes les émissions de </a:t>
-            </a:r>
-            <a:r>
-              <a:rPr lang="fr-FR" sz="2000" b="1" dirty="0" smtClean="0">
-                <a:latin typeface="Bahnschrift" panose="020B0502040204020203" pitchFamily="34" charset="0"/>
-              </a:rPr>
-              <a:t>CO2 </a:t>
+              <a:t>4% de toutes les émissions de CO2 </a:t>
             </a:r>
             <a:r>
               <a:rPr lang="fr-FR" dirty="0">
                 <a:latin typeface="Bahnschrift" panose="020B0502040204020203" pitchFamily="34" charset="0"/>
               </a:rPr>
-              <a:t>sur </a:t>
-            </a:r>
-            <a:r>
-              <a:rPr lang="fr-FR" dirty="0" smtClean="0">
-                <a:latin typeface="Bahnschrift" panose="020B0502040204020203" pitchFamily="34" charset="0"/>
-              </a:rPr>
-              <a:t>Terre</a:t>
-            </a:r>
-            <a:endParaRPr lang="fr-FR" dirty="0">
-              <a:latin typeface="Bahnschrift" panose="020B0502040204020203" pitchFamily="34" charset="0"/>
-            </a:endParaRPr>
+              <a:t>sur Terre</a:t>
+            </a:r>
           </a:p>
         </p:txBody>
       </p:sp>
@@ -10190,7 +10060,7 @@
           <p:cNvPr id="2" name="Titre 1">
             <a:extLst>
               <a:ext uri="{FF2B5EF4-FFF2-40B4-BE49-F238E27FC236}">
-                <a16:creationId xmlns="" xmlns:a16="http://schemas.microsoft.com/office/drawing/2014/main" id="{90162AE8-C1B0-5C56-8313-DEE494F38273}"/>
+                <a16:creationId xmlns:a16="http://schemas.microsoft.com/office/drawing/2014/main" id="{90162AE8-C1B0-5C56-8313-DEE494F38273}"/>
               </a:ext>
             </a:extLst>
           </p:cNvPr>
@@ -10207,10 +10077,9 @@
           <a:lstStyle/>
           <a:p>
             <a:r>
-              <a:rPr lang="fr-FR" dirty="0" smtClean="0"/>
+              <a:rPr lang="fr-FR" dirty="0"/>
               <a:t>Informations</a:t>
             </a:r>
-            <a:endParaRPr lang="fr-FR" dirty="0"/>
           </a:p>
         </p:txBody>
       </p:sp>
@@ -10219,7 +10088,7 @@
           <p:cNvPr id="5" name="Image 4" descr="Une image contenant texte&#10;&#10;Description générée automatiquement">
             <a:extLst>
               <a:ext uri="{FF2B5EF4-FFF2-40B4-BE49-F238E27FC236}">
-                <a16:creationId xmlns="" xmlns:a16="http://schemas.microsoft.com/office/drawing/2014/main" id="{204ADC40-1D61-539F-22ED-6B21D67FBDE6}"/>
+                <a16:creationId xmlns:a16="http://schemas.microsoft.com/office/drawing/2014/main" id="{204ADC40-1D61-539F-22ED-6B21D67FBDE6}"/>
               </a:ext>
             </a:extLst>
           </p:cNvPr>
@@ -10361,7 +10230,7 @@
           <p:cNvPr id="2" name="Titre 1">
             <a:extLst>
               <a:ext uri="{FF2B5EF4-FFF2-40B4-BE49-F238E27FC236}">
-                <a16:creationId xmlns="" xmlns:a16="http://schemas.microsoft.com/office/drawing/2014/main" id="{90162AE8-C1B0-5C56-8313-DEE494F38273}"/>
+                <a16:creationId xmlns:a16="http://schemas.microsoft.com/office/drawing/2014/main" id="{90162AE8-C1B0-5C56-8313-DEE494F38273}"/>
               </a:ext>
             </a:extLst>
           </p:cNvPr>
@@ -10378,10 +10247,9 @@
           <a:lstStyle/>
           <a:p>
             <a:r>
-              <a:rPr lang="fr-FR" dirty="0" smtClean="0"/>
+              <a:rPr lang="fr-FR" dirty="0"/>
               <a:t>Traitement de l’information</a:t>
             </a:r>
-            <a:endParaRPr lang="fr-FR" dirty="0"/>
           </a:p>
         </p:txBody>
       </p:sp>
@@ -10390,7 +10258,7 @@
           <p:cNvPr id="5" name="Image 4" descr="Une image contenant texte&#10;&#10;Description générée automatiquement">
             <a:extLst>
               <a:ext uri="{FF2B5EF4-FFF2-40B4-BE49-F238E27FC236}">
-                <a16:creationId xmlns="" xmlns:a16="http://schemas.microsoft.com/office/drawing/2014/main" id="{204ADC40-1D61-539F-22ED-6B21D67FBDE6}"/>
+                <a16:creationId xmlns:a16="http://schemas.microsoft.com/office/drawing/2014/main" id="{204ADC40-1D61-539F-22ED-6B21D67FBDE6}"/>
               </a:ext>
             </a:extLst>
           </p:cNvPr>
@@ -10435,6 +10303,602 @@
 </file>
 
 <file path=ppt/slides/slide7.xml><?xml version="1.0" encoding="utf-8"?>
+<p:sld xmlns:a="http://schemas.openxmlformats.org/drawingml/2006/main" xmlns:r="http://schemas.openxmlformats.org/officeDocument/2006/relationships" xmlns:p="http://schemas.openxmlformats.org/presentationml/2006/main">
+  <p:cSld>
+    <p:spTree>
+      <p:nvGrpSpPr>
+        <p:cNvPr id="1" name=""/>
+        <p:cNvGrpSpPr/>
+        <p:nvPr/>
+      </p:nvGrpSpPr>
+      <p:grpSpPr>
+        <a:xfrm>
+          <a:off x="0" y="0"/>
+          <a:ext cx="0" cy="0"/>
+          <a:chOff x="0" y="0"/>
+          <a:chExt cx="0" cy="0"/>
+        </a:xfrm>
+      </p:grpSpPr>
+      <p:sp>
+        <p:nvSpPr>
+          <p:cNvPr id="2" name="Titre 1">
+            <a:extLst>
+              <a:ext uri="{FF2B5EF4-FFF2-40B4-BE49-F238E27FC236}">
+                <a16:creationId xmlns:a16="http://schemas.microsoft.com/office/drawing/2014/main" id="{693DE99D-D7A2-89F5-4CDD-A4230BF00E5E}"/>
+              </a:ext>
+            </a:extLst>
+          </p:cNvPr>
+          <p:cNvSpPr>
+            <a:spLocks noGrp="1"/>
+          </p:cNvSpPr>
+          <p:nvPr>
+            <p:ph type="title"/>
+          </p:nvPr>
+        </p:nvSpPr>
+        <p:spPr/>
+        <p:txBody>
+          <a:bodyPr>
+            <a:normAutofit fontScale="90000"/>
+          </a:bodyPr>
+          <a:lstStyle/>
+          <a:p>
+            <a:r>
+              <a:rPr lang="fr-FR" dirty="0"/>
+              <a:t>Objectifs pédagogiques / Traitement Information</a:t>
+            </a:r>
+          </a:p>
+        </p:txBody>
+      </p:sp>
+      <p:sp>
+        <p:nvSpPr>
+          <p:cNvPr id="6" name="Espace réservé du contenu 2">
+            <a:extLst>
+              <a:ext uri="{FF2B5EF4-FFF2-40B4-BE49-F238E27FC236}">
+                <a16:creationId xmlns:a16="http://schemas.microsoft.com/office/drawing/2014/main" id="{1523F83B-B807-6C1C-1823-AF4B66F5CCA5}"/>
+              </a:ext>
+            </a:extLst>
+          </p:cNvPr>
+          <p:cNvSpPr>
+            <a:spLocks noGrp="1"/>
+          </p:cNvSpPr>
+          <p:nvPr>
+            <p:ph sz="half" idx="1"/>
+          </p:nvPr>
+        </p:nvSpPr>
+        <p:spPr>
+          <a:xfrm>
+            <a:off x="1115566" y="2478024"/>
+            <a:ext cx="6414123" cy="3694176"/>
+          </a:xfrm>
+        </p:spPr>
+        <p:txBody>
+          <a:bodyPr>
+            <a:noAutofit/>
+          </a:bodyPr>
+          <a:lstStyle/>
+          <a:p>
+            <a:pPr marL="0" indent="0">
+              <a:buNone/>
+            </a:pPr>
+            <a:r>
+              <a:rPr lang="fr-FR" sz="1200" dirty="0"/>
+              <a:t>A travers cette </a:t>
+            </a:r>
+            <a:r>
+              <a:rPr lang="fr-FR" sz="1200" b="1" dirty="0"/>
+              <a:t>unité d’enseignement</a:t>
+            </a:r>
+            <a:r>
+              <a:rPr lang="fr-FR" sz="1200" dirty="0"/>
+              <a:t>, les apprenant.es seront capables :</a:t>
+            </a:r>
+          </a:p>
+          <a:p>
+            <a:endParaRPr lang="fr-FR" sz="1200" dirty="0"/>
+          </a:p>
+          <a:p>
+            <a:pPr lvl="1"/>
+            <a:r>
+              <a:rPr lang="fr-FR" sz="1800" dirty="0"/>
+              <a:t>de </a:t>
+            </a:r>
+            <a:r>
+              <a:rPr lang="fr-FR" sz="1800" b="1" dirty="0"/>
+              <a:t>distinguer les différents types de signaux</a:t>
+            </a:r>
+            <a:r>
+              <a:rPr lang="fr-FR" sz="1800" dirty="0"/>
+              <a:t> qui peuvent coexister et se superposer </a:t>
+            </a:r>
+          </a:p>
+          <a:p>
+            <a:pPr lvl="1"/>
+            <a:r>
+              <a:rPr lang="fr-FR" sz="1800" dirty="0"/>
+              <a:t>de </a:t>
+            </a:r>
+            <a:r>
+              <a:rPr lang="fr-FR" sz="1800" b="1" dirty="0"/>
+              <a:t>proposer des outils de caractérisation</a:t>
+            </a:r>
+            <a:r>
+              <a:rPr lang="fr-FR" sz="1800" dirty="0"/>
+              <a:t> de ces différents signaux</a:t>
+            </a:r>
+          </a:p>
+          <a:p>
+            <a:pPr lvl="1"/>
+            <a:r>
+              <a:rPr lang="fr-FR" sz="1800" dirty="0"/>
+              <a:t>de </a:t>
+            </a:r>
+            <a:r>
+              <a:rPr lang="fr-FR" sz="1800" b="1" dirty="0"/>
+              <a:t>réaliser une application de traitement de données </a:t>
+            </a:r>
+            <a:r>
+              <a:rPr lang="fr-FR" sz="1800" dirty="0"/>
+              <a:t>informatiques simple</a:t>
+            </a:r>
+          </a:p>
+          <a:p>
+            <a:pPr lvl="1"/>
+            <a:r>
+              <a:rPr lang="fr-FR" sz="1800" dirty="0"/>
+              <a:t>d’</a:t>
+            </a:r>
+            <a:r>
+              <a:rPr lang="fr-FR" sz="1800" b="1" dirty="0"/>
+              <a:t>analyser</a:t>
+            </a:r>
+            <a:r>
+              <a:rPr lang="fr-FR" sz="1800" dirty="0"/>
+              <a:t>, de </a:t>
+            </a:r>
+            <a:r>
+              <a:rPr lang="fr-FR" sz="1800" b="1" dirty="0"/>
+              <a:t>concevoir</a:t>
+            </a:r>
+            <a:r>
+              <a:rPr lang="fr-FR" sz="1800" dirty="0"/>
+              <a:t> et de </a:t>
+            </a:r>
+            <a:r>
+              <a:rPr lang="fr-FR" sz="1800" b="1" dirty="0"/>
+              <a:t>réaliser</a:t>
+            </a:r>
+            <a:r>
+              <a:rPr lang="fr-FR" sz="1800" dirty="0"/>
+              <a:t> des </a:t>
+            </a:r>
+            <a:r>
+              <a:rPr lang="fr-FR" sz="1800" b="1" dirty="0"/>
+              <a:t>circuits électroniques</a:t>
+            </a:r>
+            <a:r>
+              <a:rPr lang="fr-FR" sz="1800" dirty="0"/>
+              <a:t> pour la </a:t>
+            </a:r>
+            <a:r>
+              <a:rPr lang="fr-FR" sz="1800" b="1" dirty="0"/>
+              <a:t>mise en forme </a:t>
+            </a:r>
+            <a:r>
+              <a:rPr lang="fr-FR" sz="1800" dirty="0"/>
+              <a:t>de ces signaux dans le respect d’un cahier des charges et en lien avec la conversion électrons-photons</a:t>
+            </a:r>
+          </a:p>
+        </p:txBody>
+      </p:sp>
+      <p:sp>
+        <p:nvSpPr>
+          <p:cNvPr id="7" name="CustomShape 3">
+            <a:extLst>
+              <a:ext uri="{FF2B5EF4-FFF2-40B4-BE49-F238E27FC236}">
+                <a16:creationId xmlns:a16="http://schemas.microsoft.com/office/drawing/2014/main" id="{4C5A234C-C7E6-A992-E13C-02BDE9947CB1}"/>
+              </a:ext>
+            </a:extLst>
+          </p:cNvPr>
+          <p:cNvSpPr/>
+          <p:nvPr/>
+        </p:nvSpPr>
+        <p:spPr>
+          <a:xfrm>
+            <a:off x="8037689" y="3060957"/>
+            <a:ext cx="3348569" cy="492443"/>
+          </a:xfrm>
+          <a:prstGeom prst="rect">
+            <a:avLst/>
+          </a:prstGeom>
+          <a:solidFill>
+            <a:schemeClr val="tx1">
+              <a:lumMod val="65000"/>
+              <a:lumOff val="35000"/>
+            </a:schemeClr>
+          </a:solidFill>
+          <a:ln w="0">
+            <a:noFill/>
+          </a:ln>
+        </p:spPr>
+        <p:style>
+          <a:lnRef idx="0">
+            <a:scrgbClr r="0" g="0" b="0"/>
+          </a:lnRef>
+          <a:fillRef idx="0">
+            <a:scrgbClr r="0" g="0" b="0"/>
+          </a:fillRef>
+          <a:effectRef idx="0">
+            <a:scrgbClr r="0" g="0" b="0"/>
+          </a:effectRef>
+          <a:fontRef idx="minor"/>
+        </p:style>
+        <p:txBody>
+          <a:bodyPr wrap="square" tIns="91440" bIns="91440">
+            <a:spAutoFit/>
+          </a:bodyPr>
+          <a:lstStyle/>
+          <a:p>
+            <a:pPr algn="ctr">
+              <a:lnSpc>
+                <a:spcPct val="100000"/>
+              </a:lnSpc>
+              <a:tabLst>
+                <a:tab pos="0" algn="l"/>
+              </a:tabLst>
+            </a:pPr>
+            <a:r>
+              <a:rPr lang="fr-FR" sz="2000" b="1" strike="noStrike" spc="-1" dirty="0">
+                <a:solidFill>
+                  <a:schemeClr val="bg1"/>
+                </a:solidFill>
+                <a:latin typeface="Trebuchet MS"/>
+                <a:ea typeface="Trebuchet MS"/>
+              </a:rPr>
+              <a:t>Maths et Signal</a:t>
+            </a:r>
+            <a:endParaRPr lang="fr-FR" sz="2000" b="0" strike="noStrike" spc="-1" dirty="0">
+              <a:solidFill>
+                <a:schemeClr val="bg1"/>
+              </a:solidFill>
+              <a:latin typeface="Arial"/>
+            </a:endParaRPr>
+          </a:p>
+        </p:txBody>
+      </p:sp>
+      <p:sp>
+        <p:nvSpPr>
+          <p:cNvPr id="10" name="CustomShape 3">
+            <a:extLst>
+              <a:ext uri="{FF2B5EF4-FFF2-40B4-BE49-F238E27FC236}">
+                <a16:creationId xmlns:a16="http://schemas.microsoft.com/office/drawing/2014/main" id="{4C5A234C-C7E6-A992-E13C-02BDE9947CB1}"/>
+              </a:ext>
+            </a:extLst>
+          </p:cNvPr>
+          <p:cNvSpPr/>
+          <p:nvPr/>
+        </p:nvSpPr>
+        <p:spPr>
+          <a:xfrm>
+            <a:off x="8037689" y="3705800"/>
+            <a:ext cx="3348569" cy="677108"/>
+          </a:xfrm>
+          <a:prstGeom prst="rect">
+            <a:avLst/>
+          </a:prstGeom>
+          <a:solidFill>
+            <a:schemeClr val="tx1">
+              <a:lumMod val="65000"/>
+              <a:lumOff val="35000"/>
+            </a:schemeClr>
+          </a:solidFill>
+          <a:ln w="0">
+            <a:noFill/>
+          </a:ln>
+        </p:spPr>
+        <p:style>
+          <a:lnRef idx="0">
+            <a:scrgbClr r="0" g="0" b="0"/>
+          </a:lnRef>
+          <a:fillRef idx="0">
+            <a:scrgbClr r="0" g="0" b="0"/>
+          </a:fillRef>
+          <a:effectRef idx="0">
+            <a:scrgbClr r="0" g="0" b="0"/>
+          </a:effectRef>
+          <a:fontRef idx="minor"/>
+        </p:style>
+        <p:txBody>
+          <a:bodyPr wrap="square" tIns="91440" bIns="91440">
+            <a:spAutoFit/>
+          </a:bodyPr>
+          <a:lstStyle/>
+          <a:p>
+            <a:pPr algn="ctr">
+              <a:lnSpc>
+                <a:spcPct val="100000"/>
+              </a:lnSpc>
+              <a:tabLst>
+                <a:tab pos="0" algn="l"/>
+              </a:tabLst>
+            </a:pPr>
+            <a:r>
+              <a:rPr lang="fr-FR" sz="2000" b="1" strike="noStrike" spc="-1" dirty="0">
+                <a:solidFill>
+                  <a:schemeClr val="bg1"/>
+                </a:solidFill>
+                <a:latin typeface="Trebuchet MS"/>
+                <a:ea typeface="Trebuchet MS"/>
+              </a:rPr>
+              <a:t>ONIP</a:t>
+            </a:r>
+            <a:br>
+              <a:rPr lang="fr-FR" sz="2000" b="1" strike="noStrike" spc="-1" dirty="0">
+                <a:solidFill>
+                  <a:schemeClr val="bg1"/>
+                </a:solidFill>
+                <a:latin typeface="Trebuchet MS"/>
+                <a:ea typeface="Trebuchet MS"/>
+              </a:rPr>
+            </a:br>
+            <a:r>
+              <a:rPr lang="fr-FR" sz="1200" b="1" strike="noStrike" spc="-1" dirty="0">
+                <a:solidFill>
+                  <a:schemeClr val="bg1"/>
+                </a:solidFill>
+                <a:latin typeface="Trebuchet MS"/>
+                <a:ea typeface="Trebuchet MS"/>
+              </a:rPr>
+              <a:t>Outils </a:t>
+            </a:r>
+            <a:r>
+              <a:rPr lang="fr-FR" sz="1200" b="1" strike="noStrike" spc="-1" dirty="0" err="1">
+                <a:solidFill>
+                  <a:schemeClr val="bg1"/>
+                </a:solidFill>
+                <a:latin typeface="Trebuchet MS"/>
+                <a:ea typeface="Trebuchet MS"/>
+              </a:rPr>
+              <a:t>Num</a:t>
+            </a:r>
+            <a:r>
+              <a:rPr lang="fr-FR" sz="1200" b="1" strike="noStrike" spc="-1" dirty="0">
+                <a:solidFill>
+                  <a:schemeClr val="bg1"/>
+                </a:solidFill>
+                <a:latin typeface="Trebuchet MS"/>
+                <a:ea typeface="Trebuchet MS"/>
+              </a:rPr>
+              <a:t>. pour l’</a:t>
+            </a:r>
+            <a:r>
+              <a:rPr lang="fr-FR" sz="1200" b="1" strike="noStrike" spc="-1" dirty="0" err="1">
+                <a:solidFill>
+                  <a:schemeClr val="bg1"/>
+                </a:solidFill>
+                <a:latin typeface="Trebuchet MS"/>
+                <a:ea typeface="Trebuchet MS"/>
+              </a:rPr>
+              <a:t>Ingénieur.e</a:t>
+            </a:r>
+            <a:r>
+              <a:rPr lang="fr-FR" sz="1200" b="1" strike="noStrike" spc="-1" dirty="0">
+                <a:solidFill>
+                  <a:schemeClr val="bg1"/>
+                </a:solidFill>
+                <a:latin typeface="Trebuchet MS"/>
+                <a:ea typeface="Trebuchet MS"/>
+              </a:rPr>
+              <a:t> en Phys.</a:t>
+            </a:r>
+            <a:endParaRPr lang="fr-FR" sz="1200" b="0" strike="noStrike" spc="-1" dirty="0">
+              <a:solidFill>
+                <a:schemeClr val="bg1"/>
+              </a:solidFill>
+              <a:latin typeface="Arial"/>
+            </a:endParaRPr>
+          </a:p>
+        </p:txBody>
+      </p:sp>
+      <p:sp>
+        <p:nvSpPr>
+          <p:cNvPr id="11" name="CustomShape 3">
+            <a:extLst>
+              <a:ext uri="{FF2B5EF4-FFF2-40B4-BE49-F238E27FC236}">
+                <a16:creationId xmlns:a16="http://schemas.microsoft.com/office/drawing/2014/main" id="{4C5A234C-C7E6-A992-E13C-02BDE9947CB1}"/>
+              </a:ext>
+            </a:extLst>
+          </p:cNvPr>
+          <p:cNvSpPr/>
+          <p:nvPr/>
+        </p:nvSpPr>
+        <p:spPr>
+          <a:xfrm>
+            <a:off x="8037688" y="4498238"/>
+            <a:ext cx="3348569" cy="677108"/>
+          </a:xfrm>
+          <a:prstGeom prst="rect">
+            <a:avLst/>
+          </a:prstGeom>
+          <a:solidFill>
+            <a:schemeClr val="tx1">
+              <a:lumMod val="65000"/>
+              <a:lumOff val="35000"/>
+            </a:schemeClr>
+          </a:solidFill>
+          <a:ln w="0">
+            <a:noFill/>
+          </a:ln>
+        </p:spPr>
+        <p:style>
+          <a:lnRef idx="0">
+            <a:scrgbClr r="0" g="0" b="0"/>
+          </a:lnRef>
+          <a:fillRef idx="0">
+            <a:scrgbClr r="0" g="0" b="0"/>
+          </a:fillRef>
+          <a:effectRef idx="0">
+            <a:scrgbClr r="0" g="0" b="0"/>
+          </a:effectRef>
+          <a:fontRef idx="minor"/>
+        </p:style>
+        <p:txBody>
+          <a:bodyPr wrap="square" tIns="91440" bIns="91440">
+            <a:spAutoFit/>
+          </a:bodyPr>
+          <a:lstStyle/>
+          <a:p>
+            <a:pPr algn="ctr">
+              <a:lnSpc>
+                <a:spcPct val="100000"/>
+              </a:lnSpc>
+              <a:tabLst>
+                <a:tab pos="0" algn="l"/>
+              </a:tabLst>
+            </a:pPr>
+            <a:r>
+              <a:rPr lang="fr-FR" sz="2000" b="1" strike="noStrike" spc="-1" dirty="0" err="1">
+                <a:solidFill>
+                  <a:schemeClr val="bg1"/>
+                </a:solidFill>
+                <a:latin typeface="Trebuchet MS"/>
+                <a:ea typeface="Trebuchet MS"/>
+              </a:rPr>
+              <a:t>CéTI</a:t>
+            </a:r>
+            <a:endParaRPr lang="fr-FR" sz="2000" b="1" strike="noStrike" spc="-1" dirty="0">
+              <a:solidFill>
+                <a:schemeClr val="bg1"/>
+              </a:solidFill>
+              <a:latin typeface="Trebuchet MS"/>
+              <a:ea typeface="Trebuchet MS"/>
+            </a:endParaRPr>
+          </a:p>
+          <a:p>
+            <a:pPr algn="ctr">
+              <a:lnSpc>
+                <a:spcPct val="100000"/>
+              </a:lnSpc>
+              <a:tabLst>
+                <a:tab pos="0" algn="l"/>
+              </a:tabLst>
+            </a:pPr>
+            <a:r>
+              <a:rPr lang="fr-FR" sz="1200" b="1" spc="-1" dirty="0">
+                <a:solidFill>
+                  <a:schemeClr val="bg1"/>
+                </a:solidFill>
+                <a:latin typeface="Trebuchet MS"/>
+              </a:rPr>
+              <a:t>Conception Electronique</a:t>
+            </a:r>
+            <a:endParaRPr lang="fr-FR" sz="1200" b="0" strike="noStrike" spc="-1" dirty="0">
+              <a:solidFill>
+                <a:schemeClr val="bg1"/>
+              </a:solidFill>
+              <a:latin typeface="Arial"/>
+            </a:endParaRPr>
+          </a:p>
+        </p:txBody>
+      </p:sp>
+      <p:sp>
+        <p:nvSpPr>
+          <p:cNvPr id="12" name="CustomShape 3">
+            <a:extLst>
+              <a:ext uri="{FF2B5EF4-FFF2-40B4-BE49-F238E27FC236}">
+                <a16:creationId xmlns:a16="http://schemas.microsoft.com/office/drawing/2014/main" id="{4C5A234C-C7E6-A992-E13C-02BDE9947CB1}"/>
+              </a:ext>
+            </a:extLst>
+          </p:cNvPr>
+          <p:cNvSpPr/>
+          <p:nvPr/>
+        </p:nvSpPr>
+        <p:spPr>
+          <a:xfrm>
+            <a:off x="8037689" y="5302346"/>
+            <a:ext cx="3348569" cy="492443"/>
+          </a:xfrm>
+          <a:prstGeom prst="rect">
+            <a:avLst/>
+          </a:prstGeom>
+          <a:solidFill>
+            <a:schemeClr val="tx1">
+              <a:lumMod val="65000"/>
+              <a:lumOff val="35000"/>
+            </a:schemeClr>
+          </a:solidFill>
+          <a:ln w="0">
+            <a:noFill/>
+          </a:ln>
+        </p:spPr>
+        <p:style>
+          <a:lnRef idx="0">
+            <a:scrgbClr r="0" g="0" b="0"/>
+          </a:lnRef>
+          <a:fillRef idx="0">
+            <a:scrgbClr r="0" g="0" b="0"/>
+          </a:fillRef>
+          <a:effectRef idx="0">
+            <a:scrgbClr r="0" g="0" b="0"/>
+          </a:effectRef>
+          <a:fontRef idx="minor"/>
+        </p:style>
+        <p:txBody>
+          <a:bodyPr wrap="square" tIns="91440" bIns="91440">
+            <a:spAutoFit/>
+          </a:bodyPr>
+          <a:lstStyle/>
+          <a:p>
+            <a:pPr algn="ctr">
+              <a:lnSpc>
+                <a:spcPct val="100000"/>
+              </a:lnSpc>
+              <a:tabLst>
+                <a:tab pos="0" algn="l"/>
+              </a:tabLst>
+            </a:pPr>
+            <a:r>
+              <a:rPr lang="fr-FR" sz="2000" b="1" strike="noStrike" spc="-1" dirty="0">
+                <a:solidFill>
+                  <a:schemeClr val="bg1"/>
+                </a:solidFill>
+                <a:latin typeface="Trebuchet MS"/>
+                <a:ea typeface="Trebuchet MS"/>
+              </a:rPr>
+              <a:t>TP </a:t>
+            </a:r>
+            <a:r>
+              <a:rPr lang="fr-FR" sz="2000" b="1" strike="noStrike" spc="-1" dirty="0" err="1">
+                <a:solidFill>
+                  <a:schemeClr val="bg1"/>
+                </a:solidFill>
+                <a:latin typeface="Trebuchet MS"/>
+                <a:ea typeface="Trebuchet MS"/>
+              </a:rPr>
+              <a:t>CéTI</a:t>
+            </a:r>
+            <a:endParaRPr lang="fr-FR" sz="1200" b="0" strike="noStrike" spc="-1" dirty="0">
+              <a:solidFill>
+                <a:schemeClr val="bg1"/>
+              </a:solidFill>
+              <a:latin typeface="Arial"/>
+            </a:endParaRPr>
+          </a:p>
+        </p:txBody>
+      </p:sp>
+    </p:spTree>
+    <p:extLst>
+      <p:ext uri="{BB962C8B-B14F-4D97-AF65-F5344CB8AC3E}">
+        <p14:creationId xmlns:p14="http://schemas.microsoft.com/office/powerpoint/2010/main" val="2538272171"/>
+      </p:ext>
+    </p:extLst>
+  </p:cSld>
+  <p:clrMapOvr>
+    <a:masterClrMapping/>
+  </p:clrMapOvr>
+</p:sld>
+</file>
+
+<file path=ppt/slides/slide8.xml><?xml version="1.0" encoding="utf-8"?>
 <p:sld xmlns:a="http://schemas.openxmlformats.org/drawingml/2006/main" xmlns:r="http://schemas.openxmlformats.org/officeDocument/2006/relationships" xmlns:p="http://schemas.openxmlformats.org/presentationml/2006/main">
   <p:cSld>
     <p:bg>
@@ -10464,10 +10928,10 @@
           <p:cNvPr id="9" name="Rectangle 8">
             <a:extLst>
               <a:ext uri="{FF2B5EF4-FFF2-40B4-BE49-F238E27FC236}">
-                <a16:creationId xmlns="" xmlns:a16="http://schemas.microsoft.com/office/drawing/2014/main" id="{526E0BFB-CDF1-4990-8C11-AC849311E0A8}"/>
+                <a16:creationId xmlns:a16="http://schemas.microsoft.com/office/drawing/2014/main" id="{526E0BFB-CDF1-4990-8C11-AC849311E0A8}"/>
               </a:ext>
               <a:ext uri="{C183D7F6-B498-43B3-948B-1728B52AA6E4}">
-                <adec:decorative xmlns="" xmlns:adec="http://schemas.microsoft.com/office/drawing/2017/decorative" val="1"/>
+                <adec:decorative xmlns:adec="http://schemas.microsoft.com/office/drawing/2017/decorative" val="1"/>
               </a:ext>
             </a:extLst>
           </p:cNvPr>
@@ -10477,7 +10941,7 @@
           <p:nvPr>
             <p:extLst>
               <p:ext uri="{386F3935-93C4-4BCD-93E2-E3B085C9AB24}">
-                <p16:designElem xmlns="" xmlns:p16="http://schemas.microsoft.com/office/powerpoint/2015/main" val="1"/>
+                <p16:designElem xmlns:p16="http://schemas.microsoft.com/office/powerpoint/2015/main" val="1"/>
               </p:ext>
             </p:extLst>
           </p:nvPr>
@@ -10524,7 +10988,7 @@
           <p:cNvPr id="4" name="Picture 3">
             <a:extLst>
               <a:ext uri="{FF2B5EF4-FFF2-40B4-BE49-F238E27FC236}">
-                <a16:creationId xmlns="" xmlns:a16="http://schemas.microsoft.com/office/drawing/2014/main" id="{4C72F330-992B-B125-739B-F8303ED3A097}"/>
+                <a16:creationId xmlns:a16="http://schemas.microsoft.com/office/drawing/2014/main" id="{4C72F330-992B-B125-739B-F8303ED3A097}"/>
               </a:ext>
             </a:extLst>
           </p:cNvPr>
@@ -10553,10 +11017,10 @@
           <p:cNvPr id="11" name="Rectangle 10">
             <a:extLst>
               <a:ext uri="{FF2B5EF4-FFF2-40B4-BE49-F238E27FC236}">
-                <a16:creationId xmlns="" xmlns:a16="http://schemas.microsoft.com/office/drawing/2014/main" id="{6069A1F8-9BEB-4786-9694-FC48B2D75D21}"/>
+                <a16:creationId xmlns:a16="http://schemas.microsoft.com/office/drawing/2014/main" id="{6069A1F8-9BEB-4786-9694-FC48B2D75D21}"/>
               </a:ext>
               <a:ext uri="{C183D7F6-B498-43B3-948B-1728B52AA6E4}">
-                <adec:decorative xmlns="" xmlns:adec="http://schemas.microsoft.com/office/drawing/2017/decorative" val="1"/>
+                <adec:decorative xmlns:adec="http://schemas.microsoft.com/office/drawing/2017/decorative" val="1"/>
               </a:ext>
             </a:extLst>
           </p:cNvPr>
@@ -10566,7 +11030,7 @@
           <p:nvPr>
             <p:extLst>
               <p:ext uri="{386F3935-93C4-4BCD-93E2-E3B085C9AB24}">
-                <p16:designElem xmlns="" xmlns:p16="http://schemas.microsoft.com/office/powerpoint/2015/main" val="1"/>
+                <p16:designElem xmlns:p16="http://schemas.microsoft.com/office/powerpoint/2015/main" val="1"/>
               </p:ext>
             </p:extLst>
           </p:nvPr>
@@ -10634,7 +11098,7 @@
           <p:cNvPr id="2" name="Titre 1">
             <a:extLst>
               <a:ext uri="{FF2B5EF4-FFF2-40B4-BE49-F238E27FC236}">
-                <a16:creationId xmlns="" xmlns:a16="http://schemas.microsoft.com/office/drawing/2014/main" id="{CF8D1EB8-F6E7-EB54-1CC8-28472070B9FC}"/>
+                <a16:creationId xmlns:a16="http://schemas.microsoft.com/office/drawing/2014/main" id="{CF8D1EB8-F6E7-EB54-1CC8-28472070B9FC}"/>
               </a:ext>
             </a:extLst>
           </p:cNvPr>
@@ -10658,10 +11122,11 @@
           <a:lstStyle/>
           <a:p>
             <a:r>
-              <a:rPr lang="fr-FR" sz="4800" dirty="0" smtClean="0"/>
+              <a:rPr lang="fr-FR" sz="4800" dirty="0">
+                <a:latin typeface="Bahnschrift SemiBold" panose="020B0502040204020203" pitchFamily="34" charset="0"/>
+              </a:rPr>
               <a:t>Electronique</a:t>
             </a:r>
-            <a:endParaRPr lang="fr-FR" sz="4800" dirty="0"/>
           </a:p>
         </p:txBody>
       </p:sp>
@@ -10670,7 +11135,7 @@
           <p:cNvPr id="3" name="Sous-titre 2">
             <a:extLst>
               <a:ext uri="{FF2B5EF4-FFF2-40B4-BE49-F238E27FC236}">
-                <a16:creationId xmlns="" xmlns:a16="http://schemas.microsoft.com/office/drawing/2014/main" id="{BDFEFAEF-AB6A-BE8F-01E7-845FB609FA07}"/>
+                <a16:creationId xmlns:a16="http://schemas.microsoft.com/office/drawing/2014/main" id="{BDFEFAEF-AB6A-BE8F-01E7-845FB609FA07}"/>
               </a:ext>
             </a:extLst>
           </p:cNvPr>
@@ -10694,18 +11159,26 @@
           <a:lstStyle/>
           <a:p>
             <a:r>
-              <a:rPr lang="fr-FR" sz="2000" dirty="0" err="1"/>
+              <a:rPr lang="fr-FR" sz="2000" dirty="0" err="1">
+                <a:latin typeface="Bahnschrift Light" panose="020B0502040204020203" pitchFamily="34" charset="0"/>
+              </a:rPr>
               <a:t>CeTI</a:t>
             </a:r>
             <a:r>
-              <a:rPr lang="fr-FR" sz="2000" dirty="0"/>
+              <a:rPr lang="fr-FR" sz="2000" dirty="0">
+                <a:latin typeface="Bahnschrift Light" panose="020B0502040204020203" pitchFamily="34" charset="0"/>
+              </a:rPr>
               <a:t> / Semestre 5 / </a:t>
             </a:r>
             <a:br>
-              <a:rPr lang="fr-FR" sz="2000" dirty="0"/>
+              <a:rPr lang="fr-FR" sz="2000" dirty="0">
+                <a:latin typeface="Bahnschrift Light" panose="020B0502040204020203" pitchFamily="34" charset="0"/>
+              </a:rPr>
             </a:br>
             <a:r>
-              <a:rPr lang="fr-FR" sz="2000" dirty="0"/>
+              <a:rPr lang="fr-FR" sz="2000" dirty="0">
+                <a:latin typeface="Bahnschrift Light" panose="020B0502040204020203" pitchFamily="34" charset="0"/>
+              </a:rPr>
               <a:t>Institut d’Optique / B0_0</a:t>
             </a:r>
           </a:p>
@@ -10716,10 +11189,10 @@
           <p:cNvPr id="32" name="Rectangle 12">
             <a:extLst>
               <a:ext uri="{FF2B5EF4-FFF2-40B4-BE49-F238E27FC236}">
-                <a16:creationId xmlns="" xmlns:a16="http://schemas.microsoft.com/office/drawing/2014/main" id="{AF2F604E-43BE-4DC3-B983-E071523364F8}"/>
+                <a16:creationId xmlns:a16="http://schemas.microsoft.com/office/drawing/2014/main" id="{AF2F604E-43BE-4DC3-B983-E071523364F8}"/>
               </a:ext>
               <a:ext uri="{C183D7F6-B498-43B3-948B-1728B52AA6E4}">
-                <adec:decorative xmlns="" xmlns:adec="http://schemas.microsoft.com/office/drawing/2017/decorative" val="1"/>
+                <adec:decorative xmlns:adec="http://schemas.microsoft.com/office/drawing/2017/decorative" val="1"/>
               </a:ext>
             </a:extLst>
           </p:cNvPr>
@@ -10729,7 +11202,7 @@
           <p:nvPr>
             <p:extLst>
               <p:ext uri="{386F3935-93C4-4BCD-93E2-E3B085C9AB24}">
-                <p16:designElem xmlns="" xmlns:p16="http://schemas.microsoft.com/office/powerpoint/2015/main" val="1"/>
+                <p16:designElem xmlns:p16="http://schemas.microsoft.com/office/powerpoint/2015/main" val="1"/>
               </p:ext>
             </p:extLst>
           </p:nvPr>
@@ -10808,10 +11281,10 @@
           <p:cNvPr id="33" name="Rectangle 14">
             <a:extLst>
               <a:ext uri="{FF2B5EF4-FFF2-40B4-BE49-F238E27FC236}">
-                <a16:creationId xmlns="" xmlns:a16="http://schemas.microsoft.com/office/drawing/2014/main" id="{08C9B587-E65E-4B52-B37C-ABEBB6E87928}"/>
+                <a16:creationId xmlns:a16="http://schemas.microsoft.com/office/drawing/2014/main" id="{08C9B587-E65E-4B52-B37C-ABEBB6E87928}"/>
               </a:ext>
               <a:ext uri="{C183D7F6-B498-43B3-948B-1728B52AA6E4}">
-                <adec:decorative xmlns="" xmlns:adec="http://schemas.microsoft.com/office/drawing/2017/decorative" val="1"/>
+                <adec:decorative xmlns:adec="http://schemas.microsoft.com/office/drawing/2017/decorative" val="1"/>
               </a:ext>
             </a:extLst>
           </p:cNvPr>
@@ -10821,7 +11294,7 @@
           <p:nvPr>
             <p:extLst>
               <p:ext uri="{386F3935-93C4-4BCD-93E2-E3B085C9AB24}">
-                <p16:designElem xmlns="" xmlns:p16="http://schemas.microsoft.com/office/powerpoint/2015/main" val="1"/>
+                <p16:designElem xmlns:p16="http://schemas.microsoft.com/office/powerpoint/2015/main" val="1"/>
               </p:ext>
             </p:extLst>
           </p:nvPr>
@@ -10901,7 +11374,7 @@
           <p:cNvPr id="6" name="Image 5" descr="Une image contenant texte&#10;&#10;Description générée automatiquement">
             <a:extLst>
               <a:ext uri="{FF2B5EF4-FFF2-40B4-BE49-F238E27FC236}">
-                <a16:creationId xmlns="" xmlns:a16="http://schemas.microsoft.com/office/drawing/2014/main" id="{3D75D9F9-6192-EA6A-A7C9-F09C6FC342AD}"/>
+                <a16:creationId xmlns:a16="http://schemas.microsoft.com/office/drawing/2014/main" id="{3D75D9F9-6192-EA6A-A7C9-F09C6FC342AD}"/>
               </a:ext>
             </a:extLst>
           </p:cNvPr>
@@ -10941,628 +11414,6 @@
   </p:cSld>
   <p:clrMapOvr>
     <a:overrideClrMapping bg1="dk1" tx1="lt1" bg2="dk2" tx2="lt2" accent1="accent1" accent2="accent2" accent3="accent3" accent4="accent4" accent5="accent5" accent6="accent6" hlink="hlink" folHlink="folHlink"/>
-  </p:clrMapOvr>
-</p:sld>
-</file>
-
-<file path=ppt/slides/slide8.xml><?xml version="1.0" encoding="utf-8"?>
-<p:sld xmlns:a="http://schemas.openxmlformats.org/drawingml/2006/main" xmlns:r="http://schemas.openxmlformats.org/officeDocument/2006/relationships" xmlns:p="http://schemas.openxmlformats.org/presentationml/2006/main">
-  <p:cSld>
-    <p:spTree>
-      <p:nvGrpSpPr>
-        <p:cNvPr id="1" name=""/>
-        <p:cNvGrpSpPr/>
-        <p:nvPr/>
-      </p:nvGrpSpPr>
-      <p:grpSpPr>
-        <a:xfrm>
-          <a:off x="0" y="0"/>
-          <a:ext cx="0" cy="0"/>
-          <a:chOff x="0" y="0"/>
-          <a:chExt cx="0" cy="0"/>
-        </a:xfrm>
-      </p:grpSpPr>
-      <p:sp>
-        <p:nvSpPr>
-          <p:cNvPr id="2" name="Titre 1">
-            <a:extLst>
-              <a:ext uri="{FF2B5EF4-FFF2-40B4-BE49-F238E27FC236}">
-                <a16:creationId xmlns="" xmlns:a16="http://schemas.microsoft.com/office/drawing/2014/main" id="{693DE99D-D7A2-89F5-4CDD-A4230BF00E5E}"/>
-              </a:ext>
-            </a:extLst>
-          </p:cNvPr>
-          <p:cNvSpPr>
-            <a:spLocks noGrp="1"/>
-          </p:cNvSpPr>
-          <p:nvPr>
-            <p:ph type="title"/>
-          </p:nvPr>
-        </p:nvSpPr>
-        <p:spPr/>
-        <p:txBody>
-          <a:bodyPr>
-            <a:normAutofit fontScale="90000"/>
-          </a:bodyPr>
-          <a:lstStyle/>
-          <a:p>
-            <a:r>
-              <a:rPr lang="fr-FR" dirty="0"/>
-              <a:t>Objectifs pédagogiques </a:t>
-            </a:r>
-            <a:r>
-              <a:rPr lang="fr-FR" dirty="0" smtClean="0"/>
-              <a:t>/ Traitement Information</a:t>
-            </a:r>
-            <a:endParaRPr lang="fr-FR" dirty="0"/>
-          </a:p>
-        </p:txBody>
-      </p:sp>
-      <p:sp>
-        <p:nvSpPr>
-          <p:cNvPr id="6" name="Espace réservé du contenu 2">
-            <a:extLst>
-              <a:ext uri="{FF2B5EF4-FFF2-40B4-BE49-F238E27FC236}">
-                <a16:creationId xmlns="" xmlns:a16="http://schemas.microsoft.com/office/drawing/2014/main" id="{1523F83B-B807-6C1C-1823-AF4B66F5CCA5}"/>
-              </a:ext>
-            </a:extLst>
-          </p:cNvPr>
-          <p:cNvSpPr>
-            <a:spLocks noGrp="1"/>
-          </p:cNvSpPr>
-          <p:nvPr>
-            <p:ph sz="half" idx="1"/>
-          </p:nvPr>
-        </p:nvSpPr>
-        <p:spPr>
-          <a:xfrm>
-            <a:off x="1115566" y="2478024"/>
-            <a:ext cx="6414123" cy="3694176"/>
-          </a:xfrm>
-        </p:spPr>
-        <p:txBody>
-          <a:bodyPr>
-            <a:noAutofit/>
-          </a:bodyPr>
-          <a:lstStyle/>
-          <a:p>
-            <a:pPr marL="0" indent="0">
-              <a:buNone/>
-            </a:pPr>
-            <a:r>
-              <a:rPr lang="fr-FR" sz="1200" dirty="0" smtClean="0"/>
-              <a:t>A travers cette </a:t>
-            </a:r>
-            <a:r>
-              <a:rPr lang="fr-FR" sz="1200" b="1" dirty="0" smtClean="0"/>
-              <a:t>unité d’enseignement</a:t>
-            </a:r>
-            <a:r>
-              <a:rPr lang="fr-FR" sz="1200" dirty="0" smtClean="0"/>
-              <a:t>, les apprenants seront capable :</a:t>
-            </a:r>
-          </a:p>
-          <a:p>
-            <a:endParaRPr lang="fr-FR" sz="1200" dirty="0" smtClean="0"/>
-          </a:p>
-          <a:p>
-            <a:pPr lvl="1"/>
-            <a:r>
-              <a:rPr lang="fr-FR" sz="1800" dirty="0" smtClean="0"/>
-              <a:t>de </a:t>
-            </a:r>
-            <a:r>
-              <a:rPr lang="fr-FR" sz="1800" b="1" dirty="0" smtClean="0"/>
-              <a:t>distinguer les différents types de signaux</a:t>
-            </a:r>
-            <a:r>
-              <a:rPr lang="fr-FR" sz="1800" dirty="0" smtClean="0"/>
-              <a:t> qui peuvent coexister et se superposer </a:t>
-            </a:r>
-          </a:p>
-          <a:p>
-            <a:pPr lvl="1"/>
-            <a:r>
-              <a:rPr lang="fr-FR" sz="1800" dirty="0" smtClean="0"/>
-              <a:t>de</a:t>
-            </a:r>
-            <a:r>
-              <a:rPr lang="fr-FR" sz="1800" dirty="0"/>
-              <a:t> </a:t>
-            </a:r>
-            <a:r>
-              <a:rPr lang="fr-FR" sz="1800" b="1" dirty="0"/>
-              <a:t>proposer des outils de caractérisation</a:t>
-            </a:r>
-            <a:r>
-              <a:rPr lang="fr-FR" sz="1800" dirty="0"/>
-              <a:t> de ces différents signaux</a:t>
-            </a:r>
-          </a:p>
-          <a:p>
-            <a:pPr lvl="1"/>
-            <a:r>
-              <a:rPr lang="fr-FR" sz="1800" dirty="0" smtClean="0"/>
-              <a:t>de</a:t>
-            </a:r>
-            <a:r>
-              <a:rPr lang="fr-FR" sz="1800" dirty="0"/>
-              <a:t> </a:t>
-            </a:r>
-            <a:r>
-              <a:rPr lang="fr-FR" sz="1800" b="1" dirty="0"/>
-              <a:t>réaliser une application de traitement de données </a:t>
-            </a:r>
-            <a:r>
-              <a:rPr lang="fr-FR" sz="1800" dirty="0"/>
-              <a:t>informatiques simple</a:t>
-            </a:r>
-          </a:p>
-          <a:p>
-            <a:pPr lvl="1"/>
-            <a:r>
-              <a:rPr lang="fr-FR" sz="1800" dirty="0"/>
-              <a:t>d</a:t>
-            </a:r>
-            <a:r>
-              <a:rPr lang="fr-FR" sz="1800" dirty="0" smtClean="0"/>
-              <a:t>’</a:t>
-            </a:r>
-            <a:r>
-              <a:rPr lang="fr-FR" sz="1800" b="1" dirty="0" smtClean="0"/>
-              <a:t>analyser</a:t>
-            </a:r>
-            <a:r>
-              <a:rPr lang="fr-FR" sz="1800" dirty="0" smtClean="0"/>
-              <a:t>, de </a:t>
-            </a:r>
-            <a:r>
-              <a:rPr lang="fr-FR" sz="1800" b="1" dirty="0" smtClean="0"/>
-              <a:t>concevoir</a:t>
-            </a:r>
-            <a:r>
-              <a:rPr lang="fr-FR" sz="1800" dirty="0" smtClean="0"/>
-              <a:t> et de</a:t>
-            </a:r>
-            <a:r>
-              <a:rPr lang="fr-FR" sz="1800" dirty="0"/>
-              <a:t> </a:t>
-            </a:r>
-            <a:r>
-              <a:rPr lang="fr-FR" sz="1800" b="1" dirty="0"/>
-              <a:t>réaliser</a:t>
-            </a:r>
-            <a:r>
-              <a:rPr lang="fr-FR" sz="1800" dirty="0"/>
-              <a:t> des </a:t>
-            </a:r>
-            <a:r>
-              <a:rPr lang="fr-FR" sz="1800" b="1" dirty="0"/>
-              <a:t>circuits électroniques</a:t>
-            </a:r>
-            <a:r>
-              <a:rPr lang="fr-FR" sz="1800" dirty="0"/>
-              <a:t> pour la </a:t>
-            </a:r>
-            <a:r>
-              <a:rPr lang="fr-FR" sz="1800" b="1" dirty="0"/>
-              <a:t>mise en forme </a:t>
-            </a:r>
-            <a:r>
-              <a:rPr lang="fr-FR" sz="1800" dirty="0"/>
-              <a:t>de ces signaux dans le respect d’un cahier des charges et en lien avec la conversion </a:t>
-            </a:r>
-            <a:r>
-              <a:rPr lang="fr-FR" sz="1800" dirty="0" smtClean="0"/>
-              <a:t>électrons-photons</a:t>
-            </a:r>
-            <a:endParaRPr lang="fr-FR" sz="1800" dirty="0"/>
-          </a:p>
-        </p:txBody>
-      </p:sp>
-      <p:sp>
-        <p:nvSpPr>
-          <p:cNvPr id="7" name="CustomShape 3">
-            <a:extLst>
-              <a:ext uri="{FF2B5EF4-FFF2-40B4-BE49-F238E27FC236}">
-                <a16:creationId xmlns="" xmlns:a16="http://schemas.microsoft.com/office/drawing/2014/main" id="{4C5A234C-C7E6-A992-E13C-02BDE9947CB1}"/>
-              </a:ext>
-            </a:extLst>
-          </p:cNvPr>
-          <p:cNvSpPr/>
-          <p:nvPr/>
-        </p:nvSpPr>
-        <p:spPr>
-          <a:xfrm>
-            <a:off x="8037689" y="3060957"/>
-            <a:ext cx="3348569" cy="492443"/>
-          </a:xfrm>
-          <a:prstGeom prst="rect">
-            <a:avLst/>
-          </a:prstGeom>
-          <a:solidFill>
-            <a:schemeClr val="tx1">
-              <a:lumMod val="65000"/>
-              <a:lumOff val="35000"/>
-            </a:schemeClr>
-          </a:solidFill>
-          <a:ln w="0">
-            <a:noFill/>
-          </a:ln>
-        </p:spPr>
-        <p:style>
-          <a:lnRef idx="0">
-            <a:scrgbClr r="0" g="0" b="0"/>
-          </a:lnRef>
-          <a:fillRef idx="0">
-            <a:scrgbClr r="0" g="0" b="0"/>
-          </a:fillRef>
-          <a:effectRef idx="0">
-            <a:scrgbClr r="0" g="0" b="0"/>
-          </a:effectRef>
-          <a:fontRef idx="minor"/>
-        </p:style>
-        <p:txBody>
-          <a:bodyPr wrap="square" tIns="91440" bIns="91440">
-            <a:spAutoFit/>
-          </a:bodyPr>
-          <a:lstStyle/>
-          <a:p>
-            <a:pPr algn="ctr">
-              <a:lnSpc>
-                <a:spcPct val="100000"/>
-              </a:lnSpc>
-              <a:tabLst>
-                <a:tab pos="0" algn="l"/>
-              </a:tabLst>
-            </a:pPr>
-            <a:r>
-              <a:rPr lang="fr-FR" sz="2000" b="1" strike="noStrike" spc="-1" dirty="0" smtClean="0">
-                <a:solidFill>
-                  <a:schemeClr val="bg1"/>
-                </a:solidFill>
-                <a:latin typeface="Trebuchet MS"/>
-                <a:ea typeface="Trebuchet MS"/>
-              </a:rPr>
-              <a:t>Maths et Signal</a:t>
-            </a:r>
-            <a:endParaRPr lang="fr-FR" sz="2000" b="0" strike="noStrike" spc="-1" dirty="0">
-              <a:solidFill>
-                <a:schemeClr val="bg1"/>
-              </a:solidFill>
-              <a:latin typeface="Arial"/>
-            </a:endParaRPr>
-          </a:p>
-        </p:txBody>
-      </p:sp>
-      <p:sp>
-        <p:nvSpPr>
-          <p:cNvPr id="10" name="CustomShape 3">
-            <a:extLst>
-              <a:ext uri="{FF2B5EF4-FFF2-40B4-BE49-F238E27FC236}">
-                <a16:creationId xmlns="" xmlns:a16="http://schemas.microsoft.com/office/drawing/2014/main" id="{4C5A234C-C7E6-A992-E13C-02BDE9947CB1}"/>
-              </a:ext>
-            </a:extLst>
-          </p:cNvPr>
-          <p:cNvSpPr/>
-          <p:nvPr/>
-        </p:nvSpPr>
-        <p:spPr>
-          <a:xfrm>
-            <a:off x="8037689" y="3705800"/>
-            <a:ext cx="3348569" cy="677108"/>
-          </a:xfrm>
-          <a:prstGeom prst="rect">
-            <a:avLst/>
-          </a:prstGeom>
-          <a:solidFill>
-            <a:schemeClr val="tx1">
-              <a:lumMod val="65000"/>
-              <a:lumOff val="35000"/>
-            </a:schemeClr>
-          </a:solidFill>
-          <a:ln w="0">
-            <a:noFill/>
-          </a:ln>
-        </p:spPr>
-        <p:style>
-          <a:lnRef idx="0">
-            <a:scrgbClr r="0" g="0" b="0"/>
-          </a:lnRef>
-          <a:fillRef idx="0">
-            <a:scrgbClr r="0" g="0" b="0"/>
-          </a:fillRef>
-          <a:effectRef idx="0">
-            <a:scrgbClr r="0" g="0" b="0"/>
-          </a:effectRef>
-          <a:fontRef idx="minor"/>
-        </p:style>
-        <p:txBody>
-          <a:bodyPr wrap="square" tIns="91440" bIns="91440">
-            <a:spAutoFit/>
-          </a:bodyPr>
-          <a:lstStyle/>
-          <a:p>
-            <a:pPr algn="ctr">
-              <a:lnSpc>
-                <a:spcPct val="100000"/>
-              </a:lnSpc>
-              <a:tabLst>
-                <a:tab pos="0" algn="l"/>
-              </a:tabLst>
-            </a:pPr>
-            <a:r>
-              <a:rPr lang="fr-FR" sz="2000" b="1" strike="noStrike" spc="-1" dirty="0" smtClean="0">
-                <a:solidFill>
-                  <a:schemeClr val="bg1"/>
-                </a:solidFill>
-                <a:latin typeface="Trebuchet MS"/>
-                <a:ea typeface="Trebuchet MS"/>
-              </a:rPr>
-              <a:t>ONIP</a:t>
-            </a:r>
-            <a:br>
-              <a:rPr lang="fr-FR" sz="2000" b="1" strike="noStrike" spc="-1" dirty="0" smtClean="0">
-                <a:solidFill>
-                  <a:schemeClr val="bg1"/>
-                </a:solidFill>
-                <a:latin typeface="Trebuchet MS"/>
-                <a:ea typeface="Trebuchet MS"/>
-              </a:rPr>
-            </a:br>
-            <a:r>
-              <a:rPr lang="fr-FR" sz="1200" b="1" strike="noStrike" spc="-1" dirty="0" smtClean="0">
-                <a:solidFill>
-                  <a:schemeClr val="bg1"/>
-                </a:solidFill>
-                <a:latin typeface="Trebuchet MS"/>
-                <a:ea typeface="Trebuchet MS"/>
-              </a:rPr>
-              <a:t>Outils </a:t>
-            </a:r>
-            <a:r>
-              <a:rPr lang="fr-FR" sz="1200" b="1" strike="noStrike" spc="-1" dirty="0" err="1" smtClean="0">
-                <a:solidFill>
-                  <a:schemeClr val="bg1"/>
-                </a:solidFill>
-                <a:latin typeface="Trebuchet MS"/>
-                <a:ea typeface="Trebuchet MS"/>
-              </a:rPr>
-              <a:t>Num</a:t>
-            </a:r>
-            <a:r>
-              <a:rPr lang="fr-FR" sz="1200" b="1" strike="noStrike" spc="-1" dirty="0" smtClean="0">
-                <a:solidFill>
-                  <a:schemeClr val="bg1"/>
-                </a:solidFill>
-                <a:latin typeface="Trebuchet MS"/>
-                <a:ea typeface="Trebuchet MS"/>
-              </a:rPr>
-              <a:t>. pour l’</a:t>
-            </a:r>
-            <a:r>
-              <a:rPr lang="fr-FR" sz="1200" b="1" strike="noStrike" spc="-1" dirty="0" err="1" smtClean="0">
-                <a:solidFill>
-                  <a:schemeClr val="bg1"/>
-                </a:solidFill>
-                <a:latin typeface="Trebuchet MS"/>
-                <a:ea typeface="Trebuchet MS"/>
-              </a:rPr>
-              <a:t>Ingénieur.e</a:t>
-            </a:r>
-            <a:r>
-              <a:rPr lang="fr-FR" sz="1200" b="1" strike="noStrike" spc="-1" dirty="0" smtClean="0">
-                <a:solidFill>
-                  <a:schemeClr val="bg1"/>
-                </a:solidFill>
-                <a:latin typeface="Trebuchet MS"/>
-                <a:ea typeface="Trebuchet MS"/>
-              </a:rPr>
-              <a:t> en Phys.</a:t>
-            </a:r>
-            <a:endParaRPr lang="fr-FR" sz="1200" b="0" strike="noStrike" spc="-1" dirty="0">
-              <a:solidFill>
-                <a:schemeClr val="bg1"/>
-              </a:solidFill>
-              <a:latin typeface="Arial"/>
-            </a:endParaRPr>
-          </a:p>
-        </p:txBody>
-      </p:sp>
-      <p:sp>
-        <p:nvSpPr>
-          <p:cNvPr id="11" name="CustomShape 3">
-            <a:extLst>
-              <a:ext uri="{FF2B5EF4-FFF2-40B4-BE49-F238E27FC236}">
-                <a16:creationId xmlns="" xmlns:a16="http://schemas.microsoft.com/office/drawing/2014/main" id="{4C5A234C-C7E6-A992-E13C-02BDE9947CB1}"/>
-              </a:ext>
-            </a:extLst>
-          </p:cNvPr>
-          <p:cNvSpPr/>
-          <p:nvPr/>
-        </p:nvSpPr>
-        <p:spPr>
-          <a:xfrm>
-            <a:off x="8037688" y="4472838"/>
-            <a:ext cx="3348569" cy="677108"/>
-          </a:xfrm>
-          <a:prstGeom prst="rect">
-            <a:avLst/>
-          </a:prstGeom>
-          <a:solidFill>
-            <a:schemeClr val="tx1">
-              <a:lumMod val="65000"/>
-              <a:lumOff val="35000"/>
-            </a:schemeClr>
-          </a:solidFill>
-          <a:ln w="0">
-            <a:noFill/>
-          </a:ln>
-        </p:spPr>
-        <p:style>
-          <a:lnRef idx="0">
-            <a:scrgbClr r="0" g="0" b="0"/>
-          </a:lnRef>
-          <a:fillRef idx="0">
-            <a:scrgbClr r="0" g="0" b="0"/>
-          </a:fillRef>
-          <a:effectRef idx="0">
-            <a:scrgbClr r="0" g="0" b="0"/>
-          </a:effectRef>
-          <a:fontRef idx="minor"/>
-        </p:style>
-        <p:txBody>
-          <a:bodyPr wrap="square" tIns="91440" bIns="91440">
-            <a:spAutoFit/>
-          </a:bodyPr>
-          <a:lstStyle/>
-          <a:p>
-            <a:pPr algn="ctr">
-              <a:lnSpc>
-                <a:spcPct val="100000"/>
-              </a:lnSpc>
-              <a:tabLst>
-                <a:tab pos="0" algn="l"/>
-              </a:tabLst>
-            </a:pPr>
-            <a:r>
-              <a:rPr lang="fr-FR" sz="2000" b="1" strike="noStrike" spc="-1" dirty="0" err="1" smtClean="0">
-                <a:solidFill>
-                  <a:schemeClr val="bg1"/>
-                </a:solidFill>
-                <a:latin typeface="Trebuchet MS"/>
-                <a:ea typeface="Trebuchet MS"/>
-              </a:rPr>
-              <a:t>CéTI</a:t>
-            </a:r>
-            <a:endParaRPr lang="fr-FR" sz="2000" b="1" strike="noStrike" spc="-1" dirty="0" smtClean="0">
-              <a:solidFill>
-                <a:schemeClr val="bg1"/>
-              </a:solidFill>
-              <a:latin typeface="Trebuchet MS"/>
-              <a:ea typeface="Trebuchet MS"/>
-            </a:endParaRPr>
-          </a:p>
-          <a:p>
-            <a:pPr algn="ctr">
-              <a:lnSpc>
-                <a:spcPct val="100000"/>
-              </a:lnSpc>
-              <a:tabLst>
-                <a:tab pos="0" algn="l"/>
-              </a:tabLst>
-            </a:pPr>
-            <a:r>
-              <a:rPr lang="fr-FR" sz="1200" b="1" spc="-1" dirty="0" smtClean="0">
-                <a:solidFill>
-                  <a:schemeClr val="bg1"/>
-                </a:solidFill>
-                <a:latin typeface="Trebuchet MS"/>
-              </a:rPr>
-              <a:t>Conception Electronique</a:t>
-            </a:r>
-            <a:endParaRPr lang="fr-FR" sz="1200" b="0" strike="noStrike" spc="-1" dirty="0">
-              <a:solidFill>
-                <a:schemeClr val="bg1"/>
-              </a:solidFill>
-              <a:latin typeface="Arial"/>
-            </a:endParaRPr>
-          </a:p>
-        </p:txBody>
-      </p:sp>
-      <p:sp>
-        <p:nvSpPr>
-          <p:cNvPr id="12" name="CustomShape 3">
-            <a:extLst>
-              <a:ext uri="{FF2B5EF4-FFF2-40B4-BE49-F238E27FC236}">
-                <a16:creationId xmlns="" xmlns:a16="http://schemas.microsoft.com/office/drawing/2014/main" id="{4C5A234C-C7E6-A992-E13C-02BDE9947CB1}"/>
-              </a:ext>
-            </a:extLst>
-          </p:cNvPr>
-          <p:cNvSpPr/>
-          <p:nvPr/>
-        </p:nvSpPr>
-        <p:spPr>
-          <a:xfrm>
-            <a:off x="8037689" y="5302346"/>
-            <a:ext cx="3348569" cy="492443"/>
-          </a:xfrm>
-          <a:prstGeom prst="rect">
-            <a:avLst/>
-          </a:prstGeom>
-          <a:solidFill>
-            <a:schemeClr val="tx1">
-              <a:lumMod val="65000"/>
-              <a:lumOff val="35000"/>
-            </a:schemeClr>
-          </a:solidFill>
-          <a:ln w="0">
-            <a:noFill/>
-          </a:ln>
-        </p:spPr>
-        <p:style>
-          <a:lnRef idx="0">
-            <a:scrgbClr r="0" g="0" b="0"/>
-          </a:lnRef>
-          <a:fillRef idx="0">
-            <a:scrgbClr r="0" g="0" b="0"/>
-          </a:fillRef>
-          <a:effectRef idx="0">
-            <a:scrgbClr r="0" g="0" b="0"/>
-          </a:effectRef>
-          <a:fontRef idx="minor"/>
-        </p:style>
-        <p:txBody>
-          <a:bodyPr wrap="square" tIns="91440" bIns="91440">
-            <a:spAutoFit/>
-          </a:bodyPr>
-          <a:lstStyle/>
-          <a:p>
-            <a:pPr algn="ctr">
-              <a:lnSpc>
-                <a:spcPct val="100000"/>
-              </a:lnSpc>
-              <a:tabLst>
-                <a:tab pos="0" algn="l"/>
-              </a:tabLst>
-            </a:pPr>
-            <a:r>
-              <a:rPr lang="fr-FR" sz="2000" b="1" strike="noStrike" spc="-1" dirty="0" smtClean="0">
-                <a:solidFill>
-                  <a:schemeClr val="bg1"/>
-                </a:solidFill>
-                <a:latin typeface="Trebuchet MS"/>
-                <a:ea typeface="Trebuchet MS"/>
-              </a:rPr>
-              <a:t>TP </a:t>
-            </a:r>
-            <a:r>
-              <a:rPr lang="fr-FR" sz="2000" b="1" strike="noStrike" spc="-1" dirty="0" err="1" smtClean="0">
-                <a:solidFill>
-                  <a:schemeClr val="bg1"/>
-                </a:solidFill>
-                <a:latin typeface="Trebuchet MS"/>
-                <a:ea typeface="Trebuchet MS"/>
-              </a:rPr>
-              <a:t>CéTI</a:t>
-            </a:r>
-            <a:endParaRPr lang="fr-FR" sz="1200" b="0" strike="noStrike" spc="-1" dirty="0">
-              <a:solidFill>
-                <a:schemeClr val="bg1"/>
-              </a:solidFill>
-              <a:latin typeface="Arial"/>
-            </a:endParaRPr>
-          </a:p>
-        </p:txBody>
-      </p:sp>
-    </p:spTree>
-    <p:extLst>
-      <p:ext uri="{BB962C8B-B14F-4D97-AF65-F5344CB8AC3E}">
-        <p14:creationId xmlns:p14="http://schemas.microsoft.com/office/powerpoint/2010/main" val="2538272171"/>
-      </p:ext>
-    </p:extLst>
-  </p:cSld>
-  <p:clrMapOvr>
-    <a:masterClrMapping/>
   </p:clrMapOvr>
 </p:sld>
 </file>
@@ -11589,7 +11440,7 @@
           <p:cNvPr id="2" name="Titre 1">
             <a:extLst>
               <a:ext uri="{FF2B5EF4-FFF2-40B4-BE49-F238E27FC236}">
-                <a16:creationId xmlns="" xmlns:a16="http://schemas.microsoft.com/office/drawing/2014/main" id="{693DE99D-D7A2-89F5-4CDD-A4230BF00E5E}"/>
+                <a16:creationId xmlns:a16="http://schemas.microsoft.com/office/drawing/2014/main" id="{693DE99D-D7A2-89F5-4CDD-A4230BF00E5E}"/>
               </a:ext>
             </a:extLst>
           </p:cNvPr>
@@ -11617,7 +11468,7 @@
           <p:cNvPr id="6" name="Espace réservé du contenu 2">
             <a:extLst>
               <a:ext uri="{FF2B5EF4-FFF2-40B4-BE49-F238E27FC236}">
-                <a16:creationId xmlns="" xmlns:a16="http://schemas.microsoft.com/office/drawing/2014/main" id="{1523F83B-B807-6C1C-1823-AF4B66F5CCA5}"/>
+                <a16:creationId xmlns:a16="http://schemas.microsoft.com/office/drawing/2014/main" id="{1523F83B-B807-6C1C-1823-AF4B66F5CCA5}"/>
               </a:ext>
             </a:extLst>
           </p:cNvPr>
@@ -11636,56 +11487,60 @@
         </p:spPr>
         <p:txBody>
           <a:bodyPr>
-            <a:normAutofit/>
+            <a:normAutofit lnSpcReduction="10000"/>
           </a:bodyPr>
           <a:lstStyle/>
           <a:p>
-            <a:r>
-              <a:rPr lang="fr-FR" i="1" dirty="0">
-                <a:effectLst/>
-              </a:rPr>
-              <a:t>Construire une </a:t>
-            </a:r>
-            <a:r>
-              <a:rPr lang="fr-FR" b="1" i="1" dirty="0">
-                <a:effectLst/>
-              </a:rPr>
-              <a:t>boite à outils </a:t>
-            </a:r>
-            <a:r>
-              <a:rPr lang="fr-FR" i="1" dirty="0">
-                <a:effectLst/>
-              </a:rPr>
-              <a:t>de </a:t>
-            </a:r>
-            <a:r>
-              <a:rPr lang="fr-FR" b="1" i="1" dirty="0">
-                <a:effectLst/>
-              </a:rPr>
-              <a:t>méthodes numériques </a:t>
-            </a:r>
-            <a:r>
-              <a:rPr lang="fr-FR" i="1" dirty="0">
-                <a:effectLst/>
-              </a:rPr>
-              <a:t>pour de futur.es </a:t>
-            </a:r>
-            <a:r>
-              <a:rPr lang="fr-FR" b="1" i="1" dirty="0">
-                <a:effectLst/>
-              </a:rPr>
-              <a:t>ingénieur.es en physique</a:t>
-            </a:r>
-            <a:endParaRPr lang="fr-FR" dirty="0"/>
-          </a:p>
-        </p:txBody>
-      </p:sp>
-      <p:sp>
-        <p:nvSpPr>
-          <p:cNvPr id="7" name="CustomShape 3">
-            <a:extLst>
-              <a:ext uri="{FF2B5EF4-FFF2-40B4-BE49-F238E27FC236}">
-                <a16:creationId xmlns="" xmlns:a16="http://schemas.microsoft.com/office/drawing/2014/main" id="{4C5A234C-C7E6-A992-E13C-02BDE9947CB1}"/>
+            <a:pPr lvl="1"/>
+            <a:r>
+              <a:rPr lang="fr-FR" sz="2800" b="1" dirty="0"/>
+              <a:t>Analyser</a:t>
+            </a:r>
+            <a:r>
+              <a:rPr lang="fr-FR" sz="2800" dirty="0"/>
+              <a:t>, </a:t>
+            </a:r>
+            <a:r>
+              <a:rPr lang="fr-FR" sz="2800" b="1" dirty="0"/>
+              <a:t>concevoir</a:t>
+            </a:r>
+            <a:r>
+              <a:rPr lang="fr-FR" sz="2800" dirty="0"/>
+              <a:t> et </a:t>
+            </a:r>
+            <a:r>
+              <a:rPr lang="fr-FR" sz="2800" b="1" dirty="0"/>
+              <a:t>réaliser</a:t>
+            </a:r>
+            <a:r>
+              <a:rPr lang="fr-FR" sz="2800" dirty="0"/>
+              <a:t> des </a:t>
+            </a:r>
+            <a:r>
+              <a:rPr lang="fr-FR" sz="2800" b="1" dirty="0"/>
+              <a:t>circuits électroniques</a:t>
+            </a:r>
+            <a:r>
+              <a:rPr lang="fr-FR" sz="2800" dirty="0"/>
+              <a:t> pour la </a:t>
+            </a:r>
+            <a:r>
+              <a:rPr lang="fr-FR" sz="2800" b="1" dirty="0"/>
+              <a:t>mise en forme </a:t>
+            </a:r>
+            <a:r>
+              <a:rPr lang="fr-FR" sz="2800" dirty="0"/>
+              <a:t>de ces signaux dans le respect d’un cahier des charges et en lien avec la conversion électrons-photons</a:t>
+            </a:r>
+          </a:p>
+        </p:txBody>
+      </p:sp>
+      <p:sp>
+        <p:nvSpPr>
+          <p:cNvPr id="3" name="CustomShape 3">
+            <a:extLst>
+              <a:ext uri="{FF2B5EF4-FFF2-40B4-BE49-F238E27FC236}">
+                <a16:creationId xmlns:a16="http://schemas.microsoft.com/office/drawing/2014/main" id="{691FD8A8-20F3-DB95-98D4-A4F009EE3CA5}"/>
               </a:ext>
             </a:extLst>
           </p:cNvPr>
@@ -11694,8 +11549,215 @@
         </p:nvSpPr>
         <p:spPr>
           <a:xfrm>
-            <a:off x="7334865" y="3060957"/>
-            <a:ext cx="4051393" cy="492443"/>
+            <a:off x="8037689" y="3060957"/>
+            <a:ext cx="3348569" cy="492443"/>
+          </a:xfrm>
+          <a:prstGeom prst="rect">
+            <a:avLst/>
+          </a:prstGeom>
+          <a:solidFill>
+            <a:schemeClr val="bg1">
+              <a:lumMod val="85000"/>
+            </a:schemeClr>
+          </a:solidFill>
+          <a:ln w="0">
+            <a:noFill/>
+          </a:ln>
+        </p:spPr>
+        <p:style>
+          <a:lnRef idx="0">
+            <a:scrgbClr r="0" g="0" b="0"/>
+          </a:lnRef>
+          <a:fillRef idx="0">
+            <a:scrgbClr r="0" g="0" b="0"/>
+          </a:fillRef>
+          <a:effectRef idx="0">
+            <a:scrgbClr r="0" g="0" b="0"/>
+          </a:effectRef>
+          <a:fontRef idx="minor"/>
+        </p:style>
+        <p:txBody>
+          <a:bodyPr wrap="square" tIns="91440" bIns="91440">
+            <a:spAutoFit/>
+          </a:bodyPr>
+          <a:lstStyle/>
+          <a:p>
+            <a:pPr algn="ctr">
+              <a:lnSpc>
+                <a:spcPct val="100000"/>
+              </a:lnSpc>
+              <a:tabLst>
+                <a:tab pos="0" algn="l"/>
+              </a:tabLst>
+            </a:pPr>
+            <a:r>
+              <a:rPr lang="fr-FR" sz="2000" b="1" strike="noStrike" spc="-1" dirty="0">
+                <a:solidFill>
+                  <a:schemeClr val="bg1"/>
+                </a:solidFill>
+                <a:latin typeface="Trebuchet MS"/>
+                <a:ea typeface="Trebuchet MS"/>
+              </a:rPr>
+              <a:t>Maths et Signal</a:t>
+            </a:r>
+            <a:endParaRPr lang="fr-FR" sz="2000" b="0" strike="noStrike" spc="-1" dirty="0">
+              <a:solidFill>
+                <a:schemeClr val="bg1"/>
+              </a:solidFill>
+              <a:latin typeface="Arial"/>
+            </a:endParaRPr>
+          </a:p>
+        </p:txBody>
+      </p:sp>
+      <p:sp>
+        <p:nvSpPr>
+          <p:cNvPr id="4" name="CustomShape 3">
+            <a:extLst>
+              <a:ext uri="{FF2B5EF4-FFF2-40B4-BE49-F238E27FC236}">
+                <a16:creationId xmlns:a16="http://schemas.microsoft.com/office/drawing/2014/main" id="{1878C4A7-4377-BD4C-E2FE-7716910E7C64}"/>
+              </a:ext>
+            </a:extLst>
+          </p:cNvPr>
+          <p:cNvSpPr/>
+          <p:nvPr/>
+        </p:nvSpPr>
+        <p:spPr>
+          <a:xfrm>
+            <a:off x="8037689" y="3705800"/>
+            <a:ext cx="3348569" cy="677108"/>
+          </a:xfrm>
+          <a:prstGeom prst="rect">
+            <a:avLst/>
+          </a:prstGeom>
+          <a:solidFill>
+            <a:schemeClr val="bg1">
+              <a:lumMod val="85000"/>
+            </a:schemeClr>
+          </a:solidFill>
+          <a:ln w="0">
+            <a:noFill/>
+          </a:ln>
+        </p:spPr>
+        <p:style>
+          <a:lnRef idx="0">
+            <a:scrgbClr r="0" g="0" b="0"/>
+          </a:lnRef>
+          <a:fillRef idx="0">
+            <a:scrgbClr r="0" g="0" b="0"/>
+          </a:fillRef>
+          <a:effectRef idx="0">
+            <a:scrgbClr r="0" g="0" b="0"/>
+          </a:effectRef>
+          <a:fontRef idx="minor"/>
+        </p:style>
+        <p:txBody>
+          <a:bodyPr wrap="square" tIns="91440" bIns="91440">
+            <a:spAutoFit/>
+          </a:bodyPr>
+          <a:lstStyle/>
+          <a:p>
+            <a:pPr algn="ctr">
+              <a:lnSpc>
+                <a:spcPct val="100000"/>
+              </a:lnSpc>
+              <a:tabLst>
+                <a:tab pos="0" algn="l"/>
+              </a:tabLst>
+            </a:pPr>
+            <a:r>
+              <a:rPr lang="fr-FR" sz="2000" b="1" strike="noStrike" spc="-1" dirty="0">
+                <a:solidFill>
+                  <a:schemeClr val="bg1"/>
+                </a:solidFill>
+                <a:latin typeface="Trebuchet MS"/>
+                <a:ea typeface="Trebuchet MS"/>
+              </a:rPr>
+              <a:t>ONIP</a:t>
+            </a:r>
+            <a:br>
+              <a:rPr lang="fr-FR" sz="2000" b="1" strike="noStrike" spc="-1" dirty="0">
+                <a:solidFill>
+                  <a:schemeClr val="bg1"/>
+                </a:solidFill>
+                <a:latin typeface="Trebuchet MS"/>
+                <a:ea typeface="Trebuchet MS"/>
+              </a:rPr>
+            </a:br>
+            <a:r>
+              <a:rPr lang="fr-FR" sz="1200" b="1" strike="noStrike" spc="-1" dirty="0">
+                <a:solidFill>
+                  <a:schemeClr val="bg1"/>
+                </a:solidFill>
+                <a:latin typeface="Trebuchet MS"/>
+                <a:ea typeface="Trebuchet MS"/>
+              </a:rPr>
+              <a:t>Outils </a:t>
+            </a:r>
+            <a:r>
+              <a:rPr lang="fr-FR" sz="1200" b="1" strike="noStrike" spc="-1" dirty="0" err="1">
+                <a:solidFill>
+                  <a:schemeClr val="bg1"/>
+                </a:solidFill>
+                <a:latin typeface="Trebuchet MS"/>
+                <a:ea typeface="Trebuchet MS"/>
+              </a:rPr>
+              <a:t>Num</a:t>
+            </a:r>
+            <a:r>
+              <a:rPr lang="fr-FR" sz="1200" b="1" strike="noStrike" spc="-1" dirty="0">
+                <a:solidFill>
+                  <a:schemeClr val="bg1"/>
+                </a:solidFill>
+                <a:latin typeface="Trebuchet MS"/>
+                <a:ea typeface="Trebuchet MS"/>
+              </a:rPr>
+              <a:t>. pour l’</a:t>
+            </a:r>
+            <a:r>
+              <a:rPr lang="fr-FR" sz="1200" b="1" strike="noStrike" spc="-1" dirty="0" err="1">
+                <a:solidFill>
+                  <a:schemeClr val="bg1"/>
+                </a:solidFill>
+                <a:latin typeface="Trebuchet MS"/>
+                <a:ea typeface="Trebuchet MS"/>
+              </a:rPr>
+              <a:t>Ingénieur.e</a:t>
+            </a:r>
+            <a:r>
+              <a:rPr lang="fr-FR" sz="1200" b="1" strike="noStrike" spc="-1" dirty="0">
+                <a:solidFill>
+                  <a:schemeClr val="bg1"/>
+                </a:solidFill>
+                <a:latin typeface="Trebuchet MS"/>
+                <a:ea typeface="Trebuchet MS"/>
+              </a:rPr>
+              <a:t> en Phys.</a:t>
+            </a:r>
+            <a:endParaRPr lang="fr-FR" sz="1200" b="0" strike="noStrike" spc="-1" dirty="0">
+              <a:solidFill>
+                <a:schemeClr val="bg1"/>
+              </a:solidFill>
+              <a:latin typeface="Arial"/>
+            </a:endParaRPr>
+          </a:p>
+        </p:txBody>
+      </p:sp>
+      <p:sp>
+        <p:nvSpPr>
+          <p:cNvPr id="5" name="CustomShape 3">
+            <a:extLst>
+              <a:ext uri="{FF2B5EF4-FFF2-40B4-BE49-F238E27FC236}">
+                <a16:creationId xmlns:a16="http://schemas.microsoft.com/office/drawing/2014/main" id="{225242AA-ED08-32F9-475B-9F95841C009A}"/>
+              </a:ext>
+            </a:extLst>
+          </p:cNvPr>
+          <p:cNvSpPr/>
+          <p:nvPr/>
+        </p:nvSpPr>
+        <p:spPr>
+          <a:xfrm>
+            <a:off x="8037688" y="4498238"/>
+            <a:ext cx="3348569" cy="677108"/>
           </a:xfrm>
           <a:prstGeom prst="rect">
             <a:avLst/>
@@ -11737,16 +11799,42 @@
               </a:tabLst>
             </a:pPr>
             <a:r>
-              <a:rPr lang="fr-FR" sz="2000" b="1" strike="noStrike" spc="-1" dirty="0">
+              <a:rPr lang="fr-FR" sz="2000" b="1" strike="noStrike" spc="-1" dirty="0" err="1">
                 <a:solidFill>
                   <a:schemeClr val="bg1"/>
                 </a:solidFill>
                 <a:latin typeface="Trebuchet MS"/>
                 <a:ea typeface="Trebuchet MS"/>
               </a:rPr>
-              <a:t>Méthodes Numériques</a:t>
-            </a:r>
-            <a:endParaRPr lang="fr-FR" sz="2000" b="0" strike="noStrike" spc="-1" dirty="0">
+              <a:t>CéTI</a:t>
+            </a:r>
+            <a:endParaRPr lang="fr-FR" sz="2000" b="1" strike="noStrike" spc="-1" dirty="0">
+              <a:solidFill>
+                <a:schemeClr val="bg1"/>
+              </a:solidFill>
+              <a:latin typeface="Trebuchet MS"/>
+              <a:ea typeface="Trebuchet MS"/>
+            </a:endParaRPr>
+          </a:p>
+          <a:p>
+            <a:pPr algn="ctr">
+              <a:lnSpc>
+                <a:spcPct val="100000"/>
+              </a:lnSpc>
+              <a:tabLst>
+                <a:tab pos="0" algn="l"/>
+              </a:tabLst>
+            </a:pPr>
+            <a:r>
+              <a:rPr lang="fr-FR" sz="1200" b="1" spc="-1" dirty="0">
+                <a:solidFill>
+                  <a:schemeClr val="bg1"/>
+                </a:solidFill>
+                <a:latin typeface="Trebuchet MS"/>
+              </a:rPr>
+              <a:t>Conception Electronique</a:t>
+            </a:r>
+            <a:endParaRPr lang="fr-FR" sz="1200" b="0" strike="noStrike" spc="-1" dirty="0">
               <a:solidFill>
                 <a:schemeClr val="bg1"/>
               </a:solidFill>
@@ -11757,10 +11845,10 @@
       </p:sp>
       <p:sp>
         <p:nvSpPr>
-          <p:cNvPr id="8" name="CustomShape 23">
-            <a:extLst>
-              <a:ext uri="{FF2B5EF4-FFF2-40B4-BE49-F238E27FC236}">
-                <a16:creationId xmlns="" xmlns:a16="http://schemas.microsoft.com/office/drawing/2014/main" id="{65210A4B-EA78-6E3A-2489-A15076D430B8}"/>
+          <p:cNvPr id="10" name="CustomShape 3">
+            <a:extLst>
+              <a:ext uri="{FF2B5EF4-FFF2-40B4-BE49-F238E27FC236}">
+                <a16:creationId xmlns:a16="http://schemas.microsoft.com/office/drawing/2014/main" id="{739F4E9A-0E6F-BC6E-AE9B-457A6B4C3896}"/>
               </a:ext>
             </a:extLst>
           </p:cNvPr>
@@ -11769,16 +11857,16 @@
         </p:nvSpPr>
         <p:spPr>
           <a:xfrm>
-            <a:off x="7340174" y="4140398"/>
-            <a:ext cx="4051393" cy="492443"/>
+            <a:off x="8037689" y="5302346"/>
+            <a:ext cx="3348569" cy="492443"/>
           </a:xfrm>
           <a:prstGeom prst="rect">
             <a:avLst/>
           </a:prstGeom>
           <a:solidFill>
-            <a:schemeClr val="accent1">
-              <a:lumMod val="60000"/>
-              <a:lumOff val="40000"/>
+            <a:schemeClr val="tx1">
+              <a:lumMod val="65000"/>
+              <a:lumOff val="35000"/>
             </a:schemeClr>
           </a:solidFill>
           <a:ln w="0">
@@ -11814,86 +11902,27 @@
             <a:r>
               <a:rPr lang="fr-FR" sz="2000" b="1" strike="noStrike" spc="-1" dirty="0">
                 <a:solidFill>
-                  <a:srgbClr val="666666"/>
+                  <a:schemeClr val="bg1"/>
                 </a:solidFill>
                 <a:latin typeface="Trebuchet MS"/>
                 <a:ea typeface="Trebuchet MS"/>
               </a:rPr>
-              <a:t>Programmation / Concepts</a:t>
-            </a:r>
-            <a:endParaRPr lang="fr-FR" sz="2000" b="0" strike="noStrike" spc="-1" dirty="0">
-              <a:latin typeface="Arial"/>
-            </a:endParaRPr>
-          </a:p>
-        </p:txBody>
-      </p:sp>
-      <p:sp>
-        <p:nvSpPr>
-          <p:cNvPr id="9" name="CustomShape 24">
-            <a:extLst>
-              <a:ext uri="{FF2B5EF4-FFF2-40B4-BE49-F238E27FC236}">
-                <a16:creationId xmlns="" xmlns:a16="http://schemas.microsoft.com/office/drawing/2014/main" id="{A8E4169A-5157-4EE2-AE19-20F232B5DE2D}"/>
-              </a:ext>
-            </a:extLst>
-          </p:cNvPr>
-          <p:cNvSpPr/>
-          <p:nvPr/>
-        </p:nvSpPr>
-        <p:spPr>
-          <a:xfrm>
-            <a:off x="7334864" y="5219840"/>
-            <a:ext cx="4051393" cy="492443"/>
-          </a:xfrm>
-          <a:prstGeom prst="rect">
-            <a:avLst/>
-          </a:prstGeom>
-          <a:solidFill>
-            <a:schemeClr val="accent5">
-              <a:lumMod val="60000"/>
-              <a:lumOff val="40000"/>
-            </a:schemeClr>
-          </a:solidFill>
-          <a:ln w="0">
-            <a:noFill/>
-          </a:ln>
-        </p:spPr>
-        <p:style>
-          <a:lnRef idx="0">
-            <a:scrgbClr r="0" g="0" b="0"/>
-          </a:lnRef>
-          <a:fillRef idx="0">
-            <a:scrgbClr r="0" g="0" b="0"/>
-          </a:fillRef>
-          <a:effectRef idx="0">
-            <a:scrgbClr r="0" g="0" b="0"/>
-          </a:effectRef>
-          <a:fontRef idx="minor"/>
-        </p:style>
-        <p:txBody>
-          <a:bodyPr wrap="square" tIns="91440" bIns="91440">
-            <a:spAutoFit/>
-          </a:bodyPr>
-          <a:lstStyle/>
-          <a:p>
-            <a:pPr algn="ctr">
-              <a:lnSpc>
-                <a:spcPct val="100000"/>
-              </a:lnSpc>
-              <a:tabLst>
-                <a:tab pos="0" algn="l"/>
-              </a:tabLst>
-            </a:pPr>
-            <a:r>
-              <a:rPr lang="fr-FR" sz="2000" b="1" strike="noStrike" spc="-1" dirty="0">
+              <a:t>TP </a:t>
+            </a:r>
+            <a:r>
+              <a:rPr lang="fr-FR" sz="2000" b="1" strike="noStrike" spc="-1" dirty="0" err="1">
                 <a:solidFill>
-                  <a:srgbClr val="666666"/>
+                  <a:schemeClr val="bg1"/>
                 </a:solidFill>
                 <a:latin typeface="Trebuchet MS"/>
                 <a:ea typeface="Trebuchet MS"/>
               </a:rPr>
-              <a:t>Programmation / Outils</a:t>
-            </a:r>
-            <a:endParaRPr lang="fr-FR" sz="2000" b="0" strike="noStrike" spc="-1" dirty="0">
+              <a:t>CéTI</a:t>
+            </a:r>
+            <a:endParaRPr lang="fr-FR" sz="1200" b="0" strike="noStrike" spc="-1" dirty="0">
+              <a:solidFill>
+                <a:schemeClr val="bg1"/>
+              </a:solidFill>
               <a:latin typeface="Arial"/>
             </a:endParaRPr>
           </a:p>
@@ -12107,7 +12136,7 @@
   <a:extraClrSchemeLst/>
   <a:extLst>
     <a:ext uri="{05A4C25C-085E-4340-85A3-A5531E510DB2}">
-      <thm15:themeFamily xmlns="" xmlns:thm15="http://schemas.microsoft.com/office/thememl/2012/main" name="AccentBoxVTI" id="{9F778A78-DC9A-453A-A82D-A75CAD503E15}" vid="{EA961113-7CC4-4569-8A6A-7BC2C1E2F401}"/>
+      <thm15:themeFamily xmlns:thm15="http://schemas.microsoft.com/office/thememl/2012/main" name="AccentBoxVTI" id="{9F778A78-DC9A-453A-A82D-A75CAD503E15}" vid="{EA961113-7CC4-4569-8A6A-7BC2C1E2F401}"/>
     </a:ext>
   </a:extLst>
 </a:theme>

--- a/electronique/b0_intro/B0_1_CeTI.pptx
+++ b/electronique/b0_intro/B0_1_CeTI.pptx
@@ -6441,55 +6441,13 @@
           <a:p>
             <a:r>
               <a:rPr lang="fr-FR" dirty="0"/>
-              <a:t>Déroulement du module</a:t>
-            </a:r>
-          </a:p>
-        </p:txBody>
-      </p:sp>
-      <p:sp>
-        <p:nvSpPr>
-          <p:cNvPr id="3" name="Espace réservé du contenu 2">
-            <a:extLst>
-              <a:ext uri="{FF2B5EF4-FFF2-40B4-BE49-F238E27FC236}">
-                <a16:creationId xmlns:a16="http://schemas.microsoft.com/office/drawing/2014/main" id="{E0BBB9DE-019C-C741-F224-494739D4B752}"/>
-              </a:ext>
-            </a:extLst>
-          </p:cNvPr>
-          <p:cNvSpPr>
-            <a:spLocks noGrp="1"/>
-          </p:cNvSpPr>
-          <p:nvPr>
-            <p:ph sz="half" idx="1"/>
-          </p:nvPr>
-        </p:nvSpPr>
-        <p:spPr/>
-        <p:txBody>
-          <a:bodyPr/>
-          <a:lstStyle/>
-          <a:p>
-            <a:pPr lvl="1"/>
+              <a:t>Déroulement des modules </a:t>
+            </a:r>
+            <a:r>
+              <a:rPr lang="fr-FR" dirty="0" err="1"/>
+              <a:t>CéTI</a:t>
+            </a:r>
             <a:endParaRPr lang="fr-FR" dirty="0"/>
-          </a:p>
-          <a:p>
-            <a:pPr lvl="1"/>
-            <a:r>
-              <a:rPr lang="fr-FR" dirty="0"/>
-              <a:t>Sur machine</a:t>
-            </a:r>
-          </a:p>
-          <a:p>
-            <a:pPr lvl="1"/>
-            <a:r>
-              <a:rPr lang="fr-FR" dirty="0"/>
-              <a:t>En binôme ou seul</a:t>
-            </a:r>
-          </a:p>
-          <a:p>
-            <a:pPr lvl="1"/>
-            <a:r>
-              <a:rPr lang="fr-FR" dirty="0"/>
-              <a:t>2 encadrant.es par séance</a:t>
-            </a:r>
           </a:p>
         </p:txBody>
       </p:sp>
@@ -6531,10 +6489,10 @@
       </p:pic>
       <p:sp>
         <p:nvSpPr>
-          <p:cNvPr id="6" name="CustomShape 3">
-            <a:extLst>
-              <a:ext uri="{FF2B5EF4-FFF2-40B4-BE49-F238E27FC236}">
-                <a16:creationId xmlns:a16="http://schemas.microsoft.com/office/drawing/2014/main" id="{7E776801-EC52-B2A2-9F28-F1F9D32CF093}"/>
+          <p:cNvPr id="9" name="CustomShape 3">
+            <a:extLst>
+              <a:ext uri="{FF2B5EF4-FFF2-40B4-BE49-F238E27FC236}">
+                <a16:creationId xmlns:a16="http://schemas.microsoft.com/office/drawing/2014/main" id="{7CD7374B-ED6D-6AF2-BD0B-1717C3940DB9}"/>
               </a:ext>
             </a:extLst>
           </p:cNvPr>
@@ -6543,15 +6501,16 @@
         </p:nvSpPr>
         <p:spPr>
           <a:xfrm>
-            <a:off x="6713678" y="2440601"/>
-            <a:ext cx="4051393" cy="492443"/>
+            <a:off x="1115567" y="2440602"/>
+            <a:ext cx="4685465" cy="492443"/>
           </a:xfrm>
           <a:prstGeom prst="rect">
             <a:avLst/>
           </a:prstGeom>
           <a:solidFill>
-            <a:schemeClr val="accent2">
-              <a:lumMod val="75000"/>
+            <a:schemeClr val="tx1">
+              <a:lumMod val="65000"/>
+              <a:lumOff val="35000"/>
             </a:schemeClr>
           </a:solidFill>
           <a:ln w="0">
@@ -6585,13 +6544,14 @@
               </a:tabLst>
             </a:pPr>
             <a:r>
-              <a:rPr lang="fr-FR" sz="2000" b="1" spc="-1" dirty="0">
+              <a:rPr lang="fr-FR" sz="2000" b="1" strike="noStrike" spc="-1" dirty="0">
                 <a:solidFill>
                   <a:schemeClr val="bg1"/>
                 </a:solidFill>
                 <a:latin typeface="Trebuchet MS"/>
+                <a:ea typeface="Trebuchet MS"/>
               </a:rPr>
-              <a:t>Méthodes numériques</a:t>
+              <a:t>4 blocs de 2 séances de TD</a:t>
             </a:r>
             <a:endParaRPr lang="fr-FR" sz="2000" b="0" strike="noStrike" spc="-1" dirty="0">
               <a:solidFill>
@@ -6604,10 +6564,51 @@
       </p:sp>
       <p:sp>
         <p:nvSpPr>
-          <p:cNvPr id="7" name="CustomShape 23">
-            <a:extLst>
-              <a:ext uri="{FF2B5EF4-FFF2-40B4-BE49-F238E27FC236}">
-                <a16:creationId xmlns:a16="http://schemas.microsoft.com/office/drawing/2014/main" id="{960E6FB9-1A0E-CC22-03F8-5EEA6C13547A}"/>
+          <p:cNvPr id="12" name="ZoneTexte 11">
+            <a:extLst>
+              <a:ext uri="{FF2B5EF4-FFF2-40B4-BE49-F238E27FC236}">
+                <a16:creationId xmlns:a16="http://schemas.microsoft.com/office/drawing/2014/main" id="{BBED6A26-211D-7C76-4C1A-96E6D0EC3C39}"/>
+              </a:ext>
+            </a:extLst>
+          </p:cNvPr>
+          <p:cNvSpPr txBox="1"/>
+          <p:nvPr/>
+        </p:nvSpPr>
+        <p:spPr>
+          <a:xfrm>
+            <a:off x="1115567" y="2956004"/>
+            <a:ext cx="4688234" cy="584775"/>
+          </a:xfrm>
+          <a:prstGeom prst="rect">
+            <a:avLst/>
+          </a:prstGeom>
+          <a:noFill/>
+        </p:spPr>
+        <p:txBody>
+          <a:bodyPr wrap="square">
+            <a:spAutoFit/>
+          </a:bodyPr>
+          <a:lstStyle/>
+          <a:p>
+            <a:r>
+              <a:rPr lang="fr-FR" sz="1600" dirty="0"/>
+              <a:t>Séance 1 : travail en groupe sur une thématique</a:t>
+            </a:r>
+          </a:p>
+          <a:p>
+            <a:r>
+              <a:rPr lang="fr-FR" sz="1600" dirty="0"/>
+              <a:t>Séance 2 : synthèse / démo</a:t>
+            </a:r>
+          </a:p>
+        </p:txBody>
+      </p:sp>
+      <p:sp>
+        <p:nvSpPr>
+          <p:cNvPr id="4" name="CustomShape 3">
+            <a:extLst>
+              <a:ext uri="{FF2B5EF4-FFF2-40B4-BE49-F238E27FC236}">
+                <a16:creationId xmlns:a16="http://schemas.microsoft.com/office/drawing/2014/main" id="{5563BA39-C17B-A5DE-0920-F612FF2D3D9B}"/>
               </a:ext>
             </a:extLst>
           </p:cNvPr>
@@ -6616,17 +6617,14 @@
         </p:nvSpPr>
         <p:spPr>
           <a:xfrm>
-            <a:off x="6713678" y="3782746"/>
-            <a:ext cx="4051393" cy="492443"/>
+            <a:off x="2096863" y="3603070"/>
+            <a:ext cx="3348569" cy="492443"/>
           </a:xfrm>
           <a:prstGeom prst="rect">
             <a:avLst/>
           </a:prstGeom>
           <a:solidFill>
-            <a:schemeClr val="accent2">
-              <a:lumMod val="60000"/>
-              <a:lumOff val="40000"/>
-            </a:schemeClr>
+            <a:schemeClr val="accent6"/>
           </a:solidFill>
           <a:ln w="0">
             <a:noFill/>
@@ -6661,14 +6659,17 @@
             <a:r>
               <a:rPr lang="fr-FR" sz="2000" b="1" strike="noStrike" spc="-1" dirty="0">
                 <a:solidFill>
-                  <a:srgbClr val="666666"/>
+                  <a:schemeClr val="bg1"/>
                 </a:solidFill>
                 <a:latin typeface="Trebuchet MS"/>
                 <a:ea typeface="Trebuchet MS"/>
               </a:rPr>
-              <a:t>Traitement de données 1D</a:t>
+              <a:t>Capteurs et mise en forme</a:t>
             </a:r>
             <a:endParaRPr lang="fr-FR" sz="2000" b="0" strike="noStrike" spc="-1" dirty="0">
+              <a:solidFill>
+                <a:schemeClr val="bg1"/>
+              </a:solidFill>
               <a:latin typeface="Arial"/>
             </a:endParaRPr>
           </a:p>
@@ -6676,10 +6677,10 @@
       </p:sp>
       <p:sp>
         <p:nvSpPr>
-          <p:cNvPr id="8" name="CustomShape 24">
-            <a:extLst>
-              <a:ext uri="{FF2B5EF4-FFF2-40B4-BE49-F238E27FC236}">
-                <a16:creationId xmlns:a16="http://schemas.microsoft.com/office/drawing/2014/main" id="{9CF220BA-6890-70F8-4D22-63D468AB6191}"/>
+          <p:cNvPr id="11" name="CustomShape 3">
+            <a:extLst>
+              <a:ext uri="{FF2B5EF4-FFF2-40B4-BE49-F238E27FC236}">
+                <a16:creationId xmlns:a16="http://schemas.microsoft.com/office/drawing/2014/main" id="{B6E8CB13-25D1-089F-7458-FE3DBDBE8A88}"/>
               </a:ext>
             </a:extLst>
           </p:cNvPr>
@@ -6688,17 +6689,14 @@
         </p:nvSpPr>
         <p:spPr>
           <a:xfrm>
-            <a:off x="6713678" y="5177502"/>
-            <a:ext cx="4051393" cy="492443"/>
+            <a:off x="2096863" y="4250260"/>
+            <a:ext cx="3348569" cy="492443"/>
           </a:xfrm>
           <a:prstGeom prst="rect">
             <a:avLst/>
           </a:prstGeom>
           <a:solidFill>
-            <a:schemeClr val="accent2">
-              <a:lumMod val="40000"/>
-              <a:lumOff val="60000"/>
-            </a:schemeClr>
+            <a:schemeClr val="accent3"/>
           </a:solidFill>
           <a:ln w="0">
             <a:noFill/>
@@ -6733,14 +6731,17 @@
             <a:r>
               <a:rPr lang="fr-FR" sz="2000" b="1" strike="noStrike" spc="-1" dirty="0">
                 <a:solidFill>
-                  <a:srgbClr val="666666"/>
+                  <a:schemeClr val="bg1"/>
                 </a:solidFill>
                 <a:latin typeface="Trebuchet MS"/>
                 <a:ea typeface="Trebuchet MS"/>
               </a:rPr>
-              <a:t>Traitement de données 2D</a:t>
+              <a:t>Filtrage actif</a:t>
             </a:r>
             <a:endParaRPr lang="fr-FR" sz="2000" b="0" strike="noStrike" spc="-1" dirty="0">
+              <a:solidFill>
+                <a:schemeClr val="bg1"/>
+              </a:solidFill>
               <a:latin typeface="Arial"/>
             </a:endParaRPr>
           </a:p>
@@ -6748,10 +6749,10 @@
       </p:sp>
       <p:sp>
         <p:nvSpPr>
-          <p:cNvPr id="9" name="CustomShape 3">
-            <a:extLst>
-              <a:ext uri="{FF2B5EF4-FFF2-40B4-BE49-F238E27FC236}">
-                <a16:creationId xmlns:a16="http://schemas.microsoft.com/office/drawing/2014/main" id="{7CD7374B-ED6D-6AF2-BD0B-1717C3940DB9}"/>
+          <p:cNvPr id="16" name="CustomShape 3">
+            <a:extLst>
+              <a:ext uri="{FF2B5EF4-FFF2-40B4-BE49-F238E27FC236}">
+                <a16:creationId xmlns:a16="http://schemas.microsoft.com/office/drawing/2014/main" id="{9CF8A9CC-D2EB-BDA6-0B03-3F4F465B96F8}"/>
               </a:ext>
             </a:extLst>
           </p:cNvPr>
@@ -6760,7 +6761,153 @@
         </p:nvSpPr>
         <p:spPr>
           <a:xfrm>
-            <a:off x="1115567" y="2440602"/>
+            <a:off x="2096862" y="4897450"/>
+            <a:ext cx="3348569" cy="492443"/>
+          </a:xfrm>
+          <a:prstGeom prst="rect">
+            <a:avLst/>
+          </a:prstGeom>
+          <a:solidFill>
+            <a:schemeClr val="accent1"/>
+          </a:solidFill>
+          <a:ln w="0">
+            <a:noFill/>
+          </a:ln>
+        </p:spPr>
+        <p:style>
+          <a:lnRef idx="0">
+            <a:scrgbClr r="0" g="0" b="0"/>
+          </a:lnRef>
+          <a:fillRef idx="0">
+            <a:scrgbClr r="0" g="0" b="0"/>
+          </a:fillRef>
+          <a:effectRef idx="0">
+            <a:scrgbClr r="0" g="0" b="0"/>
+          </a:effectRef>
+          <a:fontRef idx="minor"/>
+        </p:style>
+        <p:txBody>
+          <a:bodyPr wrap="square" tIns="91440" bIns="91440">
+            <a:spAutoFit/>
+          </a:bodyPr>
+          <a:lstStyle/>
+          <a:p>
+            <a:pPr algn="ctr">
+              <a:lnSpc>
+                <a:spcPct val="100000"/>
+              </a:lnSpc>
+              <a:tabLst>
+                <a:tab pos="0" algn="l"/>
+              </a:tabLst>
+            </a:pPr>
+            <a:r>
+              <a:rPr lang="fr-FR" sz="2000" b="1" strike="noStrike" spc="-1" dirty="0" err="1">
+                <a:solidFill>
+                  <a:schemeClr val="bg1"/>
+                </a:solidFill>
+                <a:latin typeface="Trebuchet MS"/>
+                <a:ea typeface="Trebuchet MS"/>
+              </a:rPr>
+              <a:t>Photodétection</a:t>
+            </a:r>
+            <a:endParaRPr lang="fr-FR" sz="2000" b="0" strike="noStrike" spc="-1" dirty="0">
+              <a:solidFill>
+                <a:schemeClr val="bg1"/>
+              </a:solidFill>
+              <a:latin typeface="Arial"/>
+            </a:endParaRPr>
+          </a:p>
+        </p:txBody>
+      </p:sp>
+      <p:sp>
+        <p:nvSpPr>
+          <p:cNvPr id="17" name="CustomShape 3">
+            <a:extLst>
+              <a:ext uri="{FF2B5EF4-FFF2-40B4-BE49-F238E27FC236}">
+                <a16:creationId xmlns:a16="http://schemas.microsoft.com/office/drawing/2014/main" id="{C2AE561C-1538-4EB9-203C-0BB62E4CC526}"/>
+              </a:ext>
+            </a:extLst>
+          </p:cNvPr>
+          <p:cNvSpPr/>
+          <p:nvPr/>
+        </p:nvSpPr>
+        <p:spPr>
+          <a:xfrm>
+            <a:off x="2096861" y="5544640"/>
+            <a:ext cx="3348569" cy="492443"/>
+          </a:xfrm>
+          <a:prstGeom prst="rect">
+            <a:avLst/>
+          </a:prstGeom>
+          <a:solidFill>
+            <a:schemeClr val="accent2">
+              <a:lumMod val="75000"/>
+            </a:schemeClr>
+          </a:solidFill>
+          <a:ln w="0">
+            <a:noFill/>
+          </a:ln>
+        </p:spPr>
+        <p:style>
+          <a:lnRef idx="0">
+            <a:scrgbClr r="0" g="0" b="0"/>
+          </a:lnRef>
+          <a:fillRef idx="0">
+            <a:scrgbClr r="0" g="0" b="0"/>
+          </a:fillRef>
+          <a:effectRef idx="0">
+            <a:scrgbClr r="0" g="0" b="0"/>
+          </a:effectRef>
+          <a:fontRef idx="minor"/>
+        </p:style>
+        <p:txBody>
+          <a:bodyPr wrap="square" tIns="91440" bIns="91440">
+            <a:spAutoFit/>
+          </a:bodyPr>
+          <a:lstStyle/>
+          <a:p>
+            <a:pPr algn="ctr">
+              <a:lnSpc>
+                <a:spcPct val="100000"/>
+              </a:lnSpc>
+              <a:tabLst>
+                <a:tab pos="0" algn="l"/>
+              </a:tabLst>
+            </a:pPr>
+            <a:r>
+              <a:rPr lang="fr-FR" sz="2000" b="1" strike="noStrike" spc="-1" dirty="0">
+                <a:solidFill>
+                  <a:schemeClr val="bg1"/>
+                </a:solidFill>
+                <a:latin typeface="Trebuchet MS"/>
+                <a:ea typeface="Trebuchet MS"/>
+              </a:rPr>
+              <a:t>Asservissement</a:t>
+            </a:r>
+            <a:endParaRPr lang="fr-FR" sz="2000" b="0" strike="noStrike" spc="-1" dirty="0">
+              <a:solidFill>
+                <a:schemeClr val="bg1"/>
+              </a:solidFill>
+              <a:latin typeface="Arial"/>
+            </a:endParaRPr>
+          </a:p>
+        </p:txBody>
+      </p:sp>
+      <p:sp>
+        <p:nvSpPr>
+          <p:cNvPr id="18" name="CustomShape 3">
+            <a:extLst>
+              <a:ext uri="{FF2B5EF4-FFF2-40B4-BE49-F238E27FC236}">
+                <a16:creationId xmlns:a16="http://schemas.microsoft.com/office/drawing/2014/main" id="{67756887-8D7D-16CA-99A7-DCA51C63AE43}"/>
+              </a:ext>
+            </a:extLst>
+          </p:cNvPr>
+          <p:cNvSpPr/>
+          <p:nvPr/>
+        </p:nvSpPr>
+        <p:spPr>
+          <a:xfrm>
+            <a:off x="6390968" y="2440602"/>
             <a:ext cx="4685465" cy="492443"/>
           </a:xfrm>
           <a:prstGeom prst="rect">
@@ -6810,7 +6957,7 @@
                 <a:latin typeface="Trebuchet MS"/>
                 <a:ea typeface="Trebuchet MS"/>
               </a:rPr>
-              <a:t>4 blocs de 2 séances (2h/séance)</a:t>
+              <a:t>3 blocs de 2 séances de TP</a:t>
             </a:r>
             <a:endParaRPr lang="fr-FR" sz="2000" b="0" strike="noStrike" spc="-1" dirty="0">
               <a:solidFill>
@@ -6823,10 +6970,10 @@
       </p:sp>
       <p:sp>
         <p:nvSpPr>
-          <p:cNvPr id="10" name="CustomShape 3">
-            <a:extLst>
-              <a:ext uri="{FF2B5EF4-FFF2-40B4-BE49-F238E27FC236}">
-                <a16:creationId xmlns:a16="http://schemas.microsoft.com/office/drawing/2014/main" id="{C430E7A6-8A93-686A-7C4E-ED51D2B4CA5C}"/>
+          <p:cNvPr id="19" name="CustomShape 3">
+            <a:extLst>
+              <a:ext uri="{FF2B5EF4-FFF2-40B4-BE49-F238E27FC236}">
+                <a16:creationId xmlns:a16="http://schemas.microsoft.com/office/drawing/2014/main" id="{0A1DB7D8-E96B-C55E-F704-22C897EDE261}"/>
               </a:ext>
             </a:extLst>
           </p:cNvPr>
@@ -6835,17 +6982,14 @@
         </p:nvSpPr>
         <p:spPr>
           <a:xfrm>
-            <a:off x="1115567" y="4503069"/>
-            <a:ext cx="4685465" cy="492443"/>
+            <a:off x="6388201" y="3152988"/>
+            <a:ext cx="3348569" cy="492443"/>
           </a:xfrm>
           <a:prstGeom prst="rect">
             <a:avLst/>
           </a:prstGeom>
           <a:solidFill>
-            <a:schemeClr val="tx1">
-              <a:lumMod val="50000"/>
-              <a:lumOff val="50000"/>
-            </a:schemeClr>
+            <a:schemeClr val="accent6"/>
           </a:solidFill>
           <a:ln w="0">
             <a:noFill/>
@@ -6885,7 +7029,7 @@
                 <a:latin typeface="Trebuchet MS"/>
                 <a:ea typeface="Trebuchet MS"/>
               </a:rPr>
-              <a:t>Déroulement de chaque bloc</a:t>
+              <a:t>Mise en forme / Filtrage</a:t>
             </a:r>
             <a:endParaRPr lang="fr-FR" sz="2000" b="0" strike="noStrike" spc="-1" dirty="0">
               <a:solidFill>
@@ -6898,177 +7042,218 @@
       </p:sp>
       <p:sp>
         <p:nvSpPr>
-          <p:cNvPr id="12" name="ZoneTexte 11">
-            <a:extLst>
-              <a:ext uri="{FF2B5EF4-FFF2-40B4-BE49-F238E27FC236}">
-                <a16:creationId xmlns:a16="http://schemas.microsoft.com/office/drawing/2014/main" id="{BBED6A26-211D-7C76-4C1A-96E6D0EC3C39}"/>
-              </a:ext>
-            </a:extLst>
-          </p:cNvPr>
-          <p:cNvSpPr txBox="1"/>
+          <p:cNvPr id="21" name="CustomShape 3">
+            <a:extLst>
+              <a:ext uri="{FF2B5EF4-FFF2-40B4-BE49-F238E27FC236}">
+                <a16:creationId xmlns:a16="http://schemas.microsoft.com/office/drawing/2014/main" id="{C4F009B7-348E-6E4E-D3E6-A48A8134EA26}"/>
+              </a:ext>
+            </a:extLst>
+          </p:cNvPr>
+          <p:cNvSpPr/>
           <p:nvPr/>
         </p:nvSpPr>
         <p:spPr>
           <a:xfrm>
-            <a:off x="2028213" y="5064204"/>
-            <a:ext cx="3775587" cy="1107996"/>
+            <a:off x="7069579" y="3806269"/>
+            <a:ext cx="3348569" cy="492443"/>
           </a:xfrm>
           <a:prstGeom prst="rect">
             <a:avLst/>
           </a:prstGeom>
-          <a:noFill/>
-        </p:spPr>
-        <p:txBody>
-          <a:bodyPr wrap="square">
+          <a:solidFill>
+            <a:schemeClr val="accent1"/>
+          </a:solidFill>
+          <a:ln w="0">
+            <a:noFill/>
+          </a:ln>
+        </p:spPr>
+        <p:style>
+          <a:lnRef idx="0">
+            <a:scrgbClr r="0" g="0" b="0"/>
+          </a:lnRef>
+          <a:fillRef idx="0">
+            <a:scrgbClr r="0" g="0" b="0"/>
+          </a:fillRef>
+          <a:effectRef idx="0">
+            <a:scrgbClr r="0" g="0" b="0"/>
+          </a:effectRef>
+          <a:fontRef idx="minor"/>
+        </p:style>
+        <p:txBody>
+          <a:bodyPr wrap="square" tIns="91440" bIns="91440">
             <a:spAutoFit/>
           </a:bodyPr>
           <a:lstStyle/>
           <a:p>
-            <a:r>
-              <a:rPr lang="fr-FR" sz="1600" dirty="0"/>
-              <a:t>Séance 1 : problématique</a:t>
-            </a:r>
-          </a:p>
-          <a:p>
-            <a:r>
-              <a:rPr lang="fr-FR" sz="1600" dirty="0"/>
-              <a:t>Séance 2 : mise en œuvre numérique</a:t>
-            </a:r>
-          </a:p>
-          <a:p>
-            <a:r>
-              <a:rPr lang="fr-FR" sz="1600" dirty="0"/>
-              <a:t>Séance 3 : mise en forme des résultats</a:t>
-            </a:r>
-          </a:p>
-          <a:p>
-            <a:r>
-              <a:rPr lang="fr-FR" sz="1600" dirty="0"/>
-              <a:t>Séance 4 : synthèse</a:t>
-            </a:r>
-          </a:p>
-        </p:txBody>
-      </p:sp>
-      <p:sp>
-        <p:nvSpPr>
-          <p:cNvPr id="13" name="ZoneTexte 12">
-            <a:extLst>
-              <a:ext uri="{FF2B5EF4-FFF2-40B4-BE49-F238E27FC236}">
-                <a16:creationId xmlns:a16="http://schemas.microsoft.com/office/drawing/2014/main" id="{3B6940C1-34CE-FA02-B213-6A52C2290983}"/>
-              </a:ext>
-            </a:extLst>
-          </p:cNvPr>
-          <p:cNvSpPr txBox="1"/>
+            <a:pPr algn="ctr">
+              <a:lnSpc>
+                <a:spcPct val="100000"/>
+              </a:lnSpc>
+              <a:tabLst>
+                <a:tab pos="0" algn="l"/>
+              </a:tabLst>
+            </a:pPr>
+            <a:r>
+              <a:rPr lang="fr-FR" sz="2000" b="1" strike="noStrike" spc="-1" dirty="0" err="1">
+                <a:solidFill>
+                  <a:schemeClr val="bg1"/>
+                </a:solidFill>
+                <a:latin typeface="Trebuchet MS"/>
+                <a:ea typeface="Trebuchet MS"/>
+              </a:rPr>
+              <a:t>Photodétection</a:t>
+            </a:r>
+            <a:endParaRPr lang="fr-FR" sz="2000" b="0" strike="noStrike" spc="-1" dirty="0">
+              <a:solidFill>
+                <a:schemeClr val="bg1"/>
+              </a:solidFill>
+              <a:latin typeface="Arial"/>
+            </a:endParaRPr>
+          </a:p>
+        </p:txBody>
+      </p:sp>
+      <p:sp>
+        <p:nvSpPr>
+          <p:cNvPr id="22" name="CustomShape 3">
+            <a:extLst>
+              <a:ext uri="{FF2B5EF4-FFF2-40B4-BE49-F238E27FC236}">
+                <a16:creationId xmlns:a16="http://schemas.microsoft.com/office/drawing/2014/main" id="{CE6EC910-9A26-3624-9DD4-5C9F133E72DA}"/>
+              </a:ext>
+            </a:extLst>
+          </p:cNvPr>
+          <p:cNvSpPr/>
           <p:nvPr/>
         </p:nvSpPr>
         <p:spPr>
           <a:xfrm>
-            <a:off x="7300846" y="2933044"/>
-            <a:ext cx="3464226" cy="584775"/>
+            <a:off x="7727864" y="5100650"/>
+            <a:ext cx="3348569" cy="492443"/>
           </a:xfrm>
           <a:prstGeom prst="rect">
             <a:avLst/>
           </a:prstGeom>
-          <a:noFill/>
-        </p:spPr>
-        <p:txBody>
-          <a:bodyPr wrap="square">
+          <a:solidFill>
+            <a:schemeClr val="accent2">
+              <a:lumMod val="75000"/>
+            </a:schemeClr>
+          </a:solidFill>
+          <a:ln w="0">
+            <a:noFill/>
+          </a:ln>
+        </p:spPr>
+        <p:style>
+          <a:lnRef idx="0">
+            <a:scrgbClr r="0" g="0" b="0"/>
+          </a:lnRef>
+          <a:fillRef idx="0">
+            <a:scrgbClr r="0" g="0" b="0"/>
+          </a:fillRef>
+          <a:effectRef idx="0">
+            <a:scrgbClr r="0" g="0" b="0"/>
+          </a:effectRef>
+          <a:fontRef idx="minor"/>
+        </p:style>
+        <p:txBody>
+          <a:bodyPr wrap="square" tIns="91440" bIns="91440">
             <a:spAutoFit/>
           </a:bodyPr>
           <a:lstStyle/>
           <a:p>
-            <a:r>
-              <a:rPr lang="fr-FR" sz="1600" dirty="0"/>
-              <a:t>Intro / Langage haut niveau</a:t>
-            </a:r>
-          </a:p>
-          <a:p>
-            <a:r>
-              <a:rPr lang="fr-FR" sz="1600" b="1" i="1" dirty="0"/>
-              <a:t>Problème 1</a:t>
-            </a:r>
-            <a:r>
-              <a:rPr lang="fr-FR" sz="1600" dirty="0"/>
-              <a:t> : circuit RC</a:t>
-            </a:r>
-          </a:p>
-        </p:txBody>
-      </p:sp>
-      <p:sp>
-        <p:nvSpPr>
-          <p:cNvPr id="14" name="ZoneTexte 13">
-            <a:extLst>
-              <a:ext uri="{FF2B5EF4-FFF2-40B4-BE49-F238E27FC236}">
-                <a16:creationId xmlns:a16="http://schemas.microsoft.com/office/drawing/2014/main" id="{4DD1495A-CB91-7639-CC40-F9C70B8E8173}"/>
-              </a:ext>
-            </a:extLst>
-          </p:cNvPr>
-          <p:cNvSpPr txBox="1"/>
+            <a:pPr algn="ctr">
+              <a:lnSpc>
+                <a:spcPct val="100000"/>
+              </a:lnSpc>
+              <a:tabLst>
+                <a:tab pos="0" algn="l"/>
+              </a:tabLst>
+            </a:pPr>
+            <a:r>
+              <a:rPr lang="fr-FR" sz="2000" b="1" strike="noStrike" spc="-1" dirty="0">
+                <a:solidFill>
+                  <a:schemeClr val="bg1"/>
+                </a:solidFill>
+                <a:latin typeface="Trebuchet MS"/>
+              </a:rPr>
+              <a:t>Notions avancées</a:t>
+            </a:r>
+            <a:endParaRPr lang="fr-FR" sz="2000" b="0" strike="noStrike" spc="-1" dirty="0">
+              <a:solidFill>
+                <a:schemeClr val="bg1"/>
+              </a:solidFill>
+              <a:latin typeface="Arial"/>
+            </a:endParaRPr>
+          </a:p>
+        </p:txBody>
+      </p:sp>
+      <p:sp>
+        <p:nvSpPr>
+          <p:cNvPr id="23" name="CustomShape 3">
+            <a:extLst>
+              <a:ext uri="{FF2B5EF4-FFF2-40B4-BE49-F238E27FC236}">
+                <a16:creationId xmlns:a16="http://schemas.microsoft.com/office/drawing/2014/main" id="{D07EBB44-0FC5-22B6-B831-C9AE212D70CF}"/>
+              </a:ext>
+            </a:extLst>
+          </p:cNvPr>
+          <p:cNvSpPr/>
           <p:nvPr/>
         </p:nvSpPr>
         <p:spPr>
           <a:xfrm>
-            <a:off x="7300845" y="4275189"/>
-            <a:ext cx="3464226" cy="584775"/>
+            <a:off x="7059415" y="4453460"/>
+            <a:ext cx="3348569" cy="492443"/>
           </a:xfrm>
           <a:prstGeom prst="rect">
             <a:avLst/>
           </a:prstGeom>
-          <a:noFill/>
-        </p:spPr>
-        <p:txBody>
-          <a:bodyPr wrap="square">
+          <a:solidFill>
+            <a:srgbClr val="00B0F0"/>
+          </a:solidFill>
+          <a:ln w="0">
+            <a:noFill/>
+          </a:ln>
+        </p:spPr>
+        <p:style>
+          <a:lnRef idx="0">
+            <a:scrgbClr r="0" g="0" b="0"/>
+          </a:lnRef>
+          <a:fillRef idx="0">
+            <a:scrgbClr r="0" g="0" b="0"/>
+          </a:fillRef>
+          <a:effectRef idx="0">
+            <a:scrgbClr r="0" g="0" b="0"/>
+          </a:effectRef>
+          <a:fontRef idx="minor"/>
+        </p:style>
+        <p:txBody>
+          <a:bodyPr wrap="square" tIns="91440" bIns="91440">
             <a:spAutoFit/>
           </a:bodyPr>
           <a:lstStyle/>
           <a:p>
-            <a:r>
-              <a:rPr lang="fr-FR" sz="1600" b="1" i="1" dirty="0"/>
-              <a:t>Problème 2</a:t>
-            </a:r>
-            <a:r>
-              <a:rPr lang="fr-FR" sz="1600" dirty="0"/>
-              <a:t> : signal modulé en amplitude / acquisition numérique</a:t>
-            </a:r>
-          </a:p>
-        </p:txBody>
-      </p:sp>
-      <p:sp>
-        <p:nvSpPr>
-          <p:cNvPr id="15" name="ZoneTexte 14">
-            <a:extLst>
-              <a:ext uri="{FF2B5EF4-FFF2-40B4-BE49-F238E27FC236}">
-                <a16:creationId xmlns:a16="http://schemas.microsoft.com/office/drawing/2014/main" id="{269155A6-9FEB-D196-579E-5CDBB2301800}"/>
-              </a:ext>
-            </a:extLst>
-          </p:cNvPr>
-          <p:cNvSpPr txBox="1"/>
-          <p:nvPr/>
-        </p:nvSpPr>
-        <p:spPr>
-          <a:xfrm>
-            <a:off x="7300845" y="5669945"/>
-            <a:ext cx="3464226" cy="830997"/>
-          </a:xfrm>
-          <a:prstGeom prst="rect">
-            <a:avLst/>
-          </a:prstGeom>
-          <a:noFill/>
-        </p:spPr>
-        <p:txBody>
-          <a:bodyPr wrap="square">
-            <a:spAutoFit/>
-          </a:bodyPr>
-          <a:lstStyle/>
-          <a:p>
-            <a:r>
-              <a:rPr lang="fr-FR" sz="1600" b="1" i="1" dirty="0"/>
-              <a:t>Problème 3</a:t>
-            </a:r>
-            <a:r>
-              <a:rPr lang="fr-FR" sz="1600" dirty="0"/>
-              <a:t> : images d’un faisceau LASER en différents points d’un chemin optique</a:t>
-            </a:r>
+            <a:pPr algn="ctr">
+              <a:lnSpc>
+                <a:spcPct val="100000"/>
+              </a:lnSpc>
+              <a:tabLst>
+                <a:tab pos="0" algn="l"/>
+              </a:tabLst>
+            </a:pPr>
+            <a:r>
+              <a:rPr lang="fr-FR" sz="2000" b="1" strike="noStrike" spc="-1" dirty="0">
+                <a:solidFill>
+                  <a:schemeClr val="bg1"/>
+                </a:solidFill>
+                <a:latin typeface="Trebuchet MS"/>
+                <a:ea typeface="Trebuchet MS"/>
+              </a:rPr>
+              <a:t>Numérique</a:t>
+            </a:r>
+            <a:endParaRPr lang="fr-FR" sz="2000" b="0" strike="noStrike" spc="-1" dirty="0">
+              <a:solidFill>
+                <a:schemeClr val="bg1"/>
+              </a:solidFill>
+              <a:latin typeface="Arial"/>
+            </a:endParaRPr>
           </a:p>
         </p:txBody>
       </p:sp>

--- a/electronique/b0_intro/B0_1_CeTI.pptx
+++ b/electronique/b0_intro/B0_1_CeTI.pptx
@@ -223,7 +223,7 @@
           <a:p>
             <a:fld id="{729C724E-499D-43AC-8699-CF969D2466FC}" type="datetimeFigureOut">
               <a:rPr lang="fr-FR" smtClean="0"/>
-              <a:t>21/06/2023</a:t>
+              <a:t>10/07/2023</a:t>
             </a:fld>
             <a:endParaRPr lang="fr-FR"/>
           </a:p>
@@ -1090,7 +1090,7 @@
           <a:p>
             <a:fld id="{02AC24A9-CCB6-4F8D-B8DB-C2F3692CFA5A}" type="datetimeFigureOut">
               <a:rPr lang="en-US" smtClean="0"/>
-              <a:t>6/21/2023</a:t>
+              <a:t>7/10/2023</a:t>
             </a:fld>
             <a:endParaRPr lang="en-US" dirty="0"/>
           </a:p>
@@ -1460,7 +1460,7 @@
           <a:p>
             <a:fld id="{02AC24A9-CCB6-4F8D-B8DB-C2F3692CFA5A}" type="datetimeFigureOut">
               <a:rPr lang="en-US" smtClean="0"/>
-              <a:t>6/21/2023</a:t>
+              <a:t>7/10/2023</a:t>
             </a:fld>
             <a:endParaRPr lang="en-US"/>
           </a:p>
@@ -1669,7 +1669,7 @@
           <a:p>
             <a:fld id="{02AC24A9-CCB6-4F8D-B8DB-C2F3692CFA5A}" type="datetimeFigureOut">
               <a:rPr lang="en-US" smtClean="0"/>
-              <a:t>6/21/2023</a:t>
+              <a:t>7/10/2023</a:t>
             </a:fld>
             <a:endParaRPr lang="en-US"/>
           </a:p>
@@ -2139,7 +2139,7 @@
           <a:p>
             <a:fld id="{02AC24A9-CCB6-4F8D-B8DB-C2F3692CFA5A}" type="datetimeFigureOut">
               <a:rPr lang="en-US" smtClean="0"/>
-              <a:t>6/21/2023</a:t>
+              <a:t>7/10/2023</a:t>
             </a:fld>
             <a:endParaRPr lang="en-US"/>
           </a:p>
@@ -2593,7 +2593,7 @@
           <a:p>
             <a:fld id="{02AC24A9-CCB6-4F8D-B8DB-C2F3692CFA5A}" type="datetimeFigureOut">
               <a:rPr lang="en-US" smtClean="0"/>
-              <a:t>6/21/2023</a:t>
+              <a:t>7/10/2023</a:t>
             </a:fld>
             <a:endParaRPr lang="en-US"/>
           </a:p>
@@ -3125,7 +3125,7 @@
           <a:p>
             <a:fld id="{02AC24A9-CCB6-4F8D-B8DB-C2F3692CFA5A}" type="datetimeFigureOut">
               <a:rPr lang="en-US" smtClean="0"/>
-              <a:t>6/21/2023</a:t>
+              <a:t>7/10/2023</a:t>
             </a:fld>
             <a:endParaRPr lang="en-US"/>
           </a:p>
@@ -3824,7 +3824,7 @@
           <a:p>
             <a:fld id="{02AC24A9-CCB6-4F8D-B8DB-C2F3692CFA5A}" type="datetimeFigureOut">
               <a:rPr lang="en-US" smtClean="0"/>
-              <a:t>6/21/2023</a:t>
+              <a:t>7/10/2023</a:t>
             </a:fld>
             <a:endParaRPr lang="en-US"/>
           </a:p>
@@ -4153,7 +4153,7 @@
           <a:p>
             <a:fld id="{02AC24A9-CCB6-4F8D-B8DB-C2F3692CFA5A}" type="datetimeFigureOut">
               <a:rPr lang="en-US" smtClean="0"/>
-              <a:t>6/21/2023</a:t>
+              <a:t>7/10/2023</a:t>
             </a:fld>
             <a:endParaRPr lang="en-US"/>
           </a:p>
@@ -4266,7 +4266,7 @@
           <a:p>
             <a:fld id="{02AC24A9-CCB6-4F8D-B8DB-C2F3692CFA5A}" type="datetimeFigureOut">
               <a:rPr lang="en-US" smtClean="0"/>
-              <a:t>6/21/2023</a:t>
+              <a:t>7/10/2023</a:t>
             </a:fld>
             <a:endParaRPr lang="en-US"/>
           </a:p>
@@ -4761,7 +4761,7 @@
           <a:p>
             <a:fld id="{02AC24A9-CCB6-4F8D-B8DB-C2F3692CFA5A}" type="datetimeFigureOut">
               <a:rPr lang="en-US" smtClean="0"/>
-              <a:t>6/21/2023</a:t>
+              <a:t>7/10/2023</a:t>
             </a:fld>
             <a:endParaRPr lang="en-US" dirty="0"/>
           </a:p>
@@ -5238,7 +5238,7 @@
           <a:p>
             <a:fld id="{02AC24A9-CCB6-4F8D-B8DB-C2F3692CFA5A}" type="datetimeFigureOut">
               <a:rPr lang="en-US" smtClean="0"/>
-              <a:t>6/21/2023</a:t>
+              <a:t>7/10/2023</a:t>
             </a:fld>
             <a:endParaRPr lang="en-US"/>
           </a:p>
@@ -5481,7 +5481,7 @@
           <a:p>
             <a:fld id="{02AC24A9-CCB6-4F8D-B8DB-C2F3692CFA5A}" type="datetimeFigureOut">
               <a:rPr lang="en-US" smtClean="0"/>
-              <a:t>6/21/2023</a:t>
+              <a:t>7/10/2023</a:t>
             </a:fld>
             <a:endParaRPr lang="en-US"/>
           </a:p>
@@ -10474,6 +10474,85 @@
           </a:prstGeom>
         </p:spPr>
       </p:pic>
+      <p:pic>
+        <p:nvPicPr>
+          <p:cNvPr id="3" name="Image 2" descr="Une image contenant intérieur, Visage humain, sol, musée&#10;&#10;Description générée automatiquement">
+            <a:extLst>
+              <a:ext uri="{FF2B5EF4-FFF2-40B4-BE49-F238E27FC236}">
+                <a16:creationId xmlns:a16="http://schemas.microsoft.com/office/drawing/2014/main" id="{84A73011-A0F0-FADD-4828-8979B5C02484}"/>
+              </a:ext>
+            </a:extLst>
+          </p:cNvPr>
+          <p:cNvPicPr>
+            <a:picLocks noChangeAspect="1"/>
+          </p:cNvPicPr>
+          <p:nvPr/>
+        </p:nvPicPr>
+        <p:blipFill>
+          <a:blip r:embed="rId3">
+            <a:extLst>
+              <a:ext uri="{28A0092B-C50C-407E-A947-70E740481C1C}">
+                <a14:useLocalDpi xmlns:a14="http://schemas.microsoft.com/office/drawing/2010/main" val="0"/>
+              </a:ext>
+            </a:extLst>
+          </a:blip>
+          <a:stretch>
+            <a:fillRect/>
+          </a:stretch>
+        </p:blipFill>
+        <p:spPr>
+          <a:xfrm>
+            <a:off x="8454452" y="509393"/>
+            <a:ext cx="3043004" cy="5799967"/>
+          </a:xfrm>
+          <a:prstGeom prst="rect">
+            <a:avLst/>
+          </a:prstGeom>
+        </p:spPr>
+      </p:pic>
+      <p:sp>
+        <p:nvSpPr>
+          <p:cNvPr id="4" name="ZoneTexte 3">
+            <a:extLst>
+              <a:ext uri="{FF2B5EF4-FFF2-40B4-BE49-F238E27FC236}">
+                <a16:creationId xmlns:a16="http://schemas.microsoft.com/office/drawing/2014/main" id="{B8C973D8-D1FF-2290-04E7-ADCDB7195EDB}"/>
+              </a:ext>
+            </a:extLst>
+          </p:cNvPr>
+          <p:cNvSpPr txBox="1"/>
+          <p:nvPr/>
+        </p:nvSpPr>
+        <p:spPr>
+          <a:xfrm>
+            <a:off x="8345347" y="6309360"/>
+            <a:ext cx="3244799" cy="261610"/>
+          </a:xfrm>
+          <a:prstGeom prst="rect">
+            <a:avLst/>
+          </a:prstGeom>
+          <a:noFill/>
+        </p:spPr>
+        <p:txBody>
+          <a:bodyPr wrap="none" rtlCol="0">
+            <a:spAutoFit/>
+          </a:bodyPr>
+          <a:lstStyle/>
+          <a:p>
+            <a:r>
+              <a:rPr lang="fr-FR" sz="1100" dirty="0"/>
+              <a:t>Photo : Lionel </a:t>
+            </a:r>
+            <a:r>
+              <a:rPr lang="fr-FR" sz="1100" dirty="0" err="1"/>
+              <a:t>Jacubowiez</a:t>
+            </a:r>
+            <a:r>
+              <a:rPr lang="fr-FR" sz="1100" dirty="0"/>
+              <a:t> / Recyclerie Bagneux</a:t>
+            </a:r>
+          </a:p>
+        </p:txBody>
+      </p:sp>
     </p:spTree>
     <p:extLst>
       <p:ext uri="{BB962C8B-B14F-4D97-AF65-F5344CB8AC3E}">
